--- a/engine2/Doc/training/mediaplayer_training.pptx
+++ b/engine2/Doc/training/mediaplayer_training.pptx
@@ -53,15 +53,20 @@
     <p:sldId id="307" r:id="rId47"/>
     <p:sldId id="308" r:id="rId48"/>
     <p:sldId id="309" r:id="rId49"/>
-    <p:sldId id="312" r:id="rId50"/>
-    <p:sldId id="313" r:id="rId51"/>
-    <p:sldId id="310" r:id="rId52"/>
-    <p:sldId id="311" r:id="rId53"/>
-    <p:sldId id="258" r:id="rId54"/>
-    <p:sldId id="264" r:id="rId55"/>
-    <p:sldId id="261" r:id="rId56"/>
-    <p:sldId id="259" r:id="rId57"/>
-    <p:sldId id="262" r:id="rId58"/>
+    <p:sldId id="318" r:id="rId50"/>
+    <p:sldId id="319" r:id="rId51"/>
+    <p:sldId id="315" r:id="rId52"/>
+    <p:sldId id="316" r:id="rId53"/>
+    <p:sldId id="317" r:id="rId54"/>
+    <p:sldId id="312" r:id="rId55"/>
+    <p:sldId id="313" r:id="rId56"/>
+    <p:sldId id="310" r:id="rId57"/>
+    <p:sldId id="311" r:id="rId58"/>
+    <p:sldId id="258" r:id="rId59"/>
+    <p:sldId id="264" r:id="rId60"/>
+    <p:sldId id="261" r:id="rId61"/>
+    <p:sldId id="259" r:id="rId62"/>
+    <p:sldId id="262" r:id="rId63"/>
   </p:sldIdLst>
   <p:sldSz cx="9144000" cy="6858000" type="screen4x3"/>
   <p:notesSz cx="6858000" cy="9144000"/>
@@ -2921,7 +2926,7 @@
             <a:fld id="{0A98AF03-7270-45C2-A683-C5E353EF01A5}" type="datetime4">
               <a:rPr lang="en-US" smtClean="0"/>
               <a:pPr/>
-              <a:t>April 16, 2015</a:t>
+              <a:t>April 20, 2015</a:t>
             </a:fld>
             <a:endParaRPr lang="en-US" dirty="0"/>
           </a:p>
@@ -3208,7 +3213,7 @@
             <a:fld id="{A2FB5AFD-D735-4504-A039-ADEBB6448D55}" type="datetime4">
               <a:rPr lang="en-US" smtClean="0"/>
               <a:pPr/>
-              <a:t>April 16, 2015</a:t>
+              <a:t>April 20, 2015</a:t>
             </a:fld>
             <a:endParaRPr lang="en-US"/>
           </a:p>
@@ -3385,7 +3390,7 @@
             <a:fld id="{AB5C8118-FB93-4E87-B380-0175F2FE2167}" type="datetime4">
               <a:rPr lang="en-US" smtClean="0"/>
               <a:pPr/>
-              <a:t>April 16, 2015</a:t>
+              <a:t>April 20, 2015</a:t>
             </a:fld>
             <a:endParaRPr lang="en-US"/>
           </a:p>
@@ -3552,7 +3557,7 @@
             <a:fld id="{05A93482-8E69-40F7-BCAD-5662A6CADB27}" type="datetime4">
               <a:rPr lang="en-US" smtClean="0"/>
               <a:pPr/>
-              <a:t>April 16, 2015</a:t>
+              <a:t>April 20, 2015</a:t>
             </a:fld>
             <a:endParaRPr lang="en-US"/>
           </a:p>
@@ -3795,7 +3800,7 @@
             <a:fld id="{FBB7EAE1-CAAC-4AEF-919E-158692B1E55E}" type="datetime4">
               <a:rPr lang="en-US" smtClean="0"/>
               <a:pPr/>
-              <a:t>April 16, 2015</a:t>
+              <a:t>April 20, 2015</a:t>
             </a:fld>
             <a:endParaRPr lang="en-US"/>
           </a:p>
@@ -3910,7 +3915,7 @@
             <a:fld id="{9525A706-D8F2-4D1A-855A-CADC92600C26}" type="datetime4">
               <a:rPr lang="en-US" smtClean="0"/>
               <a:pPr/>
-              <a:t>April 16, 2015</a:t>
+              <a:t>April 20, 2015</a:t>
             </a:fld>
             <a:endParaRPr lang="en-US"/>
           </a:p>
@@ -4451,7 +4456,7 @@
             <a:fld id="{99B4F123-1704-49AC-9D15-C4B1462B8014}" type="datetime4">
               <a:rPr lang="en-US" smtClean="0"/>
               <a:pPr/>
-              <a:t>April 16, 2015</a:t>
+              <a:t>April 20, 2015</a:t>
             </a:fld>
             <a:endParaRPr lang="en-US"/>
           </a:p>
@@ -4566,7 +4571,7 @@
             <a:fld id="{E3127EC2-47FB-48A1-8644-C8A81DDAA119}" type="datetime4">
               <a:rPr lang="en-US" smtClean="0"/>
               <a:pPr/>
-              <a:t>April 16, 2015</a:t>
+              <a:t>April 20, 2015</a:t>
             </a:fld>
             <a:endParaRPr lang="en-US"/>
           </a:p>
@@ -4658,7 +4663,7 @@
             <a:fld id="{AE3EC3ED-7435-49F9-84C8-03CCA2F8DEDB}" type="datetime4">
               <a:rPr lang="en-US" smtClean="0"/>
               <a:pPr/>
-              <a:t>April 16, 2015</a:t>
+              <a:t>April 20, 2015</a:t>
             </a:fld>
             <a:endParaRPr lang="en-US"/>
           </a:p>
@@ -7311,7 +7316,7 @@
             <a:fld id="{3FC49BF1-FCD3-4395-8FF6-0047AF66228E}" type="datetime4">
               <a:rPr lang="en-US" smtClean="0"/>
               <a:pPr/>
-              <a:t>April 16, 2015</a:t>
+              <a:t>April 20, 2015</a:t>
             </a:fld>
             <a:endParaRPr lang="en-US"/>
           </a:p>
@@ -10525,7 +10530,7 @@
             <a:fld id="{CA861222-2C8B-4501-BE87-6797EC025925}" type="datetime4">
               <a:rPr lang="en-US" smtClean="0"/>
               <a:pPr/>
-              <a:t>April 16, 2015</a:t>
+              <a:t>April 20, 2015</a:t>
             </a:fld>
             <a:endParaRPr lang="en-US"/>
           </a:p>
@@ -13349,7 +13354,7 @@
             <a:fld id="{16C01193-8287-4834-A286-6B880643E934}" type="datetime4">
               <a:rPr lang="en-US" smtClean="0"/>
               <a:pPr/>
-              <a:t>April 16, 2015</a:t>
+              <a:t>April 20, 2015</a:t>
             </a:fld>
             <a:endParaRPr lang="en-US"/>
           </a:p>
@@ -13876,7 +13881,7 @@
             <a:fld id="{0A98AF03-7270-45C2-A683-C5E353EF01A5}" type="datetime4">
               <a:rPr lang="en-US" smtClean="0"/>
               <a:pPr/>
-              <a:t>April 16, 2015</a:t>
+              <a:t>April 20, 2015</a:t>
             </a:fld>
             <a:endParaRPr lang="en-US" dirty="0"/>
           </a:p>
@@ -14008,7 +14013,7 @@
             <a:fld id="{E3127EC2-47FB-48A1-8644-C8A81DDAA119}" type="datetime4">
               <a:rPr lang="en-US" smtClean="0"/>
               <a:pPr/>
-              <a:t>April 16, 2015</a:t>
+              <a:t>April 20, 2015</a:t>
             </a:fld>
             <a:endParaRPr lang="en-US"/>
           </a:p>
@@ -14805,7 +14810,7 @@
             <a:fld id="{E3127EC2-47FB-48A1-8644-C8A81DDAA119}" type="datetime4">
               <a:rPr lang="en-US" smtClean="0"/>
               <a:pPr/>
-              <a:t>April 16, 2015</a:t>
+              <a:t>April 20, 2015</a:t>
             </a:fld>
             <a:endParaRPr lang="en-US"/>
           </a:p>
@@ -15417,7 +15422,7 @@
             <a:fld id="{E3127EC2-47FB-48A1-8644-C8A81DDAA119}" type="datetime4">
               <a:rPr lang="en-US" smtClean="0"/>
               <a:pPr/>
-              <a:t>April 16, 2015</a:t>
+              <a:t>April 20, 2015</a:t>
             </a:fld>
             <a:endParaRPr lang="en-US"/>
           </a:p>
@@ -16521,7 +16526,7 @@
             <a:fld id="{E3127EC2-47FB-48A1-8644-C8A81DDAA119}" type="datetime4">
               <a:rPr lang="en-US" smtClean="0"/>
               <a:pPr/>
-              <a:t>April 16, 2015</a:t>
+              <a:t>April 20, 2015</a:t>
             </a:fld>
             <a:endParaRPr lang="en-US"/>
           </a:p>
@@ -16670,15 +16675,7 @@
                   <a:srgbClr val="FF0000"/>
                 </a:solidFill>
               </a:rPr>
-              <a:t>         How YUV store?(</a:t>
-            </a:r>
-            <a:r>
-              <a:rPr lang="en-US" altLang="zh-CN" sz="2800" dirty="0" smtClean="0">
-                <a:solidFill>
-                  <a:srgbClr val="FF0000"/>
-                </a:solidFill>
-              </a:rPr>
-              <a:t>continued 2)</a:t>
+              <a:t>         How YUV store?(continued 2)</a:t>
             </a:r>
             <a:endParaRPr lang="zh-CN" altLang="en-US" sz="2800" dirty="0">
               <a:solidFill>
@@ -17249,7 +17246,7 @@
             <a:fld id="{E3127EC2-47FB-48A1-8644-C8A81DDAA119}" type="datetime4">
               <a:rPr lang="en-US" smtClean="0"/>
               <a:pPr/>
-              <a:t>April 16, 2015</a:t>
+              <a:t>April 20, 2015</a:t>
             </a:fld>
             <a:endParaRPr lang="en-US"/>
           </a:p>
@@ -17398,15 +17395,7 @@
                   <a:srgbClr val="FF0000"/>
                 </a:solidFill>
               </a:rPr>
-              <a:t>         How YUV store?(</a:t>
-            </a:r>
-            <a:r>
-              <a:rPr lang="en-US" altLang="zh-CN" sz="2800" dirty="0" smtClean="0">
-                <a:solidFill>
-                  <a:srgbClr val="FF0000"/>
-                </a:solidFill>
-              </a:rPr>
-              <a:t>continued 3)</a:t>
+              <a:t>         How YUV store?(continued 3)</a:t>
             </a:r>
             <a:endParaRPr lang="zh-CN" altLang="en-US" sz="2800" dirty="0">
               <a:solidFill>
@@ -17893,7 +17882,7 @@
             <a:fld id="{E3127EC2-47FB-48A1-8644-C8A81DDAA119}" type="datetime4">
               <a:rPr lang="en-US" smtClean="0"/>
               <a:pPr/>
-              <a:t>April 16, 2015</a:t>
+              <a:t>April 20, 2015</a:t>
             </a:fld>
             <a:endParaRPr lang="en-US"/>
           </a:p>
@@ -18042,15 +18031,7 @@
                   <a:srgbClr val="FF0000"/>
                 </a:solidFill>
               </a:rPr>
-              <a:t>         How YUV store?(</a:t>
-            </a:r>
-            <a:r>
-              <a:rPr lang="en-US" altLang="zh-CN" sz="2800" dirty="0" smtClean="0">
-                <a:solidFill>
-                  <a:srgbClr val="FF0000"/>
-                </a:solidFill>
-              </a:rPr>
-              <a:t>continued 4)</a:t>
+              <a:t>         How YUV store?(continued 4)</a:t>
             </a:r>
             <a:endParaRPr lang="zh-CN" altLang="en-US" sz="2800" dirty="0">
               <a:solidFill>
@@ -18187,7 +18168,7 @@
             <a:fld id="{E3127EC2-47FB-48A1-8644-C8A81DDAA119}" type="datetime4">
               <a:rPr lang="en-US" smtClean="0"/>
               <a:pPr/>
-              <a:t>April 16, 2015</a:t>
+              <a:t>April 20, 2015</a:t>
             </a:fld>
             <a:endParaRPr lang="en-US"/>
           </a:p>
@@ -18669,7 +18650,7 @@
             <a:fld id="{E3127EC2-47FB-48A1-8644-C8A81DDAA119}" type="datetime4">
               <a:rPr lang="en-US" smtClean="0"/>
               <a:pPr/>
-              <a:t>April 16, 2015</a:t>
+              <a:t>April 20, 2015</a:t>
             </a:fld>
             <a:endParaRPr lang="en-US"/>
           </a:p>
@@ -19234,7 +19215,7 @@
             <a:fld id="{E3127EC2-47FB-48A1-8644-C8A81DDAA119}" type="datetime4">
               <a:rPr lang="en-US" smtClean="0"/>
               <a:pPr/>
-              <a:t>April 16, 2015</a:t>
+              <a:t>April 20, 2015</a:t>
             </a:fld>
             <a:endParaRPr lang="en-US"/>
           </a:p>
@@ -19520,7 +19501,7 @@
             <a:fld id="{E3127EC2-47FB-48A1-8644-C8A81DDAA119}" type="datetime4">
               <a:rPr lang="en-US" smtClean="0"/>
               <a:pPr/>
-              <a:t>April 16, 2015</a:t>
+              <a:t>April 20, 2015</a:t>
             </a:fld>
             <a:endParaRPr lang="en-US"/>
           </a:p>
@@ -20044,7 +20025,7 @@
             <a:fld id="{E3127EC2-47FB-48A1-8644-C8A81DDAA119}" type="datetime4">
               <a:rPr lang="en-US" smtClean="0"/>
               <a:pPr/>
-              <a:t>April 16, 2015</a:t>
+              <a:t>April 20, 2015</a:t>
             </a:fld>
             <a:endParaRPr lang="en-US"/>
           </a:p>
@@ -20469,7 +20450,7 @@
             <a:fld id="{E3127EC2-47FB-48A1-8644-C8A81DDAA119}" type="datetime4">
               <a:rPr lang="en-US" smtClean="0"/>
               <a:pPr/>
-              <a:t>April 16, 2015</a:t>
+              <a:t>April 20, 2015</a:t>
             </a:fld>
             <a:endParaRPr lang="en-US"/>
           </a:p>
@@ -20812,7 +20793,7 @@
             <a:fld id="{E3127EC2-47FB-48A1-8644-C8A81DDAA119}" type="datetime4">
               <a:rPr lang="en-US" smtClean="0"/>
               <a:pPr/>
-              <a:t>April 16, 2015</a:t>
+              <a:t>April 20, 2015</a:t>
             </a:fld>
             <a:endParaRPr lang="en-US"/>
           </a:p>
@@ -21155,7 +21136,7 @@
             <a:fld id="{E3127EC2-47FB-48A1-8644-C8A81DDAA119}" type="datetime4">
               <a:rPr lang="en-US" smtClean="0"/>
               <a:pPr/>
-              <a:t>April 16, 2015</a:t>
+              <a:t>April 20, 2015</a:t>
             </a:fld>
             <a:endParaRPr lang="en-US"/>
           </a:p>
@@ -21214,7 +21195,7 @@
         </p:nvSpPr>
         <p:spPr>
           <a:xfrm>
-            <a:off x="1763688" y="1280716"/>
+            <a:off x="1691680" y="1340768"/>
             <a:ext cx="5832648" cy="566936"/>
           </a:xfrm>
           <a:prstGeom prst="rect">
@@ -21340,8 +21321,8 @@
         </p:nvSpPr>
         <p:spPr>
           <a:xfrm>
-            <a:off x="890390" y="2204864"/>
-            <a:ext cx="6889112" cy="2304256"/>
+            <a:off x="611560" y="1700808"/>
+            <a:ext cx="4185666" cy="2952328"/>
           </a:xfrm>
           <a:prstGeom prst="rect">
             <a:avLst/>
@@ -21349,7 +21330,7 @@
         </p:spPr>
         <p:txBody>
           <a:bodyPr vert="horz" lIns="91440" tIns="45720" rIns="91440" bIns="45720" rtlCol="0" anchor="b">
-            <a:normAutofit fontScale="92500" lnSpcReduction="10000"/>
+            <a:noAutofit/>
           </a:bodyPr>
           <a:lstStyle>
             <a:lvl1pPr algn="l" defTabSz="914400" rtl="0" eaLnBrk="1" latinLnBrk="0" hangingPunct="1">
@@ -21432,7 +21413,7 @@
               <a:buAutoNum type="alphaLcPeriod"/>
             </a:pPr>
             <a:r>
-              <a:rPr lang="en-US" altLang="zh-CN" sz="2000" dirty="0" smtClean="0">
+              <a:rPr lang="en-US" altLang="zh-CN" sz="1600" dirty="0" smtClean="0">
                 <a:solidFill>
                   <a:srgbClr val="FF0000"/>
                 </a:solidFill>
@@ -21449,7 +21430,7 @@
               <a:buAutoNum type="alphaLcPeriod"/>
             </a:pPr>
             <a:r>
-              <a:rPr lang="en-US" altLang="zh-CN" sz="2000" dirty="0" err="1" smtClean="0">
+              <a:rPr lang="en-US" altLang="zh-CN" sz="1600" dirty="0" err="1" smtClean="0">
                 <a:solidFill>
                   <a:srgbClr val="FF0000"/>
                 </a:solidFill>
@@ -21457,7 +21438,7 @@
               <a:t>channel_layout</a:t>
             </a:r>
             <a:r>
-              <a:rPr lang="en-US" altLang="zh-CN" sz="2000" dirty="0" smtClean="0">
+              <a:rPr lang="en-US" altLang="zh-CN" sz="1600" dirty="0" smtClean="0">
                 <a:solidFill>
                   <a:srgbClr val="FF0000"/>
                 </a:solidFill>
@@ -21474,7 +21455,7 @@
               <a:buAutoNum type="alphaLcPeriod"/>
             </a:pPr>
             <a:r>
-              <a:rPr lang="en-US" altLang="zh-CN" sz="2000" dirty="0">
+              <a:rPr lang="en-US" altLang="zh-CN" sz="1600" dirty="0">
                 <a:solidFill>
                   <a:srgbClr val="FF0000"/>
                 </a:solidFill>
@@ -21482,7 +21463,7 @@
               <a:t>s</a:t>
             </a:r>
             <a:r>
-              <a:rPr lang="en-US" altLang="zh-CN" sz="2000" dirty="0" smtClean="0">
+              <a:rPr lang="en-US" altLang="zh-CN" sz="1600" dirty="0" smtClean="0">
                 <a:solidFill>
                   <a:srgbClr val="FF0000"/>
                 </a:solidFill>
@@ -21499,7 +21480,7 @@
               <a:buAutoNum type="alphaLcPeriod"/>
             </a:pPr>
             <a:r>
-              <a:rPr lang="en-US" altLang="zh-CN" sz="2000" dirty="0" smtClean="0">
+              <a:rPr lang="en-US" altLang="zh-CN" sz="1600" dirty="0" smtClean="0">
                 <a:solidFill>
                   <a:srgbClr val="FF0000"/>
                 </a:solidFill>
@@ -21508,7 +21489,24 @@
             </a:r>
           </a:p>
           <a:p>
-            <a:endParaRPr lang="zh-CN" altLang="en-US" dirty="0">
+            <a:pPr marL="342900" indent="-342900">
+              <a:lnSpc>
+                <a:spcPct val="200000"/>
+              </a:lnSpc>
+              <a:buFont typeface="+mj-lt"/>
+              <a:buAutoNum type="alphaLcPeriod"/>
+            </a:pPr>
+            <a:r>
+              <a:rPr lang="en-US" altLang="zh-CN" sz="1600" dirty="0" smtClean="0">
+                <a:solidFill>
+                  <a:srgbClr val="FF0000"/>
+                </a:solidFill>
+              </a:rPr>
+              <a:t>bitrate 128k 256k …</a:t>
+            </a:r>
+          </a:p>
+          <a:p>
+            <a:endParaRPr lang="zh-CN" altLang="en-US" sz="1600" dirty="0">
               <a:solidFill>
                 <a:srgbClr val="FF0000"/>
               </a:solidFill>
@@ -21524,7 +21522,7 @@
         </p:nvSpPr>
         <p:spPr>
           <a:xfrm>
-            <a:off x="683568" y="3861048"/>
+            <a:off x="3779912" y="3140968"/>
             <a:ext cx="4572000" cy="2708434"/>
           </a:xfrm>
           <a:prstGeom prst="rect">
@@ -21673,15 +21671,15 @@
         </p:nvSpPr>
         <p:spPr>
           <a:xfrm>
-            <a:off x="4067944" y="3356992"/>
-            <a:ext cx="4572000" cy="1169551"/>
+            <a:off x="4684903" y="1916832"/>
+            <a:ext cx="3847537" cy="1169551"/>
           </a:xfrm>
           <a:prstGeom prst="rect">
             <a:avLst/>
           </a:prstGeom>
         </p:spPr>
         <p:txBody>
-          <a:bodyPr>
+          <a:bodyPr wrap="square">
             <a:spAutoFit/>
           </a:bodyPr>
           <a:lstStyle/>
@@ -21806,7 +21804,7 @@
             <a:fld id="{E3127EC2-47FB-48A1-8644-C8A81DDAA119}" type="datetime4">
               <a:rPr lang="en-US" smtClean="0"/>
               <a:pPr/>
-              <a:t>April 16, 2015</a:t>
+              <a:t>April 20, 2015</a:t>
             </a:fld>
             <a:endParaRPr lang="en-US"/>
           </a:p>
@@ -21971,15 +21969,7 @@
                   <a:srgbClr val="FF0000"/>
                 </a:solidFill>
               </a:rPr>
-              <a:t>of </a:t>
-            </a:r>
-            <a:r>
-              <a:rPr lang="en-US" altLang="zh-CN" sz="2400" dirty="0" smtClean="0">
-                <a:solidFill>
-                  <a:srgbClr val="FF0000"/>
-                </a:solidFill>
-              </a:rPr>
-              <a:t>sound(continued 2)</a:t>
+              <a:t>of sound(continued 2)</a:t>
             </a:r>
             <a:endParaRPr lang="zh-CN" altLang="en-US" sz="2400" dirty="0">
               <a:solidFill>
@@ -22157,7 +22147,7 @@
             <a:fld id="{E3127EC2-47FB-48A1-8644-C8A81DDAA119}" type="datetime4">
               <a:rPr lang="en-US" smtClean="0"/>
               <a:pPr/>
-              <a:t>April 16, 2015</a:t>
+              <a:t>April 20, 2015</a:t>
             </a:fld>
             <a:endParaRPr lang="en-US"/>
           </a:p>
@@ -22698,7 +22688,7 @@
             <a:fld id="{E3127EC2-47FB-48A1-8644-C8A81DDAA119}" type="datetime4">
               <a:rPr lang="en-US" smtClean="0"/>
               <a:pPr/>
-              <a:t>April 16, 2015</a:t>
+              <a:t>April 20, 2015</a:t>
             </a:fld>
             <a:endParaRPr lang="en-US"/>
           </a:p>
@@ -23320,7 +23310,7 @@
             <a:fld id="{E3127EC2-47FB-48A1-8644-C8A81DDAA119}" type="datetime4">
               <a:rPr lang="en-US" smtClean="0"/>
               <a:pPr/>
-              <a:t>April 16, 2015</a:t>
+              <a:t>April 20, 2015</a:t>
             </a:fld>
             <a:endParaRPr lang="en-US"/>
           </a:p>
@@ -23868,7 +23858,7 @@
             <a:fld id="{E3127EC2-47FB-48A1-8644-C8A81DDAA119}" type="datetime4">
               <a:rPr lang="en-US" smtClean="0"/>
               <a:pPr/>
-              <a:t>April 16, 2015</a:t>
+              <a:t>April 20, 2015</a:t>
             </a:fld>
             <a:endParaRPr lang="en-US"/>
           </a:p>
@@ -24369,7 +24359,7 @@
             <a:fld id="{E3127EC2-47FB-48A1-8644-C8A81DDAA119}" type="datetime4">
               <a:rPr lang="en-US" smtClean="0"/>
               <a:pPr/>
-              <a:t>April 16, 2015</a:t>
+              <a:t>April 20, 2015</a:t>
             </a:fld>
             <a:endParaRPr lang="en-US"/>
           </a:p>
@@ -24788,7 +24778,7 @@
             <a:fld id="{E3127EC2-47FB-48A1-8644-C8A81DDAA119}" type="datetime4">
               <a:rPr lang="en-US" smtClean="0"/>
               <a:pPr/>
-              <a:t>April 16, 2015</a:t>
+              <a:t>April 20, 2015</a:t>
             </a:fld>
             <a:endParaRPr lang="en-US"/>
           </a:p>
@@ -25187,7 +25177,7 @@
             <a:fld id="{E3127EC2-47FB-48A1-8644-C8A81DDAA119}" type="datetime4">
               <a:rPr lang="en-US" smtClean="0"/>
               <a:pPr/>
-              <a:t>April 16, 2015</a:t>
+              <a:t>April 20, 2015</a:t>
             </a:fld>
             <a:endParaRPr lang="en-US"/>
           </a:p>
@@ -25514,7 +25504,7 @@
             <a:fld id="{E3127EC2-47FB-48A1-8644-C8A81DDAA119}" type="datetime4">
               <a:rPr lang="en-US" smtClean="0"/>
               <a:pPr/>
-              <a:t>April 16, 2015</a:t>
+              <a:t>April 20, 2015</a:t>
             </a:fld>
             <a:endParaRPr lang="en-US"/>
           </a:p>
@@ -25948,7 +25938,7 @@
             <a:fld id="{E3127EC2-47FB-48A1-8644-C8A81DDAA119}" type="datetime4">
               <a:rPr lang="en-US" smtClean="0"/>
               <a:pPr/>
-              <a:t>April 16, 2015</a:t>
+              <a:t>April 20, 2015</a:t>
             </a:fld>
             <a:endParaRPr lang="en-US"/>
           </a:p>
@@ -26242,7 +26232,7 @@
             <a:fld id="{E3127EC2-47FB-48A1-8644-C8A81DDAA119}" type="datetime4">
               <a:rPr lang="en-US" smtClean="0"/>
               <a:pPr/>
-              <a:t>April 16, 2015</a:t>
+              <a:t>April 20, 2015</a:t>
             </a:fld>
             <a:endParaRPr lang="en-US"/>
           </a:p>
@@ -26618,7 +26608,7 @@
             <a:fld id="{E3127EC2-47FB-48A1-8644-C8A81DDAA119}" type="datetime4">
               <a:rPr lang="en-US" smtClean="0"/>
               <a:pPr/>
-              <a:t>April 16, 2015</a:t>
+              <a:t>April 20, 2015</a:t>
             </a:fld>
             <a:endParaRPr lang="en-US"/>
           </a:p>
@@ -26775,15 +26765,7 @@
                   <a:srgbClr val="FF0000"/>
                 </a:solidFill>
               </a:rPr>
-              <a:t>(</a:t>
-            </a:r>
-            <a:r>
-              <a:rPr lang="en-US" altLang="zh-CN" sz="2400" dirty="0" smtClean="0">
-                <a:solidFill>
-                  <a:srgbClr val="FF0000"/>
-                </a:solidFill>
-              </a:rPr>
-              <a:t>10)</a:t>
+              <a:t>(10)</a:t>
             </a:r>
             <a:endParaRPr lang="zh-CN" altLang="en-US" sz="2400" dirty="0">
               <a:solidFill>
@@ -27243,7 +27225,7 @@
             <a:fld id="{E3127EC2-47FB-48A1-8644-C8A81DDAA119}" type="datetime4">
               <a:rPr lang="en-US" smtClean="0"/>
               <a:pPr/>
-              <a:t>April 16, 2015</a:t>
+              <a:t>April 20, 2015</a:t>
             </a:fld>
             <a:endParaRPr lang="en-US"/>
           </a:p>
@@ -27900,7 +27882,7 @@
             <a:fld id="{E3127EC2-47FB-48A1-8644-C8A81DDAA119}" type="datetime4">
               <a:rPr lang="en-US" smtClean="0"/>
               <a:pPr/>
-              <a:t>April 16, 2015</a:t>
+              <a:t>April 20, 2015</a:t>
             </a:fld>
             <a:endParaRPr lang="en-US"/>
           </a:p>
@@ -28057,15 +28039,7 @@
                   <a:srgbClr val="FF0000"/>
                 </a:solidFill>
               </a:rPr>
-              <a:t>(</a:t>
-            </a:r>
-            <a:r>
-              <a:rPr lang="en-US" altLang="zh-CN" sz="2400" dirty="0" smtClean="0">
-                <a:solidFill>
-                  <a:srgbClr val="FF0000"/>
-                </a:solidFill>
-              </a:rPr>
-              <a:t>12)</a:t>
+              <a:t>(12)</a:t>
             </a:r>
             <a:endParaRPr lang="zh-CN" altLang="en-US" sz="2400" dirty="0">
               <a:solidFill>
@@ -28403,7 +28377,7 @@
             <a:fld id="{E3127EC2-47FB-48A1-8644-C8A81DDAA119}" type="datetime4">
               <a:rPr lang="en-US" smtClean="0"/>
               <a:pPr/>
-              <a:t>April 16, 2015</a:t>
+              <a:t>April 20, 2015</a:t>
             </a:fld>
             <a:endParaRPr lang="en-US"/>
           </a:p>
@@ -28560,15 +28534,7 @@
                   <a:srgbClr val="FF0000"/>
                 </a:solidFill>
               </a:rPr>
-              <a:t>(</a:t>
-            </a:r>
-            <a:r>
-              <a:rPr lang="en-US" altLang="zh-CN" sz="2400" dirty="0" smtClean="0">
-                <a:solidFill>
-                  <a:srgbClr val="FF0000"/>
-                </a:solidFill>
-              </a:rPr>
-              <a:t>13)</a:t>
+              <a:t>(13)</a:t>
             </a:r>
             <a:endParaRPr lang="zh-CN" altLang="en-US" sz="2400" dirty="0">
               <a:solidFill>
@@ -28978,7 +28944,7 @@
             <a:fld id="{E3127EC2-47FB-48A1-8644-C8A81DDAA119}" type="datetime4">
               <a:rPr lang="en-US" smtClean="0"/>
               <a:pPr/>
-              <a:t>April 16, 2015</a:t>
+              <a:t>April 20, 2015</a:t>
             </a:fld>
             <a:endParaRPr lang="en-US"/>
           </a:p>
@@ -29135,15 +29101,7 @@
                   <a:srgbClr val="FF0000"/>
                 </a:solidFill>
               </a:rPr>
-              <a:t>(</a:t>
-            </a:r>
-            <a:r>
-              <a:rPr lang="en-US" altLang="zh-CN" sz="2400" dirty="0" smtClean="0">
-                <a:solidFill>
-                  <a:srgbClr val="FF0000"/>
-                </a:solidFill>
-              </a:rPr>
-              <a:t>14)</a:t>
+              <a:t>(14)</a:t>
             </a:r>
             <a:endParaRPr lang="zh-CN" altLang="en-US" sz="2400" dirty="0">
               <a:solidFill>
@@ -29592,7 +29550,7 @@
             <a:fld id="{E3127EC2-47FB-48A1-8644-C8A81DDAA119}" type="datetime4">
               <a:rPr lang="en-US" smtClean="0"/>
               <a:pPr/>
-              <a:t>April 16, 2015</a:t>
+              <a:t>April 20, 2015</a:t>
             </a:fld>
             <a:endParaRPr lang="en-US"/>
           </a:p>
@@ -29749,15 +29707,7 @@
                   <a:srgbClr val="FF0000"/>
                 </a:solidFill>
               </a:rPr>
-              <a:t>(</a:t>
-            </a:r>
-            <a:r>
-              <a:rPr lang="en-US" altLang="zh-CN" sz="2400" dirty="0" smtClean="0">
-                <a:solidFill>
-                  <a:srgbClr val="FF0000"/>
-                </a:solidFill>
-              </a:rPr>
-              <a:t>15)</a:t>
+              <a:t>(15)</a:t>
             </a:r>
             <a:endParaRPr lang="zh-CN" altLang="en-US" sz="2400" dirty="0">
               <a:solidFill>
@@ -30001,7 +29951,7 @@
             <a:fld id="{E3127EC2-47FB-48A1-8644-C8A81DDAA119}" type="datetime4">
               <a:rPr lang="en-US" smtClean="0"/>
               <a:pPr/>
-              <a:t>April 16, 2015</a:t>
+              <a:t>April 20, 2015</a:t>
             </a:fld>
             <a:endParaRPr lang="en-US"/>
           </a:p>
@@ -30158,15 +30108,7 @@
                   <a:srgbClr val="FF0000"/>
                 </a:solidFill>
               </a:rPr>
-              <a:t>(</a:t>
-            </a:r>
-            <a:r>
-              <a:rPr lang="en-US" altLang="zh-CN" sz="2400" dirty="0" smtClean="0">
-                <a:solidFill>
-                  <a:srgbClr val="FF0000"/>
-                </a:solidFill>
-              </a:rPr>
-              <a:t>16)</a:t>
+              <a:t>(16)</a:t>
             </a:r>
             <a:endParaRPr lang="zh-CN" altLang="en-US" sz="2400" dirty="0">
               <a:solidFill>
@@ -30466,15 +30408,7 @@
             </a:r>
             <a:r>
               <a:rPr lang="en-US" altLang="zh-CN" sz="1800" dirty="0" smtClean="0"/>
-              <a:t> </a:t>
-            </a:r>
-            <a:r>
-              <a:rPr lang="en-US" altLang="zh-CN" sz="1800" dirty="0" smtClean="0"/>
-              <a:t>come </a:t>
-            </a:r>
-            <a:r>
-              <a:rPr lang="en-US" altLang="zh-CN" sz="1800" dirty="0" smtClean="0"/>
-              <a:t>from in the previous frame?</a:t>
+              <a:t> come from in the previous frame?</a:t>
             </a:r>
           </a:p>
         </p:txBody>
@@ -30626,7 +30560,7 @@
             <a:fld id="{E3127EC2-47FB-48A1-8644-C8A81DDAA119}" type="datetime4">
               <a:rPr lang="en-US" smtClean="0"/>
               <a:pPr/>
-              <a:t>April 16, 2015</a:t>
+              <a:t>April 20, 2015</a:t>
             </a:fld>
             <a:endParaRPr lang="en-US"/>
           </a:p>
@@ -31035,7 +30969,7 @@
             <a:fld id="{E3127EC2-47FB-48A1-8644-C8A81DDAA119}" type="datetime4">
               <a:rPr lang="en-US" smtClean="0"/>
               <a:pPr/>
-              <a:t>April 16, 2015</a:t>
+              <a:t>April 20, 2015</a:t>
             </a:fld>
             <a:endParaRPr lang="en-US"/>
           </a:p>
@@ -31192,23 +31126,7 @@
                   <a:srgbClr val="FF0000"/>
                 </a:solidFill>
               </a:rPr>
-              <a:t>(</a:t>
-            </a:r>
-            <a:r>
-              <a:rPr lang="en-US" altLang="zh-CN" sz="2400" dirty="0" smtClean="0">
-                <a:solidFill>
-                  <a:srgbClr val="FF0000"/>
-                </a:solidFill>
-              </a:rPr>
-              <a:t>17</a:t>
-            </a:r>
-            <a:r>
-              <a:rPr lang="en-US" altLang="zh-CN" sz="2400" dirty="0" smtClean="0">
-                <a:solidFill>
-                  <a:srgbClr val="FF0000"/>
-                </a:solidFill>
-              </a:rPr>
-              <a:t>)</a:t>
+              <a:t>(17)</a:t>
             </a:r>
             <a:endParaRPr lang="zh-CN" altLang="en-US" sz="2400" dirty="0">
               <a:solidFill>
@@ -31667,7 +31585,7 @@
             <a:fld id="{E3127EC2-47FB-48A1-8644-C8A81DDAA119}" type="datetime4">
               <a:rPr lang="en-US" smtClean="0"/>
               <a:pPr/>
-              <a:t>April 16, 2015</a:t>
+              <a:t>April 20, 2015</a:t>
             </a:fld>
             <a:endParaRPr lang="en-US"/>
           </a:p>
@@ -31824,15 +31742,7 @@
                   <a:srgbClr val="FF0000"/>
                 </a:solidFill>
               </a:rPr>
-              <a:t>(</a:t>
-            </a:r>
-            <a:r>
-              <a:rPr lang="en-US" altLang="zh-CN" sz="2400" dirty="0" smtClean="0">
-                <a:solidFill>
-                  <a:srgbClr val="FF0000"/>
-                </a:solidFill>
-              </a:rPr>
-              <a:t>18)</a:t>
+              <a:t>(18)</a:t>
             </a:r>
             <a:endParaRPr lang="zh-CN" altLang="en-US" sz="2400" dirty="0">
               <a:solidFill>
@@ -32010,7 +31920,7 @@
             <a:fld id="{E3127EC2-47FB-48A1-8644-C8A81DDAA119}" type="datetime4">
               <a:rPr lang="en-US" smtClean="0"/>
               <a:pPr/>
-              <a:t>April 16, 2015</a:t>
+              <a:t>April 20, 2015</a:t>
             </a:fld>
             <a:endParaRPr lang="en-US"/>
           </a:p>
@@ -32167,15 +32077,7 @@
                   <a:srgbClr val="FF0000"/>
                 </a:solidFill>
               </a:rPr>
-              <a:t>(</a:t>
-            </a:r>
-            <a:r>
-              <a:rPr lang="en-US" altLang="zh-CN" sz="2400" dirty="0" smtClean="0">
-                <a:solidFill>
-                  <a:srgbClr val="FF0000"/>
-                </a:solidFill>
-              </a:rPr>
-              <a:t>19)</a:t>
+              <a:t>(19)</a:t>
             </a:r>
             <a:endParaRPr lang="zh-CN" altLang="en-US" sz="2400" dirty="0">
               <a:solidFill>
@@ -32487,7 +32389,7 @@
             <a:fld id="{E3127EC2-47FB-48A1-8644-C8A81DDAA119}" type="datetime4">
               <a:rPr lang="en-US" smtClean="0"/>
               <a:pPr/>
-              <a:t>April 16, 2015</a:t>
+              <a:t>April 20, 2015</a:t>
             </a:fld>
             <a:endParaRPr lang="en-US"/>
           </a:p>
@@ -32644,23 +32546,7 @@
                   <a:srgbClr val="FF0000"/>
                 </a:solidFill>
               </a:rPr>
-              <a:t>(</a:t>
-            </a:r>
-            <a:r>
-              <a:rPr lang="en-US" altLang="zh-CN" sz="2400" dirty="0" smtClean="0">
-                <a:solidFill>
-                  <a:srgbClr val="FF0000"/>
-                </a:solidFill>
-              </a:rPr>
-              <a:t>20</a:t>
-            </a:r>
-            <a:r>
-              <a:rPr lang="en-US" altLang="zh-CN" sz="2400" dirty="0" smtClean="0">
-                <a:solidFill>
-                  <a:srgbClr val="FF0000"/>
-                </a:solidFill>
-              </a:rPr>
-              <a:t>)</a:t>
+              <a:t>(20)</a:t>
             </a:r>
             <a:endParaRPr lang="zh-CN" altLang="en-US" sz="2400" dirty="0">
               <a:solidFill>
@@ -32954,7 +32840,7 @@
             <a:fld id="{E3127EC2-47FB-48A1-8644-C8A81DDAA119}" type="datetime4">
               <a:rPr lang="en-US" smtClean="0"/>
               <a:pPr/>
-              <a:t>April 16, 2015</a:t>
+              <a:t>April 20, 2015</a:t>
             </a:fld>
             <a:endParaRPr lang="en-US"/>
           </a:p>
@@ -33652,7 +33538,7 @@
             <a:fld id="{E3127EC2-47FB-48A1-8644-C8A81DDAA119}" type="datetime4">
               <a:rPr lang="en-US" smtClean="0"/>
               <a:pPr/>
-              <a:t>April 16, 2015</a:t>
+              <a:t>April 20, 2015</a:t>
             </a:fld>
             <a:endParaRPr lang="en-US"/>
           </a:p>
@@ -35229,7 +35115,7 @@
             <a:fld id="{E3127EC2-47FB-48A1-8644-C8A81DDAA119}" type="datetime4">
               <a:rPr lang="en-US" smtClean="0"/>
               <a:pPr/>
-              <a:t>April 16, 2015</a:t>
+              <a:t>April 20, 2015</a:t>
             </a:fld>
             <a:endParaRPr lang="en-US"/>
           </a:p>
@@ -35515,7 +35401,7 @@
             <a:fld id="{E3127EC2-47FB-48A1-8644-C8A81DDAA119}" type="datetime4">
               <a:rPr lang="en-US" smtClean="0"/>
               <a:pPr/>
-              <a:t>April 16, 2015</a:t>
+              <a:t>April 20, 2015</a:t>
             </a:fld>
             <a:endParaRPr lang="en-US"/>
           </a:p>
@@ -36333,7 +36219,7 @@
             <a:fld id="{E3127EC2-47FB-48A1-8644-C8A81DDAA119}" type="datetime4">
               <a:rPr lang="en-US" smtClean="0"/>
               <a:pPr/>
-              <a:t>April 16, 2015</a:t>
+              <a:t>April 20, 2015</a:t>
             </a:fld>
             <a:endParaRPr lang="en-US"/>
           </a:p>
@@ -36917,7 +36803,7 @@
             <a:fld id="{E3127EC2-47FB-48A1-8644-C8A81DDAA119}" type="datetime4">
               <a:rPr lang="en-US" smtClean="0"/>
               <a:pPr/>
-              <a:t>April 16, 2015</a:t>
+              <a:t>April 20, 2015</a:t>
             </a:fld>
             <a:endParaRPr lang="en-US"/>
           </a:p>
@@ -37066,7 +36952,15 @@
                   <a:srgbClr val="FF0000"/>
                 </a:solidFill>
               </a:rPr>
-              <a:t>视频解码</a:t>
+              <a:t>视频解码 </a:t>
+            </a:r>
+            <a:r>
+              <a:rPr lang="en-US" altLang="zh-CN" sz="2400" dirty="0" smtClean="0">
+                <a:solidFill>
+                  <a:srgbClr val="FF0000"/>
+                </a:solidFill>
+              </a:rPr>
+              <a:t>mp3</a:t>
             </a:r>
             <a:endParaRPr lang="zh-CN" altLang="en-US" sz="2400" dirty="0">
               <a:solidFill>
@@ -37076,16 +36970,315 @@
           </a:p>
         </p:txBody>
       </p:sp>
+      <p:sp>
+        <p:nvSpPr>
+          <p:cNvPr id="8" name="内容占位符 2"/>
+          <p:cNvSpPr txBox="1">
+            <a:spLocks/>
+          </p:cNvSpPr>
+          <p:nvPr/>
+        </p:nvSpPr>
+        <p:spPr>
+          <a:xfrm>
+            <a:off x="971600" y="1988840"/>
+            <a:ext cx="7272808" cy="3744416"/>
+          </a:xfrm>
+          <a:prstGeom prst="rect">
+            <a:avLst/>
+          </a:prstGeom>
+        </p:spPr>
+        <p:txBody>
+          <a:bodyPr/>
+          <a:lstStyle>
+            <a:lvl1pPr marL="342900" indent="-274320" algn="l" defTabSz="914400" rtl="0" eaLnBrk="1" latinLnBrk="0" hangingPunct="1">
+              <a:spcBef>
+                <a:spcPct val="20000"/>
+              </a:spcBef>
+              <a:buClr>
+                <a:schemeClr val="accent1"/>
+              </a:buClr>
+              <a:buSzPct val="76000"/>
+              <a:buFont typeface="Wingdings 2" pitchFamily="18" charset="2"/>
+              <a:buChar char=""/>
+              <a:defRPr sz="2400" kern="1200">
+                <a:solidFill>
+                  <a:schemeClr val="tx2"/>
+                </a:solidFill>
+                <a:latin typeface="+mn-lt"/>
+                <a:ea typeface="+mn-ea"/>
+                <a:cs typeface="+mn-cs"/>
+              </a:defRPr>
+            </a:lvl1pPr>
+            <a:lvl2pPr marL="640080" indent="-274320" algn="l" defTabSz="914400" rtl="0" eaLnBrk="1" latinLnBrk="0" hangingPunct="1">
+              <a:spcBef>
+                <a:spcPct val="20000"/>
+              </a:spcBef>
+              <a:buClr>
+                <a:schemeClr val="accent1"/>
+              </a:buClr>
+              <a:buSzPct val="76000"/>
+              <a:buFont typeface="Wingdings 2" pitchFamily="18" charset="2"/>
+              <a:buChar char=""/>
+              <a:defRPr sz="2200" kern="1200">
+                <a:solidFill>
+                  <a:schemeClr val="tx2"/>
+                </a:solidFill>
+                <a:latin typeface="+mn-lt"/>
+                <a:ea typeface="+mn-ea"/>
+                <a:cs typeface="+mn-cs"/>
+              </a:defRPr>
+            </a:lvl2pPr>
+            <a:lvl3pPr marL="914400" indent="-228600" algn="l" defTabSz="914400" rtl="0" eaLnBrk="1" latinLnBrk="0" hangingPunct="1">
+              <a:spcBef>
+                <a:spcPct val="20000"/>
+              </a:spcBef>
+              <a:buClr>
+                <a:schemeClr val="accent1"/>
+              </a:buClr>
+              <a:buSzPct val="76000"/>
+              <a:buFont typeface="Wingdings 2" pitchFamily="18" charset="2"/>
+              <a:buChar char=""/>
+              <a:defRPr sz="2000" kern="1200">
+                <a:solidFill>
+                  <a:schemeClr val="tx2"/>
+                </a:solidFill>
+                <a:latin typeface="+mn-lt"/>
+                <a:ea typeface="+mn-ea"/>
+                <a:cs typeface="+mn-cs"/>
+              </a:defRPr>
+            </a:lvl3pPr>
+            <a:lvl4pPr marL="1124712" indent="-228600" algn="l" defTabSz="914400" rtl="0" eaLnBrk="1" latinLnBrk="0" hangingPunct="1">
+              <a:spcBef>
+                <a:spcPct val="20000"/>
+              </a:spcBef>
+              <a:buClr>
+                <a:schemeClr val="accent1"/>
+              </a:buClr>
+              <a:buSzPct val="76000"/>
+              <a:buFont typeface="Wingdings 2" pitchFamily="18" charset="2"/>
+              <a:buChar char=""/>
+              <a:defRPr sz="1800" kern="1200">
+                <a:solidFill>
+                  <a:schemeClr val="tx2"/>
+                </a:solidFill>
+                <a:latin typeface="+mn-lt"/>
+                <a:ea typeface="+mn-ea"/>
+                <a:cs typeface="+mn-cs"/>
+              </a:defRPr>
+            </a:lvl4pPr>
+            <a:lvl5pPr marL="1325880" indent="-228600" algn="l" defTabSz="914400" rtl="0" eaLnBrk="1" latinLnBrk="0" hangingPunct="1">
+              <a:spcBef>
+                <a:spcPct val="20000"/>
+              </a:spcBef>
+              <a:buClr>
+                <a:schemeClr val="accent1"/>
+              </a:buClr>
+              <a:buSzPct val="76000"/>
+              <a:buFont typeface="Wingdings 2" pitchFamily="18" charset="2"/>
+              <a:buChar char=""/>
+              <a:defRPr sz="1600" kern="1200" baseline="0">
+                <a:solidFill>
+                  <a:schemeClr val="tx2"/>
+                </a:solidFill>
+                <a:latin typeface="+mn-lt"/>
+                <a:ea typeface="+mn-ea"/>
+                <a:cs typeface="+mn-cs"/>
+              </a:defRPr>
+            </a:lvl5pPr>
+            <a:lvl6pPr marL="1517904" indent="-228600" algn="l" defTabSz="914400" rtl="0" eaLnBrk="1" latinLnBrk="0" hangingPunct="1">
+              <a:spcBef>
+                <a:spcPct val="20000"/>
+              </a:spcBef>
+              <a:buClr>
+                <a:schemeClr val="accent1"/>
+              </a:buClr>
+              <a:buSzPct val="76000"/>
+              <a:buFont typeface="Wingdings 2" pitchFamily="18" charset="2"/>
+              <a:buChar char=""/>
+              <a:defRPr sz="1400" kern="1200">
+                <a:solidFill>
+                  <a:schemeClr val="tx2"/>
+                </a:solidFill>
+                <a:latin typeface="+mn-lt"/>
+                <a:ea typeface="+mn-ea"/>
+                <a:cs typeface="+mn-cs"/>
+              </a:defRPr>
+            </a:lvl6pPr>
+            <a:lvl7pPr marL="1719072" indent="-228600" algn="l" defTabSz="914400" rtl="0" eaLnBrk="1" latinLnBrk="0" hangingPunct="1">
+              <a:spcBef>
+                <a:spcPct val="20000"/>
+              </a:spcBef>
+              <a:buClr>
+                <a:schemeClr val="accent1"/>
+              </a:buClr>
+              <a:buSzPct val="76000"/>
+              <a:buFont typeface="Wingdings 2" pitchFamily="18" charset="2"/>
+              <a:buChar char=""/>
+              <a:defRPr sz="1400" kern="1200">
+                <a:solidFill>
+                  <a:schemeClr val="tx2"/>
+                </a:solidFill>
+                <a:latin typeface="+mn-lt"/>
+                <a:ea typeface="+mn-ea"/>
+                <a:cs typeface="+mn-cs"/>
+              </a:defRPr>
+            </a:lvl7pPr>
+            <a:lvl8pPr marL="1920240" indent="-228600" algn="l" defTabSz="914400" rtl="0" eaLnBrk="1" latinLnBrk="0" hangingPunct="1">
+              <a:spcBef>
+                <a:spcPct val="20000"/>
+              </a:spcBef>
+              <a:buClr>
+                <a:schemeClr val="accent1"/>
+              </a:buClr>
+              <a:buSzPct val="76000"/>
+              <a:buFont typeface="Wingdings 2" pitchFamily="18" charset="2"/>
+              <a:buChar char=""/>
+              <a:defRPr sz="1400" kern="1200">
+                <a:solidFill>
+                  <a:schemeClr val="tx2"/>
+                </a:solidFill>
+                <a:latin typeface="+mn-lt"/>
+                <a:ea typeface="+mn-ea"/>
+                <a:cs typeface="+mn-cs"/>
+              </a:defRPr>
+            </a:lvl8pPr>
+            <a:lvl9pPr marL="2121408" indent="-228600" algn="l" defTabSz="914400" rtl="0" eaLnBrk="1" latinLnBrk="0" hangingPunct="1">
+              <a:spcBef>
+                <a:spcPct val="20000"/>
+              </a:spcBef>
+              <a:buClr>
+                <a:schemeClr val="accent1"/>
+              </a:buClr>
+              <a:buSzPct val="76000"/>
+              <a:buFont typeface="Wingdings 2" pitchFamily="18" charset="2"/>
+              <a:buChar char=""/>
+              <a:defRPr sz="1400" kern="1200">
+                <a:solidFill>
+                  <a:schemeClr val="tx2"/>
+                </a:solidFill>
+                <a:latin typeface="+mn-lt"/>
+                <a:ea typeface="+mn-ea"/>
+                <a:cs typeface="+mn-cs"/>
+              </a:defRPr>
+            </a:lvl9pPr>
+          </a:lstStyle>
+          <a:p>
+            <a:r>
+              <a:rPr lang="en-US" altLang="zh-CN" sz="1400" b="1" dirty="0"/>
+              <a:t>MPEG-1 or MPEG-2 Audio Layer </a:t>
+            </a:r>
+            <a:r>
+              <a:rPr lang="en-US" altLang="zh-CN" sz="1400" b="1" dirty="0" smtClean="0"/>
+              <a:t>III</a:t>
+            </a:r>
+            <a:r>
+              <a:rPr lang="en-US" altLang="zh-CN" sz="1400" dirty="0" smtClean="0"/>
+              <a:t>,</a:t>
+            </a:r>
+            <a:r>
+              <a:rPr lang="en-US" altLang="zh-CN" sz="1400" baseline="30000" dirty="0"/>
+              <a:t> </a:t>
+            </a:r>
+            <a:r>
+              <a:rPr lang="en-US" altLang="zh-CN" sz="1400" dirty="0" smtClean="0"/>
+              <a:t>more </a:t>
+            </a:r>
+            <a:r>
+              <a:rPr lang="en-US" altLang="zh-CN" sz="1400" dirty="0"/>
+              <a:t>commonly referred to as </a:t>
+            </a:r>
+            <a:r>
+              <a:rPr lang="en-US" altLang="zh-CN" sz="1400" b="1" dirty="0"/>
+              <a:t>MP3</a:t>
+            </a:r>
+            <a:r>
+              <a:rPr lang="en-US" altLang="zh-CN" sz="1400" dirty="0"/>
+              <a:t>, is an </a:t>
+            </a:r>
+            <a:r>
+              <a:rPr lang="en-US" altLang="zh-CN" sz="1400" dirty="0">
+                <a:hlinkClick r:id="rId2" tooltip="Audio coding format"/>
+              </a:rPr>
+              <a:t>audio coding format</a:t>
+            </a:r>
+            <a:r>
+              <a:rPr lang="en-US" altLang="zh-CN" sz="1400" dirty="0"/>
+              <a:t> for </a:t>
+            </a:r>
+            <a:r>
+              <a:rPr lang="en-US" altLang="zh-CN" sz="1400" dirty="0">
+                <a:hlinkClick r:id="rId3" tooltip="Digital audio"/>
+              </a:rPr>
+              <a:t>digital audio</a:t>
+            </a:r>
+            <a:r>
+              <a:rPr lang="en-US" altLang="zh-CN" sz="1400" dirty="0"/>
+              <a:t> which uses a form of </a:t>
+            </a:r>
+            <a:r>
+              <a:rPr lang="en-US" altLang="zh-CN" sz="1400" dirty="0" err="1">
+                <a:hlinkClick r:id="rId4" tooltip="Lossy data compression"/>
+              </a:rPr>
+              <a:t>lossy</a:t>
+            </a:r>
+            <a:r>
+              <a:rPr lang="en-US" altLang="zh-CN" sz="1400" dirty="0">
+                <a:hlinkClick r:id="rId4" tooltip="Lossy data compression"/>
+              </a:rPr>
+              <a:t> data compression</a:t>
+            </a:r>
+            <a:r>
+              <a:rPr lang="en-US" altLang="zh-CN" sz="1400" dirty="0"/>
+              <a:t>. It is a common audio format for consumer </a:t>
+            </a:r>
+            <a:r>
+              <a:rPr lang="en-US" altLang="zh-CN" sz="1400" dirty="0" err="1"/>
+              <a:t>audio</a:t>
+            </a:r>
+            <a:r>
+              <a:rPr lang="en-US" altLang="zh-CN" sz="1400" dirty="0" err="1">
+                <a:hlinkClick r:id="rId5" tooltip="Streaming media"/>
+              </a:rPr>
+              <a:t>streaming</a:t>
+            </a:r>
+            <a:r>
+              <a:rPr lang="en-US" altLang="zh-CN" sz="1400" dirty="0"/>
+              <a:t> or storage, as well as a </a:t>
+            </a:r>
+            <a:r>
+              <a:rPr lang="en-US" altLang="zh-CN" sz="1400" dirty="0">
+                <a:hlinkClick r:id="rId6" tooltip="De facto standard"/>
+              </a:rPr>
+              <a:t>de facto standard</a:t>
+            </a:r>
+            <a:r>
+              <a:rPr lang="en-US" altLang="zh-CN" sz="1400" dirty="0"/>
+              <a:t> of digital audio compression for the transfer and playback of music on most </a:t>
+            </a:r>
+            <a:r>
+              <a:rPr lang="en-US" altLang="zh-CN" sz="1400" dirty="0">
+                <a:hlinkClick r:id="rId7" tooltip="Digital audio player"/>
+              </a:rPr>
+              <a:t>digital audio players</a:t>
+            </a:r>
+            <a:r>
+              <a:rPr lang="en-US" altLang="zh-CN" sz="1400" dirty="0"/>
+              <a:t>.</a:t>
+            </a:r>
+            <a:endParaRPr lang="zh-CN" altLang="en-US" sz="1400" dirty="0"/>
+          </a:p>
+        </p:txBody>
+      </p:sp>
       <p:pic>
         <p:nvPicPr>
-          <p:cNvPr id="4098" name="Picture 2" descr="D:\QQ截图20150416142115.jpg"/>
+          <p:cNvPr id="1027" name="Picture 3" descr="D:\QQ截图20150420140156.jpg"/>
           <p:cNvPicPr>
             <a:picLocks noChangeAspect="1" noChangeArrowheads="1"/>
           </p:cNvPicPr>
           <p:nvPr/>
         </p:nvPicPr>
         <p:blipFill>
-          <a:blip r:embed="rId2">
+          <a:blip r:embed="rId8" cstate="print">
             <a:extLst>
               <a:ext uri="{28A0092B-C50C-407E-A947-70E740481C1C}">
                 <a14:useLocalDpi xmlns:a14="http://schemas.microsoft.com/office/drawing/2010/main" val="0"/>
@@ -37099,8 +37292,8 @@
         </p:blipFill>
         <p:spPr bwMode="auto">
           <a:xfrm>
-            <a:off x="1259632" y="1847652"/>
-            <a:ext cx="6467252" cy="4017803"/>
+            <a:off x="1043608" y="3212976"/>
+            <a:ext cx="6552728" cy="2778585"/>
           </a:xfrm>
           <a:prstGeom prst="rect">
             <a:avLst/>
@@ -37120,7 +37313,7 @@
     </p:spTree>
     <p:extLst>
       <p:ext uri="{BB962C8B-B14F-4D97-AF65-F5344CB8AC3E}">
-        <p14:creationId xmlns:p14="http://schemas.microsoft.com/office/powerpoint/2010/main" val="3804940793"/>
+        <p14:creationId xmlns:p14="http://schemas.microsoft.com/office/powerpoint/2010/main" val="1865085211"/>
       </p:ext>
     </p:extLst>
   </p:cSld>
@@ -37203,7 +37396,7 @@
             <a:fld id="{E3127EC2-47FB-48A1-8644-C8A81DDAA119}" type="datetime4">
               <a:rPr lang="en-US" smtClean="0"/>
               <a:pPr/>
-              <a:t>April 16, 2015</a:t>
+              <a:t>April 20, 2015</a:t>
             </a:fld>
             <a:endParaRPr lang="en-US"/>
           </a:p>
@@ -37669,7 +37862,7 @@
             <a:fld id="{E3127EC2-47FB-48A1-8644-C8A81DDAA119}" type="datetime4">
               <a:rPr lang="en-US" smtClean="0"/>
               <a:pPr/>
-              <a:t>April 16, 2015</a:t>
+              <a:t>April 20, 2015</a:t>
             </a:fld>
             <a:endParaRPr lang="en-US"/>
           </a:p>
@@ -37818,7 +38011,39 @@
                   <a:srgbClr val="FF0000"/>
                 </a:solidFill>
               </a:rPr>
-              <a:t>视频解码</a:t>
+              <a:t>视频解码 </a:t>
+            </a:r>
+            <a:r>
+              <a:rPr lang="en-US" altLang="zh-CN" sz="2400" dirty="0" err="1" smtClean="0">
+                <a:solidFill>
+                  <a:srgbClr val="FF0000"/>
+                </a:solidFill>
+              </a:rPr>
+              <a:t>ogg</a:t>
+            </a:r>
+            <a:r>
+              <a:rPr lang="en-US" altLang="zh-CN" sz="2400" dirty="0" smtClean="0">
+                <a:solidFill>
+                  <a:srgbClr val="FF0000"/>
+                </a:solidFill>
+              </a:rPr>
+              <a:t>(</a:t>
+            </a:r>
+            <a:r>
+              <a:rPr lang="en-US" altLang="zh-CN" sz="2400" dirty="0" err="1" smtClean="0">
+                <a:solidFill>
+                  <a:srgbClr val="FF0000"/>
+                </a:solidFill>
+              </a:rPr>
+              <a:t>vorbis</a:t>
+            </a:r>
+            <a:r>
+              <a:rPr lang="en-US" altLang="zh-CN" sz="2400" dirty="0" smtClean="0">
+                <a:solidFill>
+                  <a:srgbClr val="FF0000"/>
+                </a:solidFill>
+              </a:rPr>
+              <a:t>)</a:t>
             </a:r>
             <a:endParaRPr lang="zh-CN" altLang="en-US" sz="2400" dirty="0">
               <a:solidFill>
@@ -37828,51 +38053,455 @@
           </a:p>
         </p:txBody>
       </p:sp>
-      <p:pic>
-        <p:nvPicPr>
-          <p:cNvPr id="5122" name="Picture 2" descr="D:\QQ截图20150416142115.jpg"/>
-          <p:cNvPicPr>
-            <a:picLocks noChangeAspect="1" noChangeArrowheads="1"/>
-          </p:cNvPicPr>
+      <p:sp>
+        <p:nvSpPr>
+          <p:cNvPr id="8" name="内容占位符 2"/>
+          <p:cNvSpPr txBox="1">
+            <a:spLocks/>
+          </p:cNvSpPr>
           <p:nvPr/>
-        </p:nvPicPr>
-        <p:blipFill>
-          <a:blip r:embed="rId2">
-            <a:extLst>
-              <a:ext uri="{28A0092B-C50C-407E-A947-70E740481C1C}">
-                <a14:useLocalDpi xmlns:a14="http://schemas.microsoft.com/office/drawing/2010/main" val="0"/>
-              </a:ext>
-            </a:extLst>
-          </a:blip>
-          <a:srcRect/>
-          <a:stretch>
-            <a:fillRect/>
-          </a:stretch>
-        </p:blipFill>
-        <p:spPr bwMode="auto">
+        </p:nvSpPr>
+        <p:spPr>
           <a:xfrm>
-            <a:off x="1115615" y="1807154"/>
-            <a:ext cx="6697137" cy="4142126"/>
+            <a:off x="971600" y="1988840"/>
+            <a:ext cx="7272808" cy="3744416"/>
           </a:xfrm>
           <a:prstGeom prst="rect">
             <a:avLst/>
           </a:prstGeom>
-          <a:noFill/>
-          <a:extLst>
-            <a:ext uri="{909E8E84-426E-40DD-AFC4-6F175D3DCCD1}">
-              <a14:hiddenFill xmlns:a14="http://schemas.microsoft.com/office/drawing/2010/main">
-                <a:solidFill>
-                  <a:srgbClr val="FFFFFF"/>
-                </a:solidFill>
-              </a14:hiddenFill>
-            </a:ext>
-          </a:extLst>
         </p:spPr>
-      </p:pic>
+        <p:txBody>
+          <a:bodyPr/>
+          <a:lstStyle>
+            <a:lvl1pPr marL="342900" indent="-274320" algn="l" defTabSz="914400" rtl="0" eaLnBrk="1" latinLnBrk="0" hangingPunct="1">
+              <a:spcBef>
+                <a:spcPct val="20000"/>
+              </a:spcBef>
+              <a:buClr>
+                <a:schemeClr val="accent1"/>
+              </a:buClr>
+              <a:buSzPct val="76000"/>
+              <a:buFont typeface="Wingdings 2" pitchFamily="18" charset="2"/>
+              <a:buChar char=""/>
+              <a:defRPr sz="2400" kern="1200">
+                <a:solidFill>
+                  <a:schemeClr val="tx2"/>
+                </a:solidFill>
+                <a:latin typeface="+mn-lt"/>
+                <a:ea typeface="+mn-ea"/>
+                <a:cs typeface="+mn-cs"/>
+              </a:defRPr>
+            </a:lvl1pPr>
+            <a:lvl2pPr marL="640080" indent="-274320" algn="l" defTabSz="914400" rtl="0" eaLnBrk="1" latinLnBrk="0" hangingPunct="1">
+              <a:spcBef>
+                <a:spcPct val="20000"/>
+              </a:spcBef>
+              <a:buClr>
+                <a:schemeClr val="accent1"/>
+              </a:buClr>
+              <a:buSzPct val="76000"/>
+              <a:buFont typeface="Wingdings 2" pitchFamily="18" charset="2"/>
+              <a:buChar char=""/>
+              <a:defRPr sz="2200" kern="1200">
+                <a:solidFill>
+                  <a:schemeClr val="tx2"/>
+                </a:solidFill>
+                <a:latin typeface="+mn-lt"/>
+                <a:ea typeface="+mn-ea"/>
+                <a:cs typeface="+mn-cs"/>
+              </a:defRPr>
+            </a:lvl2pPr>
+            <a:lvl3pPr marL="914400" indent="-228600" algn="l" defTabSz="914400" rtl="0" eaLnBrk="1" latinLnBrk="0" hangingPunct="1">
+              <a:spcBef>
+                <a:spcPct val="20000"/>
+              </a:spcBef>
+              <a:buClr>
+                <a:schemeClr val="accent1"/>
+              </a:buClr>
+              <a:buSzPct val="76000"/>
+              <a:buFont typeface="Wingdings 2" pitchFamily="18" charset="2"/>
+              <a:buChar char=""/>
+              <a:defRPr sz="2000" kern="1200">
+                <a:solidFill>
+                  <a:schemeClr val="tx2"/>
+                </a:solidFill>
+                <a:latin typeface="+mn-lt"/>
+                <a:ea typeface="+mn-ea"/>
+                <a:cs typeface="+mn-cs"/>
+              </a:defRPr>
+            </a:lvl3pPr>
+            <a:lvl4pPr marL="1124712" indent="-228600" algn="l" defTabSz="914400" rtl="0" eaLnBrk="1" latinLnBrk="0" hangingPunct="1">
+              <a:spcBef>
+                <a:spcPct val="20000"/>
+              </a:spcBef>
+              <a:buClr>
+                <a:schemeClr val="accent1"/>
+              </a:buClr>
+              <a:buSzPct val="76000"/>
+              <a:buFont typeface="Wingdings 2" pitchFamily="18" charset="2"/>
+              <a:buChar char=""/>
+              <a:defRPr sz="1800" kern="1200">
+                <a:solidFill>
+                  <a:schemeClr val="tx2"/>
+                </a:solidFill>
+                <a:latin typeface="+mn-lt"/>
+                <a:ea typeface="+mn-ea"/>
+                <a:cs typeface="+mn-cs"/>
+              </a:defRPr>
+            </a:lvl4pPr>
+            <a:lvl5pPr marL="1325880" indent="-228600" algn="l" defTabSz="914400" rtl="0" eaLnBrk="1" latinLnBrk="0" hangingPunct="1">
+              <a:spcBef>
+                <a:spcPct val="20000"/>
+              </a:spcBef>
+              <a:buClr>
+                <a:schemeClr val="accent1"/>
+              </a:buClr>
+              <a:buSzPct val="76000"/>
+              <a:buFont typeface="Wingdings 2" pitchFamily="18" charset="2"/>
+              <a:buChar char=""/>
+              <a:defRPr sz="1600" kern="1200" baseline="0">
+                <a:solidFill>
+                  <a:schemeClr val="tx2"/>
+                </a:solidFill>
+                <a:latin typeface="+mn-lt"/>
+                <a:ea typeface="+mn-ea"/>
+                <a:cs typeface="+mn-cs"/>
+              </a:defRPr>
+            </a:lvl5pPr>
+            <a:lvl6pPr marL="1517904" indent="-228600" algn="l" defTabSz="914400" rtl="0" eaLnBrk="1" latinLnBrk="0" hangingPunct="1">
+              <a:spcBef>
+                <a:spcPct val="20000"/>
+              </a:spcBef>
+              <a:buClr>
+                <a:schemeClr val="accent1"/>
+              </a:buClr>
+              <a:buSzPct val="76000"/>
+              <a:buFont typeface="Wingdings 2" pitchFamily="18" charset="2"/>
+              <a:buChar char=""/>
+              <a:defRPr sz="1400" kern="1200">
+                <a:solidFill>
+                  <a:schemeClr val="tx2"/>
+                </a:solidFill>
+                <a:latin typeface="+mn-lt"/>
+                <a:ea typeface="+mn-ea"/>
+                <a:cs typeface="+mn-cs"/>
+              </a:defRPr>
+            </a:lvl6pPr>
+            <a:lvl7pPr marL="1719072" indent="-228600" algn="l" defTabSz="914400" rtl="0" eaLnBrk="1" latinLnBrk="0" hangingPunct="1">
+              <a:spcBef>
+                <a:spcPct val="20000"/>
+              </a:spcBef>
+              <a:buClr>
+                <a:schemeClr val="accent1"/>
+              </a:buClr>
+              <a:buSzPct val="76000"/>
+              <a:buFont typeface="Wingdings 2" pitchFamily="18" charset="2"/>
+              <a:buChar char=""/>
+              <a:defRPr sz="1400" kern="1200">
+                <a:solidFill>
+                  <a:schemeClr val="tx2"/>
+                </a:solidFill>
+                <a:latin typeface="+mn-lt"/>
+                <a:ea typeface="+mn-ea"/>
+                <a:cs typeface="+mn-cs"/>
+              </a:defRPr>
+            </a:lvl7pPr>
+            <a:lvl8pPr marL="1920240" indent="-228600" algn="l" defTabSz="914400" rtl="0" eaLnBrk="1" latinLnBrk="0" hangingPunct="1">
+              <a:spcBef>
+                <a:spcPct val="20000"/>
+              </a:spcBef>
+              <a:buClr>
+                <a:schemeClr val="accent1"/>
+              </a:buClr>
+              <a:buSzPct val="76000"/>
+              <a:buFont typeface="Wingdings 2" pitchFamily="18" charset="2"/>
+              <a:buChar char=""/>
+              <a:defRPr sz="1400" kern="1200">
+                <a:solidFill>
+                  <a:schemeClr val="tx2"/>
+                </a:solidFill>
+                <a:latin typeface="+mn-lt"/>
+                <a:ea typeface="+mn-ea"/>
+                <a:cs typeface="+mn-cs"/>
+              </a:defRPr>
+            </a:lvl8pPr>
+            <a:lvl9pPr marL="2121408" indent="-228600" algn="l" defTabSz="914400" rtl="0" eaLnBrk="1" latinLnBrk="0" hangingPunct="1">
+              <a:spcBef>
+                <a:spcPct val="20000"/>
+              </a:spcBef>
+              <a:buClr>
+                <a:schemeClr val="accent1"/>
+              </a:buClr>
+              <a:buSzPct val="76000"/>
+              <a:buFont typeface="Wingdings 2" pitchFamily="18" charset="2"/>
+              <a:buChar char=""/>
+              <a:defRPr sz="1400" kern="1200">
+                <a:solidFill>
+                  <a:schemeClr val="tx2"/>
+                </a:solidFill>
+                <a:latin typeface="+mn-lt"/>
+                <a:ea typeface="+mn-ea"/>
+                <a:cs typeface="+mn-cs"/>
+              </a:defRPr>
+            </a:lvl9pPr>
+          </a:lstStyle>
+          <a:p>
+            <a:r>
+              <a:rPr lang="en-US" altLang="zh-CN" sz="1400" b="1" dirty="0" err="1"/>
+              <a:t>Vorbis</a:t>
+            </a:r>
+            <a:r>
+              <a:rPr lang="zh-CN" altLang="en-US" sz="1400" dirty="0"/>
+              <a:t>是一种</a:t>
+            </a:r>
+            <a:r>
+              <a:rPr lang="zh-CN" altLang="en-US" sz="1400" dirty="0">
+                <a:hlinkClick r:id="rId2" tooltip="有损数据压缩"/>
+              </a:rPr>
+              <a:t>有损</a:t>
+            </a:r>
+            <a:r>
+              <a:rPr lang="zh-CN" altLang="en-US" sz="1400" dirty="0">
+                <a:hlinkClick r:id="rId3" tooltip="音频压缩 (格式)"/>
+              </a:rPr>
+              <a:t>音频压缩格式</a:t>
+            </a:r>
+            <a:r>
+              <a:rPr lang="zh-CN" altLang="en-US" sz="1400" dirty="0"/>
+              <a:t>，由</a:t>
+            </a:r>
+            <a:r>
+              <a:rPr lang="en-US" altLang="zh-CN" sz="1400" dirty="0" err="1">
+                <a:hlinkClick r:id="rId4" tooltip="Xiph.Org基金会"/>
+              </a:rPr>
+              <a:t>Xiph.Org</a:t>
+            </a:r>
+            <a:r>
+              <a:rPr lang="zh-CN" altLang="en-US" sz="1400" dirty="0">
+                <a:hlinkClick r:id="rId4" tooltip="Xiph.Org基金会"/>
+              </a:rPr>
+              <a:t>基金会</a:t>
+            </a:r>
+            <a:r>
+              <a:rPr lang="zh-CN" altLang="en-US" sz="1400" dirty="0"/>
+              <a:t>所领导并</a:t>
+            </a:r>
+            <a:r>
+              <a:rPr lang="zh-CN" altLang="en-US" sz="1400" dirty="0">
+                <a:hlinkClick r:id="rId5" tooltip="开放源代码"/>
+              </a:rPr>
+              <a:t>开放源代码</a:t>
+            </a:r>
+            <a:r>
+              <a:rPr lang="zh-CN" altLang="en-US" sz="1400" dirty="0"/>
+              <a:t>。</a:t>
+            </a:r>
+            <a:r>
+              <a:rPr lang="en-US" altLang="zh-CN" sz="1400" dirty="0" err="1"/>
+              <a:t>Vorbis</a:t>
+            </a:r>
+            <a:r>
+              <a:rPr lang="zh-CN" altLang="en-US" sz="1400" dirty="0"/>
+              <a:t>通常以</a:t>
+            </a:r>
+            <a:r>
+              <a:rPr lang="en-US" altLang="zh-CN" sz="1400" dirty="0" err="1">
+                <a:hlinkClick r:id="rId6" tooltip="Ogg"/>
+              </a:rPr>
+              <a:t>Ogg</a:t>
+            </a:r>
+            <a:r>
+              <a:rPr lang="zh-CN" altLang="en-US" sz="1400" dirty="0"/>
+              <a:t>作为</a:t>
+            </a:r>
+            <a:r>
+              <a:rPr lang="zh-CN" altLang="en-US" sz="1400" dirty="0">
+                <a:hlinkClick r:id="rId7" tooltip="容器格式"/>
+              </a:rPr>
+              <a:t>容器格式</a:t>
+            </a:r>
+            <a:r>
+              <a:rPr lang="zh-CN" altLang="en-US" sz="1400" dirty="0"/>
+              <a:t>，所以常合称为</a:t>
+            </a:r>
+            <a:r>
+              <a:rPr lang="en-US" altLang="zh-CN" sz="1400" dirty="0" err="1"/>
+              <a:t>Ogg</a:t>
+            </a:r>
+            <a:r>
+              <a:rPr lang="en-US" altLang="zh-CN" sz="1400" dirty="0"/>
+              <a:t> </a:t>
+            </a:r>
+            <a:r>
+              <a:rPr lang="en-US" altLang="zh-CN" sz="1400" dirty="0" err="1"/>
+              <a:t>Vorbis</a:t>
+            </a:r>
+            <a:r>
+              <a:rPr lang="zh-CN" altLang="en-US" sz="1400" dirty="0" smtClean="0"/>
+              <a:t>。</a:t>
+            </a:r>
+            <a:endParaRPr lang="en-US" altLang="zh-CN" sz="1400" dirty="0" smtClean="0"/>
+          </a:p>
+          <a:p>
+            <a:r>
+              <a:rPr lang="zh-CN" altLang="en-US" sz="1400" dirty="0"/>
+              <a:t>众所周知，</a:t>
+            </a:r>
+            <a:r>
+              <a:rPr lang="en-US" altLang="zh-CN" sz="1400" dirty="0"/>
+              <a:t>MP3</a:t>
+            </a:r>
+            <a:r>
+              <a:rPr lang="zh-CN" altLang="en-US" sz="1400" dirty="0"/>
+              <a:t>是有损</a:t>
+            </a:r>
+            <a:r>
+              <a:rPr lang="zh-CN" altLang="en-US" sz="1400" dirty="0">
+                <a:hlinkClick r:id="rId8"/>
+              </a:rPr>
+              <a:t>压缩格式</a:t>
+            </a:r>
+            <a:r>
+              <a:rPr lang="zh-CN" altLang="en-US" sz="1400" dirty="0"/>
+              <a:t>，因此压缩后的数据与标准的</a:t>
+            </a:r>
+            <a:r>
+              <a:rPr lang="en-US" altLang="zh-CN" sz="1400" dirty="0"/>
+              <a:t>CD</a:t>
+            </a:r>
+            <a:r>
+              <a:rPr lang="zh-CN" altLang="en-US" sz="1400" dirty="0"/>
+              <a:t>音乐相比是有损失的。</a:t>
+            </a:r>
+            <a:r>
+              <a:rPr lang="en-US" altLang="zh-CN" sz="1400" dirty="0"/>
+              <a:t>VORBIS</a:t>
+            </a:r>
+            <a:r>
+              <a:rPr lang="zh-CN" altLang="en-US" sz="1400" dirty="0"/>
+              <a:t>也是</a:t>
+            </a:r>
+            <a:r>
+              <a:rPr lang="zh-CN" altLang="en-US" sz="1400" dirty="0">
+                <a:hlinkClick r:id="rId9"/>
+              </a:rPr>
+              <a:t>有损压缩</a:t>
+            </a:r>
+            <a:r>
+              <a:rPr lang="zh-CN" altLang="en-US" sz="1400" dirty="0"/>
+              <a:t>，但通过使用更加先进的声学模型去减少损失，因此，同样位速率</a:t>
+            </a:r>
+            <a:r>
+              <a:rPr lang="en-US" altLang="zh-CN" sz="1400" dirty="0"/>
+              <a:t>(Bit Rate)</a:t>
+            </a:r>
+            <a:r>
+              <a:rPr lang="zh-CN" altLang="en-US" sz="1400" dirty="0"/>
+              <a:t>编码的</a:t>
+            </a:r>
+            <a:r>
+              <a:rPr lang="en-US" altLang="zh-CN" sz="1400" dirty="0"/>
+              <a:t>OGG</a:t>
+            </a:r>
+            <a:r>
+              <a:rPr lang="zh-CN" altLang="en-US" sz="1400" dirty="0"/>
+              <a:t>与</a:t>
+            </a:r>
+            <a:r>
+              <a:rPr lang="en-US" altLang="zh-CN" sz="1400" dirty="0"/>
+              <a:t>MP3</a:t>
+            </a:r>
+            <a:r>
+              <a:rPr lang="zh-CN" altLang="en-US" sz="1400" dirty="0"/>
+              <a:t>相比听起来更好一些。另外，还有一个原因，</a:t>
+            </a:r>
+            <a:r>
+              <a:rPr lang="en-US" altLang="zh-CN" sz="1400" dirty="0"/>
+              <a:t>MP3</a:t>
+            </a:r>
+            <a:r>
+              <a:rPr lang="zh-CN" altLang="en-US" sz="1400" dirty="0"/>
+              <a:t>格式是受专利保护的。如果你想使用</a:t>
+            </a:r>
+            <a:r>
+              <a:rPr lang="en-US" altLang="zh-CN" sz="1400" dirty="0"/>
+              <a:t>MP3</a:t>
+            </a:r>
+            <a:r>
+              <a:rPr lang="zh-CN" altLang="en-US" sz="1400" dirty="0"/>
+              <a:t>格式发布自己的作品，则需要付给 </a:t>
+            </a:r>
+            <a:r>
+              <a:rPr lang="en-US" altLang="zh-CN" sz="1400" dirty="0" err="1"/>
+              <a:t>Fraunhofer</a:t>
+            </a:r>
+            <a:r>
+              <a:rPr lang="zh-CN" altLang="en-US" sz="1400" dirty="0"/>
+              <a:t>（发明</a:t>
+            </a:r>
+            <a:r>
+              <a:rPr lang="en-US" altLang="zh-CN" sz="1400" dirty="0"/>
+              <a:t>MP3</a:t>
+            </a:r>
+            <a:r>
+              <a:rPr lang="zh-CN" altLang="en-US" sz="1400" dirty="0"/>
+              <a:t>的公司）专利使用费。而</a:t>
+            </a:r>
+            <a:r>
+              <a:rPr lang="en-US" altLang="zh-CN" sz="1400" dirty="0"/>
+              <a:t>VORBIS</a:t>
+            </a:r>
+            <a:r>
+              <a:rPr lang="zh-CN" altLang="en-US" sz="1400" dirty="0"/>
+              <a:t>就完全没有这个问题。对于乐迷来说，使用</a:t>
+            </a:r>
+            <a:r>
+              <a:rPr lang="en-US" altLang="zh-CN" sz="1400" dirty="0"/>
+              <a:t>OGG</a:t>
+            </a:r>
+            <a:r>
+              <a:rPr lang="zh-CN" altLang="en-US" sz="1400" dirty="0"/>
+              <a:t>文件的显著好处是可以用更小的文件获得优越的声音质量。而且，由于</a:t>
+            </a:r>
+            <a:r>
+              <a:rPr lang="en-US" altLang="zh-CN" sz="1400" dirty="0"/>
+              <a:t>OGG</a:t>
+            </a:r>
+            <a:r>
+              <a:rPr lang="zh-CN" altLang="en-US" sz="1400" dirty="0"/>
+              <a:t>是完全开放和免费的，制作</a:t>
+            </a:r>
+            <a:r>
+              <a:rPr lang="en-US" altLang="zh-CN" sz="1400" dirty="0"/>
+              <a:t>OGG</a:t>
+            </a:r>
+            <a:r>
+              <a:rPr lang="zh-CN" altLang="en-US" sz="1400" dirty="0"/>
+              <a:t>文件将不受任何专利限制，可望可以获得大量的编码器和播放器。这也是为何现在</a:t>
+            </a:r>
+            <a:r>
+              <a:rPr lang="en-US" altLang="zh-CN" sz="1400" dirty="0"/>
+              <a:t>MP3</a:t>
+            </a:r>
+            <a:r>
+              <a:rPr lang="zh-CN" altLang="en-US" sz="1400" dirty="0"/>
+              <a:t>编码器如此少而且大多是商业软件的原因，因为</a:t>
+            </a:r>
+            <a:r>
+              <a:rPr lang="en-US" altLang="zh-CN" sz="1400" dirty="0" err="1"/>
+              <a:t>Fraunhofer</a:t>
+            </a:r>
+            <a:r>
+              <a:rPr lang="zh-CN" altLang="en-US" sz="1400" dirty="0"/>
+              <a:t>要收取专利使用费。</a:t>
+            </a:r>
+          </a:p>
+        </p:txBody>
+      </p:sp>
     </p:spTree>
     <p:extLst>
       <p:ext uri="{BB962C8B-B14F-4D97-AF65-F5344CB8AC3E}">
-        <p14:creationId xmlns:p14="http://schemas.microsoft.com/office/powerpoint/2010/main" val="661707524"/>
+        <p14:creationId xmlns:p14="http://schemas.microsoft.com/office/powerpoint/2010/main" val="1981655404"/>
       </p:ext>
     </p:extLst>
   </p:cSld>
@@ -37955,7 +38584,7 @@
             <a:fld id="{E3127EC2-47FB-48A1-8644-C8A81DDAA119}" type="datetime4">
               <a:rPr lang="en-US" smtClean="0"/>
               <a:pPr/>
-              <a:t>April 16, 2015</a:t>
+              <a:t>April 20, 2015</a:t>
             </a:fld>
             <a:endParaRPr lang="en-US"/>
           </a:p>
@@ -38099,36 +38728,20 @@
           </a:lstStyle>
           <a:p>
             <a:r>
-              <a:rPr lang="en-US" altLang="zh-CN" sz="2400" dirty="0" err="1">
+              <a:rPr lang="zh-CN" altLang="en-US" sz="2400" dirty="0" smtClean="0">
                 <a:solidFill>
                   <a:srgbClr val="FF0000"/>
                 </a:solidFill>
               </a:rPr>
-              <a:t>f</a:t>
-            </a:r>
-            <a:r>
-              <a:rPr lang="en-US" altLang="zh-CN" sz="2400" dirty="0" err="1" smtClean="0">
+              <a:t>视频解码 </a:t>
+            </a:r>
+            <a:r>
+              <a:rPr lang="en-US" altLang="zh-CN" sz="2400" dirty="0" smtClean="0">
                 <a:solidFill>
                   <a:srgbClr val="FF0000"/>
                 </a:solidFill>
               </a:rPr>
-              <a:t>fmpeg</a:t>
-            </a:r>
-            <a:r>
-              <a:rPr lang="en-US" altLang="zh-CN" sz="2400" dirty="0" smtClean="0">
-                <a:solidFill>
-                  <a:srgbClr val="FF0000"/>
-                </a:solidFill>
-              </a:rPr>
-              <a:t> </a:t>
-            </a:r>
-            <a:r>
-              <a:rPr lang="zh-CN" altLang="en-US" sz="2400" dirty="0" smtClean="0">
-                <a:solidFill>
-                  <a:srgbClr val="FF0000"/>
-                </a:solidFill>
-              </a:rPr>
-              <a:t>视频解码</a:t>
+              <a:t>AAC</a:t>
             </a:r>
             <a:endParaRPr lang="zh-CN" altLang="en-US" sz="2400" dirty="0">
               <a:solidFill>
@@ -38149,7 +38762,7 @@
         <p:spPr>
           <a:xfrm>
             <a:off x="971600" y="1988840"/>
-            <a:ext cx="7272808" cy="4104456"/>
+            <a:ext cx="7272808" cy="3744416"/>
           </a:xfrm>
           <a:prstGeom prst="rect">
             <a:avLst/>
@@ -38332,314 +38945,81 @@
           </a:lstStyle>
           <a:p>
             <a:r>
-              <a:rPr lang="en-US" altLang="zh-CN" sz="1400" dirty="0" err="1" smtClean="0"/>
-              <a:t>avformat_open_input</a:t>
-            </a:r>
-            <a:r>
-              <a:rPr lang="en-US" altLang="zh-CN" sz="1400" dirty="0" smtClean="0"/>
-              <a:t>(</a:t>
-            </a:r>
-            <a:r>
-              <a:rPr lang="en-US" altLang="zh-CN" sz="1400" dirty="0" err="1" smtClean="0"/>
-              <a:t>AVFormatContext</a:t>
-            </a:r>
-            <a:r>
-              <a:rPr lang="en-US" altLang="zh-CN" sz="1400" dirty="0" smtClean="0"/>
-              <a:t> </a:t>
+              <a:rPr lang="en-US" altLang="zh-CN" sz="1400" dirty="0">
+                <a:hlinkClick r:id="rId2"/>
+              </a:rPr>
+              <a:t>Advanced Audio Coding (AAC)</a:t>
             </a:r>
             <a:r>
               <a:rPr lang="en-US" altLang="zh-CN" sz="1400" dirty="0"/>
-              <a:t>**</a:t>
+              <a:t> is the successor format to MP3, and is defined in MPEG-4 part 3 (ISO/IEC 14496-3). It is often used within an MP4 container format; for music the .m4a extension is customarily used. The second-most common use is within MKV (</a:t>
             </a:r>
             <a:r>
               <a:rPr lang="en-US" altLang="zh-CN" sz="1400" dirty="0" err="1"/>
-              <a:t>ps</a:t>
+              <a:t>Matroska</a:t>
             </a:r>
             <a:r>
               <a:rPr lang="en-US" altLang="zh-CN" sz="1400" dirty="0"/>
-              <a:t>, </a:t>
-            </a:r>
+              <a:t>) files because it has better support for embedded text-based soft subtitles than MP4. </a:t>
+            </a:r>
+          </a:p>
+          <a:p>
             <a:r>
               <a:rPr lang="en-US" altLang="zh-CN" sz="1400" dirty="0" err="1"/>
-              <a:t>const</a:t>
+              <a:t>FFmpeg</a:t>
             </a:r>
             <a:r>
               <a:rPr lang="en-US" altLang="zh-CN" sz="1400" dirty="0"/>
-              <a:t> char *</a:t>
-            </a:r>
-            <a:r>
-              <a:rPr lang="en-US" altLang="zh-CN" sz="1400" dirty="0" smtClean="0"/>
-              <a:t>filename, </a:t>
-            </a:r>
-            <a:r>
-              <a:rPr lang="en-US" altLang="zh-CN" sz="1400" dirty="0" err="1" smtClean="0"/>
-              <a:t>AVInputFormat</a:t>
-            </a:r>
-            <a:r>
-              <a:rPr lang="en-US" altLang="zh-CN" sz="1400" dirty="0" smtClean="0"/>
-              <a:t> </a:t>
+              <a:t> can support four AAC-LC encoders (</a:t>
+            </a:r>
+            <a:r>
+              <a:rPr lang="en-US" altLang="zh-CN" sz="1400" dirty="0" err="1"/>
+              <a:t>aac</a:t>
             </a:r>
             <a:r>
               <a:rPr lang="en-US" altLang="zh-CN" sz="1400" dirty="0"/>
-              <a:t>*</a:t>
+              <a:t>, </a:t>
             </a:r>
             <a:r>
               <a:rPr lang="en-US" altLang="zh-CN" sz="1400" dirty="0" err="1"/>
-              <a:t>fmt</a:t>
+              <a:t>libfaac</a:t>
             </a:r>
             <a:r>
               <a:rPr lang="en-US" altLang="zh-CN" sz="1400" dirty="0"/>
-              <a:t>, </a:t>
+              <a:t>, </a:t>
             </a:r>
             <a:r>
               <a:rPr lang="en-US" altLang="zh-CN" sz="1400" dirty="0" err="1"/>
-              <a:t>AVDictionary</a:t>
+              <a:t>libfdk_aac</a:t>
             </a:r>
             <a:r>
               <a:rPr lang="en-US" altLang="zh-CN" sz="1400" dirty="0"/>
-              <a:t> **options)</a:t>
-            </a:r>
-            <a:r>
-              <a:rPr lang="zh-CN" altLang="en-US" sz="1400" dirty="0"/>
-              <a:t>；</a:t>
-            </a:r>
-          </a:p>
-          <a:p>
-            <a:pPr marL="68580" indent="0">
-              <a:buNone/>
-            </a:pPr>
-            <a:r>
-              <a:rPr lang="zh-CN" altLang="en-US" sz="1400" dirty="0"/>
-              <a:t>这个函数用于打开多媒体文件，并读取相关文件头信息</a:t>
-            </a:r>
-            <a:r>
-              <a:rPr lang="zh-CN" altLang="en-US" sz="1400" dirty="0" smtClean="0"/>
-              <a:t>。</a:t>
-            </a:r>
-            <a:endParaRPr lang="en-US" altLang="zh-CN" sz="1400" dirty="0" smtClean="0"/>
-          </a:p>
-          <a:p>
-            <a:pPr marL="68580" indent="0">
-              <a:buNone/>
-            </a:pPr>
-            <a:endParaRPr lang="zh-CN" altLang="en-US" sz="1400" dirty="0"/>
-          </a:p>
-          <a:p>
+              <a:t>, </a:t>
+            </a:r>
+            <a:r>
+              <a:rPr lang="en-US" altLang="zh-CN" sz="1400" dirty="0" err="1"/>
+              <a:t>libvo_aacenc</a:t>
+            </a:r>
             <a:r>
               <a:rPr lang="en-US" altLang="zh-CN" sz="1400" dirty="0"/>
-              <a:t>v</a:t>
-            </a:r>
-            <a:r>
-              <a:rPr lang="en-US" altLang="zh-CN" sz="1400" dirty="0" smtClean="0"/>
-              <a:t>oid </a:t>
-            </a:r>
-            <a:r>
-              <a:rPr lang="en-US" altLang="zh-CN" sz="1400" dirty="0" err="1" smtClean="0"/>
-              <a:t>avformat_close_input</a:t>
-            </a:r>
-            <a:r>
-              <a:rPr lang="en-US" altLang="zh-CN" sz="1400" dirty="0" smtClean="0"/>
-              <a:t>(</a:t>
-            </a:r>
-            <a:r>
-              <a:rPr lang="en-US" altLang="zh-CN" sz="1400" dirty="0" err="1" smtClean="0"/>
-              <a:t>AVFormatContext</a:t>
-            </a:r>
-            <a:r>
-              <a:rPr lang="en-US" altLang="zh-CN" sz="1400" dirty="0" smtClean="0"/>
-              <a:t> </a:t>
+              <a:t>) and two AAC-HE encoders (</a:t>
+            </a:r>
+            <a:r>
+              <a:rPr lang="en-US" altLang="zh-CN" sz="1400" dirty="0" err="1"/>
+              <a:t>libaacplus</a:t>
             </a:r>
             <a:r>
               <a:rPr lang="en-US" altLang="zh-CN" sz="1400" dirty="0"/>
-              <a:t>**</a:t>
+              <a:t> and </a:t>
             </a:r>
             <a:r>
               <a:rPr lang="en-US" altLang="zh-CN" sz="1400" dirty="0" err="1"/>
-              <a:t>ps</a:t>
+              <a:t>libfdk_aac</a:t>
             </a:r>
             <a:r>
               <a:rPr lang="en-US" altLang="zh-CN" sz="1400" dirty="0"/>
-              <a:t>)</a:t>
-            </a:r>
-            <a:r>
-              <a:rPr lang="zh-CN" altLang="en-US" sz="1400" dirty="0"/>
-              <a:t>；</a:t>
-            </a:r>
-          </a:p>
-          <a:p>
-            <a:pPr marL="68580" indent="0">
-              <a:buNone/>
-            </a:pPr>
-            <a:r>
-              <a:rPr lang="zh-CN" altLang="en-US" sz="1400" dirty="0"/>
-              <a:t>这个函数用于关闭上面打开的多媒体文件，释放相关资源</a:t>
-            </a:r>
-            <a:r>
-              <a:rPr lang="zh-CN" altLang="en-US" sz="1400" dirty="0" smtClean="0"/>
-              <a:t>。</a:t>
-            </a:r>
-            <a:endParaRPr lang="en-US" altLang="zh-CN" sz="1400" dirty="0" smtClean="0"/>
-          </a:p>
-          <a:p>
-            <a:pPr marL="68580" indent="0">
-              <a:buNone/>
-            </a:pPr>
-            <a:endParaRPr lang="zh-CN" altLang="en-US" sz="1400" dirty="0"/>
-          </a:p>
-          <a:p>
-            <a:r>
-              <a:rPr lang="en-US" altLang="zh-CN" sz="1400" dirty="0" err="1"/>
-              <a:t>i</a:t>
-            </a:r>
-            <a:r>
-              <a:rPr lang="en-US" altLang="zh-CN" sz="1400" dirty="0" err="1" smtClean="0"/>
-              <a:t>nt</a:t>
-            </a:r>
-            <a:r>
-              <a:rPr lang="en-US" altLang="zh-CN" sz="1400" dirty="0" smtClean="0"/>
-              <a:t> </a:t>
-            </a:r>
-            <a:r>
-              <a:rPr lang="en-US" altLang="zh-CN" sz="1400" dirty="0" err="1" smtClean="0"/>
-              <a:t>avformat_find_stream_info</a:t>
-            </a:r>
-            <a:r>
-              <a:rPr lang="en-US" altLang="zh-CN" sz="1400" dirty="0" smtClean="0"/>
-              <a:t>(</a:t>
-            </a:r>
-            <a:r>
-              <a:rPr lang="en-US" altLang="zh-CN" sz="1400" dirty="0" err="1" smtClean="0"/>
-              <a:t>AVFormatContext</a:t>
-            </a:r>
-            <a:r>
-              <a:rPr lang="en-US" altLang="zh-CN" sz="1400" dirty="0" smtClean="0"/>
-              <a:t> </a:t>
-            </a:r>
-            <a:r>
-              <a:rPr lang="en-US" altLang="zh-CN" sz="1400" dirty="0"/>
-              <a:t>*</a:t>
-            </a:r>
-            <a:r>
-              <a:rPr lang="en-US" altLang="zh-CN" sz="1400" dirty="0" err="1"/>
-              <a:t>ic</a:t>
-            </a:r>
-            <a:r>
-              <a:rPr lang="en-US" altLang="zh-CN" sz="1400" dirty="0"/>
-              <a:t>, </a:t>
-            </a:r>
-            <a:r>
-              <a:rPr lang="en-US" altLang="zh-CN" sz="1400" dirty="0" err="1"/>
-              <a:t>AVDictionary</a:t>
-            </a:r>
-            <a:r>
-              <a:rPr lang="en-US" altLang="zh-CN" sz="1400" dirty="0"/>
-              <a:t>**options);</a:t>
-            </a:r>
-          </a:p>
-          <a:p>
-            <a:pPr marL="68580" indent="0">
-              <a:buNone/>
-            </a:pPr>
-            <a:r>
-              <a:rPr lang="zh-CN" altLang="en-US" sz="1400" dirty="0"/>
-              <a:t>这个函数通过注册的文件格式解析器读取文件的取各种信息，比如播放持续时间、音视频压缩格式、音轨信息、字幕信息、帧率、采样率等等</a:t>
-            </a:r>
-            <a:r>
-              <a:rPr lang="zh-CN" altLang="en-US" sz="1400" dirty="0" smtClean="0"/>
-              <a:t>。</a:t>
-            </a:r>
-            <a:endParaRPr lang="en-US" altLang="zh-CN" sz="1400" dirty="0" smtClean="0"/>
-          </a:p>
-          <a:p>
-            <a:pPr marL="68580" indent="0">
-              <a:buNone/>
-            </a:pPr>
-            <a:endParaRPr lang="zh-CN" altLang="en-US" sz="1400" dirty="0"/>
-          </a:p>
-          <a:p>
-            <a:r>
-              <a:rPr lang="en-US" altLang="zh-CN" sz="1400" dirty="0" err="1"/>
-              <a:t>int</a:t>
-            </a:r>
-            <a:r>
-              <a:rPr lang="en-US" altLang="zh-CN" sz="1400" dirty="0"/>
-              <a:t> </a:t>
-            </a:r>
-            <a:r>
-              <a:rPr lang="en-US" altLang="zh-CN" sz="1400" dirty="0" err="1"/>
-              <a:t>av_read_frame</a:t>
-            </a:r>
-            <a:r>
-              <a:rPr lang="en-US" altLang="zh-CN" sz="1400" dirty="0"/>
-              <a:t>(</a:t>
-            </a:r>
-            <a:r>
-              <a:rPr lang="en-US" altLang="zh-CN" sz="1400" dirty="0" err="1"/>
-              <a:t>AVFormatContext</a:t>
-            </a:r>
-            <a:r>
-              <a:rPr lang="en-US" altLang="zh-CN" sz="1400" dirty="0"/>
-              <a:t>*s, </a:t>
-            </a:r>
-            <a:r>
-              <a:rPr lang="en-US" altLang="zh-CN" sz="1400" dirty="0" err="1"/>
-              <a:t>AVPacket</a:t>
-            </a:r>
-            <a:r>
-              <a:rPr lang="en-US" altLang="zh-CN" sz="1400" dirty="0"/>
-              <a:t> *</a:t>
-            </a:r>
-            <a:r>
-              <a:rPr lang="en-US" altLang="zh-CN" sz="1400" dirty="0" err="1"/>
-              <a:t>pkt</a:t>
-            </a:r>
-            <a:r>
-              <a:rPr lang="en-US" altLang="zh-CN" sz="1400" dirty="0"/>
-              <a:t>);</a:t>
-            </a:r>
-          </a:p>
-          <a:p>
-            <a:pPr marL="68580" indent="0">
-              <a:buNone/>
-            </a:pPr>
-            <a:r>
-              <a:rPr lang="zh-CN" altLang="en-US" sz="1400" dirty="0"/>
-              <a:t>这个函数对于</a:t>
-            </a:r>
-            <a:r>
-              <a:rPr lang="en-US" altLang="zh-CN" sz="1400" dirty="0" err="1"/>
-              <a:t>Demux</a:t>
-            </a:r>
-            <a:r>
-              <a:rPr lang="zh-CN" altLang="en-US" sz="1400" dirty="0"/>
-              <a:t>过程是最重要的一个函数，它从文件中读取一帧视频、一帧或多帧音频、字幕等</a:t>
-            </a:r>
-            <a:r>
-              <a:rPr lang="en-US" altLang="zh-CN" sz="1400" dirty="0"/>
-              <a:t>ES</a:t>
-            </a:r>
-            <a:r>
-              <a:rPr lang="zh-CN" altLang="en-US" sz="1400" dirty="0"/>
-              <a:t>数据包，除了数据本身之外，还包括</a:t>
-            </a:r>
-            <a:r>
-              <a:rPr lang="en-US" altLang="zh-CN" sz="1400" dirty="0"/>
-              <a:t>PTS</a:t>
-            </a:r>
-            <a:r>
-              <a:rPr lang="zh-CN" altLang="en-US" sz="1400" dirty="0"/>
-              <a:t>、持续时间、参考帧等重要信息</a:t>
-            </a:r>
-            <a:r>
-              <a:rPr lang="zh-CN" altLang="en-US" sz="1400" dirty="0" smtClean="0"/>
-              <a:t>。</a:t>
-            </a:r>
-            <a:endParaRPr lang="en-US" altLang="zh-CN" sz="1400" dirty="0" smtClean="0"/>
-          </a:p>
-          <a:p>
-            <a:pPr marL="68580" indent="0">
-              <a:buNone/>
-            </a:pPr>
+              <a:t>). </a:t>
+            </a:r>
             <a:endParaRPr lang="zh-CN" altLang="en-US" sz="1400" dirty="0"/>
           </a:p>
         </p:txBody>
@@ -38647,7 +39027,7 @@
     </p:spTree>
     <p:extLst>
       <p:ext uri="{BB962C8B-B14F-4D97-AF65-F5344CB8AC3E}">
-        <p14:creationId xmlns:p14="http://schemas.microsoft.com/office/powerpoint/2010/main" val="1264708435"/>
+        <p14:creationId xmlns:p14="http://schemas.microsoft.com/office/powerpoint/2010/main" val="112046580"/>
       </p:ext>
     </p:extLst>
   </p:cSld>
@@ -38730,7 +39110,7 @@
             <a:fld id="{E3127EC2-47FB-48A1-8644-C8A81DDAA119}" type="datetime4">
               <a:rPr lang="en-US" smtClean="0"/>
               <a:pPr/>
-              <a:t>April 16, 2015</a:t>
+              <a:t>April 20, 2015</a:t>
             </a:fld>
             <a:endParaRPr lang="en-US"/>
           </a:p>
@@ -38874,36 +39254,20 @@
           </a:lstStyle>
           <a:p>
             <a:r>
-              <a:rPr lang="en-US" altLang="zh-CN" sz="2400" dirty="0" err="1">
+              <a:rPr lang="zh-CN" altLang="en-US" sz="2400" dirty="0" smtClean="0">
                 <a:solidFill>
                   <a:srgbClr val="FF0000"/>
                 </a:solidFill>
               </a:rPr>
-              <a:t>f</a:t>
-            </a:r>
-            <a:r>
-              <a:rPr lang="en-US" altLang="zh-CN" sz="2400" dirty="0" err="1" smtClean="0">
+              <a:t>视频解码 </a:t>
+            </a:r>
+            <a:r>
+              <a:rPr lang="en-US" altLang="zh-CN" sz="2400" dirty="0" smtClean="0">
                 <a:solidFill>
                   <a:srgbClr val="FF0000"/>
                 </a:solidFill>
               </a:rPr>
-              <a:t>fmpeg</a:t>
-            </a:r>
-            <a:r>
-              <a:rPr lang="en-US" altLang="zh-CN" sz="2400" dirty="0" smtClean="0">
-                <a:solidFill>
-                  <a:srgbClr val="FF0000"/>
-                </a:solidFill>
-              </a:rPr>
-              <a:t> </a:t>
-            </a:r>
-            <a:r>
-              <a:rPr lang="zh-CN" altLang="en-US" sz="2400" dirty="0" smtClean="0">
-                <a:solidFill>
-                  <a:srgbClr val="FF0000"/>
-                </a:solidFill>
-              </a:rPr>
-              <a:t>视频解码</a:t>
+              <a:t>AAC</a:t>
             </a:r>
             <a:endParaRPr lang="zh-CN" altLang="en-US" sz="2400" dirty="0">
               <a:solidFill>
@@ -38924,7 +39288,7 @@
         <p:spPr>
           <a:xfrm>
             <a:off x="971600" y="1988840"/>
-            <a:ext cx="7272808" cy="4104456"/>
+            <a:ext cx="7272808" cy="3744416"/>
           </a:xfrm>
           <a:prstGeom prst="rect">
             <a:avLst/>
@@ -39107,228 +39471,425 @@
           </a:lstStyle>
           <a:p>
             <a:r>
-              <a:rPr lang="en-US" altLang="zh-CN" sz="1400" dirty="0" err="1"/>
-              <a:t>int</a:t>
-            </a:r>
-            <a:r>
               <a:rPr lang="en-US" altLang="zh-CN" sz="1400" dirty="0"/>
-              <a:t> avcodec_decode_video2(</a:t>
-            </a:r>
-            <a:r>
-              <a:rPr lang="en-US" altLang="zh-CN" sz="1400" dirty="0" err="1"/>
-              <a:t>AVCodecContext</a:t>
+              <a:t>AAC</a:t>
+            </a:r>
+            <a:r>
+              <a:rPr lang="zh-CN" altLang="en-US" sz="1400" dirty="0"/>
+              <a:t>（</a:t>
             </a:r>
             <a:r>
               <a:rPr lang="en-US" altLang="zh-CN" sz="1400" dirty="0"/>
-              <a:t> *</a:t>
-            </a:r>
-            <a:r>
-              <a:rPr lang="en-US" altLang="zh-CN" sz="1400" dirty="0" err="1"/>
-              <a:t>avctx</a:t>
+              <a:t>Advanced Audio Coding</a:t>
+            </a:r>
+            <a:r>
+              <a:rPr lang="zh-CN" altLang="en-US" sz="1400" dirty="0"/>
+              <a:t>） 编码</a:t>
             </a:r>
             <a:r>
               <a:rPr lang="en-US" altLang="zh-CN" sz="1400" dirty="0"/>
-              <a:t>, </a:t>
-            </a:r>
-            <a:r>
-              <a:rPr lang="en-US" altLang="zh-CN" sz="1400" dirty="0" err="1"/>
-              <a:t>AVFrame</a:t>
-            </a:r>
-            <a:r>
-              <a:rPr lang="en-US" altLang="zh-CN" sz="1400" dirty="0"/>
-              <a:t> *picture,</a:t>
-            </a:r>
-          </a:p>
-          <a:p>
-            <a:pPr marL="68580" indent="0">
-              <a:buNone/>
-            </a:pPr>
-            <a:r>
-              <a:rPr lang="en-US" altLang="zh-CN" sz="1400" dirty="0" err="1" smtClean="0"/>
-              <a:t>int</a:t>
-            </a:r>
-            <a:r>
-              <a:rPr lang="en-US" altLang="zh-CN" sz="1400" dirty="0" smtClean="0"/>
-              <a:t> </a:t>
-            </a:r>
-            <a:r>
-              <a:rPr lang="en-US" altLang="zh-CN" sz="1400" dirty="0"/>
-              <a:t>*</a:t>
-            </a:r>
-            <a:r>
-              <a:rPr lang="en-US" altLang="zh-CN" sz="1400" dirty="0" err="1" smtClean="0"/>
-              <a:t>got_picture_ptr</a:t>
-            </a:r>
-            <a:r>
-              <a:rPr lang="en-US" altLang="zh-CN" sz="1400" dirty="0" smtClean="0"/>
-              <a:t>, </a:t>
-            </a:r>
-            <a:r>
-              <a:rPr lang="en-US" altLang="zh-CN" sz="1400" dirty="0" err="1" smtClean="0"/>
-              <a:t>const</a:t>
-            </a:r>
-            <a:r>
-              <a:rPr lang="en-US" altLang="zh-CN" sz="1400" dirty="0" smtClean="0"/>
-              <a:t> </a:t>
-            </a:r>
-            <a:r>
-              <a:rPr lang="en-US" altLang="zh-CN" sz="1400" dirty="0" err="1"/>
-              <a:t>AVPacket</a:t>
-            </a:r>
-            <a:r>
-              <a:rPr lang="en-US" altLang="zh-CN" sz="1400" dirty="0"/>
-              <a:t> *</a:t>
-            </a:r>
-            <a:r>
-              <a:rPr lang="en-US" altLang="zh-CN" sz="1400" dirty="0" err="1"/>
-              <a:t>avpkt</a:t>
-            </a:r>
-            <a:r>
-              <a:rPr lang="en-US" altLang="zh-CN" sz="1400" dirty="0" smtClean="0"/>
-              <a:t>);</a:t>
-            </a:r>
-          </a:p>
-          <a:p>
-            <a:pPr marL="68580" indent="0">
-              <a:buNone/>
-            </a:pPr>
+              <a:t>9</a:t>
+            </a:r>
+            <a:r>
+              <a:rPr lang="zh-CN" altLang="en-US" sz="1400" dirty="0"/>
+              <a:t>种规格</a:t>
+            </a:r>
+            <a:r>
+              <a:rPr lang="zh-CN" altLang="en-US" sz="1400" dirty="0" smtClean="0"/>
+              <a:t>：</a:t>
+            </a:r>
             <a:endParaRPr lang="en-US" altLang="zh-CN" sz="1400" dirty="0" smtClean="0"/>
           </a:p>
           <a:p>
-            <a:pPr marL="68580" indent="0">
-              <a:buNone/>
-            </a:pPr>
-            <a:r>
-              <a:rPr lang="zh-CN" altLang="en-US" sz="1400" dirty="0" smtClean="0"/>
-              <a:t>这个</a:t>
-            </a:r>
-            <a:r>
-              <a:rPr lang="zh-CN" altLang="en-US" sz="1400" dirty="0"/>
-              <a:t>函数</a:t>
-            </a:r>
-            <a:r>
-              <a:rPr lang="zh-CN" altLang="en-US" sz="1400" dirty="0" smtClean="0"/>
-              <a:t>用于解码视频</a:t>
-            </a:r>
             <a:endParaRPr lang="en-US" altLang="zh-CN" sz="1400" dirty="0" smtClean="0"/>
           </a:p>
           <a:p>
-            <a:pPr marL="68580" indent="0">
-              <a:buNone/>
-            </a:pPr>
-            <a:endParaRPr lang="en-US" altLang="zh-CN" sz="1400" dirty="0"/>
-          </a:p>
-          <a:p>
-            <a:r>
-              <a:rPr lang="en-US" altLang="zh-CN" sz="1400" dirty="0" err="1"/>
-              <a:t>int</a:t>
-            </a:r>
-            <a:r>
-              <a:rPr lang="en-US" altLang="zh-CN" sz="1400" dirty="0"/>
-              <a:t> avcodec_decode_audio4(</a:t>
-            </a:r>
-            <a:r>
-              <a:rPr lang="en-US" altLang="zh-CN" sz="1400" dirty="0" err="1"/>
-              <a:t>AVCodecContext</a:t>
-            </a:r>
-            <a:r>
-              <a:rPr lang="en-US" altLang="zh-CN" sz="1400" dirty="0"/>
-              <a:t> *</a:t>
-            </a:r>
-            <a:r>
-              <a:rPr lang="en-US" altLang="zh-CN" sz="1400" dirty="0" err="1"/>
-              <a:t>avctx</a:t>
-            </a:r>
-            <a:r>
-              <a:rPr lang="en-US" altLang="zh-CN" sz="1400" dirty="0"/>
-              <a:t>, </a:t>
-            </a:r>
-            <a:r>
-              <a:rPr lang="en-US" altLang="zh-CN" sz="1400" dirty="0" err="1"/>
-              <a:t>AVFrame</a:t>
-            </a:r>
-            <a:r>
-              <a:rPr lang="en-US" altLang="zh-CN" sz="1400" dirty="0"/>
-              <a:t> *frame,</a:t>
-            </a:r>
-          </a:p>
-          <a:p>
-            <a:pPr marL="68580" indent="0">
-              <a:buNone/>
-            </a:pPr>
-            <a:r>
-              <a:rPr lang="en-US" altLang="zh-CN" sz="1400" dirty="0" err="1" smtClean="0"/>
-              <a:t>int</a:t>
-            </a:r>
-            <a:r>
-              <a:rPr lang="en-US" altLang="zh-CN" sz="1400" dirty="0" smtClean="0"/>
-              <a:t> </a:t>
-            </a:r>
-            <a:r>
-              <a:rPr lang="en-US" altLang="zh-CN" sz="1400" dirty="0"/>
-              <a:t>*</a:t>
-            </a:r>
-            <a:r>
-              <a:rPr lang="en-US" altLang="zh-CN" sz="1400" dirty="0" err="1"/>
-              <a:t>got_frame_ptr</a:t>
-            </a:r>
-            <a:r>
-              <a:rPr lang="en-US" altLang="zh-CN" sz="1400" dirty="0"/>
-              <a:t>, </a:t>
-            </a:r>
-            <a:r>
-              <a:rPr lang="en-US" altLang="zh-CN" sz="1400" dirty="0" err="1"/>
-              <a:t>const</a:t>
-            </a:r>
-            <a:r>
-              <a:rPr lang="en-US" altLang="zh-CN" sz="1400" dirty="0"/>
-              <a:t> </a:t>
-            </a:r>
-            <a:r>
-              <a:rPr lang="en-US" altLang="zh-CN" sz="1400" dirty="0" err="1"/>
-              <a:t>AVPacket</a:t>
-            </a:r>
-            <a:r>
-              <a:rPr lang="en-US" altLang="zh-CN" sz="1400" dirty="0"/>
-              <a:t> *</a:t>
-            </a:r>
-            <a:r>
-              <a:rPr lang="en-US" altLang="zh-CN" sz="1400" dirty="0" err="1"/>
-              <a:t>avpkt</a:t>
-            </a:r>
-            <a:r>
-              <a:rPr lang="en-US" altLang="zh-CN" sz="1400" dirty="0" smtClean="0"/>
-              <a:t>);</a:t>
-            </a:r>
-          </a:p>
-          <a:p>
-            <a:pPr marL="68580" indent="0">
-              <a:buNone/>
-            </a:pPr>
-            <a:endParaRPr lang="en-US" altLang="zh-CN" sz="1400" dirty="0"/>
-          </a:p>
-          <a:p>
-            <a:pPr marL="68580" indent="0">
-              <a:buNone/>
-            </a:pPr>
-            <a:r>
-              <a:rPr lang="zh-CN" altLang="en-US" sz="1400" dirty="0" smtClean="0"/>
-              <a:t>这个函数用于解码音频</a:t>
-            </a:r>
-            <a:endParaRPr lang="en-US" altLang="zh-CN" sz="1400" dirty="0" smtClean="0"/>
-          </a:p>
-          <a:p>
-            <a:pPr marL="68580" indent="0">
-              <a:buNone/>
-            </a:pPr>
-            <a:endParaRPr lang="zh-CN" altLang="en-US" sz="1400" dirty="0"/>
+            <a:pPr lvl="1"/>
+            <a:r>
+              <a:rPr lang="en-US" altLang="zh-CN" sz="1200" dirty="0" smtClean="0"/>
+              <a:t>MPEG-2 </a:t>
+            </a:r>
+            <a:r>
+              <a:rPr lang="en-US" altLang="zh-CN" sz="1200" dirty="0"/>
+              <a:t>AAC LC</a:t>
+            </a:r>
+            <a:r>
+              <a:rPr lang="zh-CN" altLang="en-US" sz="1200" dirty="0"/>
+              <a:t>低复杂度规格（</a:t>
+            </a:r>
+            <a:r>
+              <a:rPr lang="en-US" altLang="zh-CN" sz="1200" dirty="0"/>
+              <a:t>Low Complexity</a:t>
+            </a:r>
+            <a:r>
+              <a:rPr lang="zh-CN" altLang="en-US" sz="1200" dirty="0"/>
+              <a:t>）</a:t>
+            </a:r>
+          </a:p>
+          <a:p>
+            <a:pPr lvl="1"/>
+            <a:r>
+              <a:rPr lang="en-US" altLang="zh-CN" sz="1200" dirty="0"/>
+              <a:t>MPEG-2 AAC Main</a:t>
+            </a:r>
+            <a:r>
+              <a:rPr lang="zh-CN" altLang="en-US" sz="1200" dirty="0"/>
+              <a:t>主规格</a:t>
+            </a:r>
+          </a:p>
+          <a:p>
+            <a:pPr lvl="1"/>
+            <a:r>
+              <a:rPr lang="en-US" altLang="zh-CN" sz="1200" dirty="0"/>
+              <a:t>MPEG-2 AAC SSR</a:t>
+            </a:r>
+            <a:r>
+              <a:rPr lang="zh-CN" altLang="en-US" sz="1200" dirty="0"/>
+              <a:t>可变采样率规格</a:t>
+            </a:r>
+            <a:r>
+              <a:rPr lang="zh-CN" altLang="en-US" sz="1200" dirty="0" smtClean="0"/>
+              <a:t>（</a:t>
+            </a:r>
+            <a:r>
+              <a:rPr lang="en-US" altLang="zh-CN" sz="1200" dirty="0" smtClean="0"/>
+              <a:t>Scalable </a:t>
+            </a:r>
+            <a:r>
+              <a:rPr lang="en-US" altLang="zh-CN" sz="1200" dirty="0"/>
+              <a:t>Sample Rate</a:t>
+            </a:r>
+            <a:r>
+              <a:rPr lang="zh-CN" altLang="en-US" sz="1200" dirty="0"/>
+              <a:t>）</a:t>
+            </a:r>
+          </a:p>
+          <a:p>
+            <a:pPr lvl="1"/>
+            <a:r>
+              <a:rPr lang="en-US" altLang="zh-CN" sz="1200" dirty="0">
+                <a:solidFill>
+                  <a:srgbClr val="FF0000"/>
+                </a:solidFill>
+              </a:rPr>
+              <a:t>MPEG-4 AAC LC</a:t>
+            </a:r>
+            <a:r>
+              <a:rPr lang="zh-CN" altLang="en-US" sz="1200" dirty="0">
+                <a:solidFill>
+                  <a:srgbClr val="FF0000"/>
+                </a:solidFill>
+              </a:rPr>
+              <a:t>低复杂度规格（</a:t>
+            </a:r>
+            <a:r>
+              <a:rPr lang="en-US" altLang="zh-CN" sz="1200" dirty="0">
+                <a:solidFill>
+                  <a:srgbClr val="FF0000"/>
+                </a:solidFill>
+              </a:rPr>
+              <a:t>Low Complexity</a:t>
+            </a:r>
+            <a:r>
+              <a:rPr lang="zh-CN" altLang="en-US" sz="1200" dirty="0">
+                <a:solidFill>
+                  <a:srgbClr val="FF0000"/>
+                </a:solidFill>
+              </a:rPr>
+              <a:t>）</a:t>
+            </a:r>
+          </a:p>
+          <a:p>
+            <a:pPr lvl="1"/>
+            <a:r>
+              <a:rPr lang="en-US" altLang="zh-CN" sz="1200" dirty="0"/>
+              <a:t>MPEG-4 AAC Main</a:t>
+            </a:r>
+            <a:r>
+              <a:rPr lang="zh-CN" altLang="en-US" sz="1200" dirty="0"/>
+              <a:t>主规格</a:t>
+            </a:r>
+          </a:p>
+          <a:p>
+            <a:pPr lvl="1"/>
+            <a:r>
+              <a:rPr lang="en-US" altLang="zh-CN" sz="1200" dirty="0"/>
+              <a:t>MPEG-4 AAC SSR</a:t>
+            </a:r>
+            <a:r>
+              <a:rPr lang="zh-CN" altLang="en-US" sz="1200" dirty="0"/>
+              <a:t>可变采样率规格</a:t>
+            </a:r>
+            <a:r>
+              <a:rPr lang="zh-CN" altLang="en-US" sz="1200" dirty="0" smtClean="0"/>
+              <a:t>（</a:t>
+            </a:r>
+            <a:r>
+              <a:rPr lang="en-US" altLang="zh-CN" sz="1200" dirty="0"/>
+              <a:t> Scalable </a:t>
+            </a:r>
+            <a:r>
+              <a:rPr lang="en-US" altLang="zh-CN" sz="1200" dirty="0" smtClean="0"/>
+              <a:t>Sample </a:t>
+            </a:r>
+            <a:r>
+              <a:rPr lang="en-US" altLang="zh-CN" sz="1200" dirty="0"/>
+              <a:t>Rate</a:t>
+            </a:r>
+            <a:r>
+              <a:rPr lang="zh-CN" altLang="en-US" sz="1200" dirty="0"/>
+              <a:t>）</a:t>
+            </a:r>
+          </a:p>
+          <a:p>
+            <a:pPr lvl="1"/>
+            <a:r>
+              <a:rPr lang="en-US" altLang="zh-CN" sz="1200" dirty="0"/>
+              <a:t>MPEG-4 AAC LTP</a:t>
+            </a:r>
+            <a:r>
+              <a:rPr lang="zh-CN" altLang="en-US" sz="1200" dirty="0"/>
+              <a:t>长时期预测规格（</a:t>
+            </a:r>
+            <a:r>
+              <a:rPr lang="en-US" altLang="zh-CN" sz="1200" dirty="0"/>
+              <a:t>Long Term </a:t>
+            </a:r>
+            <a:r>
+              <a:rPr lang="en-US" altLang="zh-CN" sz="1200" dirty="0" smtClean="0"/>
+              <a:t>Prediction</a:t>
+            </a:r>
+            <a:r>
+              <a:rPr lang="zh-CN" altLang="en-US" sz="1200" dirty="0" smtClean="0"/>
+              <a:t>）</a:t>
+            </a:r>
+            <a:endParaRPr lang="zh-CN" altLang="en-US" sz="1200" dirty="0"/>
+          </a:p>
+          <a:p>
+            <a:pPr lvl="1"/>
+            <a:r>
+              <a:rPr lang="en-US" altLang="zh-CN" sz="1200" dirty="0"/>
+              <a:t>MPEG-4 AAC LD</a:t>
+            </a:r>
+            <a:r>
+              <a:rPr lang="zh-CN" altLang="en-US" sz="1200" dirty="0"/>
+              <a:t>低延迟规格（</a:t>
+            </a:r>
+            <a:r>
+              <a:rPr lang="en-US" altLang="zh-CN" sz="1200" dirty="0"/>
+              <a:t>Low Delay</a:t>
+            </a:r>
+            <a:r>
+              <a:rPr lang="zh-CN" altLang="en-US" sz="1200" dirty="0"/>
+              <a:t>）</a:t>
+            </a:r>
+          </a:p>
+          <a:p>
+            <a:pPr lvl="1"/>
+            <a:r>
+              <a:rPr lang="en-US" altLang="zh-CN" sz="1200" dirty="0">
+                <a:solidFill>
+                  <a:srgbClr val="FF0000"/>
+                </a:solidFill>
+              </a:rPr>
+              <a:t>MPEG-4 AAC HE</a:t>
+            </a:r>
+            <a:r>
+              <a:rPr lang="zh-CN" altLang="en-US" sz="1200" dirty="0">
+                <a:solidFill>
+                  <a:srgbClr val="FF0000"/>
+                </a:solidFill>
+              </a:rPr>
+              <a:t>高效率规格（</a:t>
+            </a:r>
+            <a:r>
+              <a:rPr lang="en-US" altLang="zh-CN" sz="1200" dirty="0">
+                <a:solidFill>
+                  <a:srgbClr val="FF0000"/>
+                </a:solidFill>
+              </a:rPr>
+              <a:t>High Efficiency</a:t>
+            </a:r>
+            <a:r>
+              <a:rPr lang="zh-CN" altLang="en-US" sz="1200" dirty="0" smtClean="0">
+                <a:solidFill>
+                  <a:srgbClr val="FF0000"/>
+                </a:solidFill>
+              </a:rPr>
+              <a:t>）</a:t>
+            </a:r>
+            <a:endParaRPr lang="en-US" altLang="zh-CN" sz="1200" dirty="0" smtClean="0">
+              <a:solidFill>
+                <a:srgbClr val="FF0000"/>
+              </a:solidFill>
+            </a:endParaRPr>
+          </a:p>
+          <a:p>
+            <a:pPr lvl="1"/>
+            <a:endParaRPr lang="en-US" altLang="zh-CN" sz="1200" dirty="0"/>
+          </a:p>
+          <a:p>
+            <a:pPr lvl="1"/>
+            <a:r>
+              <a:rPr lang="en-US" altLang="zh-CN" sz="1200" dirty="0"/>
+              <a:t>HE</a:t>
+            </a:r>
+            <a:r>
+              <a:rPr lang="zh-CN" altLang="en-US" sz="1200" dirty="0"/>
+              <a:t>：“</a:t>
+            </a:r>
+            <a:r>
+              <a:rPr lang="en-US" altLang="zh-CN" sz="1200" dirty="0"/>
+              <a:t>High Efficiency”</a:t>
+            </a:r>
+            <a:r>
+              <a:rPr lang="zh-CN" altLang="en-US" sz="1200" dirty="0"/>
+              <a:t>（高效性）。</a:t>
+            </a:r>
+            <a:r>
+              <a:rPr lang="en-US" altLang="zh-CN" sz="1200" dirty="0"/>
+              <a:t>HE-AAC v1</a:t>
+            </a:r>
+            <a:r>
+              <a:rPr lang="zh-CN" altLang="en-US" sz="1200" dirty="0"/>
+              <a:t>（又称</a:t>
+            </a:r>
+            <a:r>
+              <a:rPr lang="en-US" altLang="zh-CN" sz="1200" dirty="0"/>
+              <a:t>AACPlusV1</a:t>
+            </a:r>
+            <a:r>
+              <a:rPr lang="zh-CN" altLang="en-US" sz="1200" dirty="0"/>
+              <a:t>，</a:t>
+            </a:r>
+            <a:r>
+              <a:rPr lang="en-US" altLang="zh-CN" sz="1200" dirty="0"/>
+              <a:t>SBR)</a:t>
+            </a:r>
+            <a:r>
+              <a:rPr lang="zh-CN" altLang="en-US" sz="1200" dirty="0"/>
+              <a:t>，用容器的方法实现了</a:t>
+            </a:r>
+            <a:r>
+              <a:rPr lang="en-US" altLang="zh-CN" sz="1200" dirty="0"/>
+              <a:t>AAC</a:t>
+            </a:r>
+            <a:r>
+              <a:rPr lang="zh-CN" altLang="en-US" sz="1200" dirty="0"/>
+              <a:t>（</a:t>
+            </a:r>
+            <a:r>
+              <a:rPr lang="en-US" altLang="zh-CN" sz="1200" dirty="0"/>
+              <a:t>LC</a:t>
+            </a:r>
+            <a:r>
+              <a:rPr lang="zh-CN" altLang="en-US" sz="1200" dirty="0"/>
+              <a:t>）和</a:t>
+            </a:r>
+            <a:r>
+              <a:rPr lang="en-US" altLang="zh-CN" sz="1200" dirty="0"/>
+              <a:t>SBR</a:t>
+            </a:r>
+            <a:r>
+              <a:rPr lang="zh-CN" altLang="en-US" sz="1200" dirty="0"/>
+              <a:t>技术</a:t>
+            </a:r>
+            <a:r>
+              <a:rPr lang="zh-CN" altLang="en-US" sz="1200" dirty="0" smtClean="0"/>
+              <a:t>。</a:t>
+            </a:r>
+            <a:endParaRPr lang="en-US" altLang="zh-CN" sz="1200" dirty="0" smtClean="0"/>
+          </a:p>
+          <a:p>
+            <a:pPr lvl="1"/>
+            <a:r>
+              <a:rPr lang="en-US" altLang="zh-CN" sz="1200" dirty="0"/>
+              <a:t>HEv2</a:t>
+            </a:r>
+            <a:r>
+              <a:rPr lang="zh-CN" altLang="en-US" sz="1200" dirty="0"/>
+              <a:t>：用容器的方法包含了</a:t>
+            </a:r>
+            <a:r>
+              <a:rPr lang="en-US" altLang="zh-CN" sz="1200" dirty="0"/>
+              <a:t>HE-AAC v1</a:t>
+            </a:r>
+            <a:r>
+              <a:rPr lang="zh-CN" altLang="en-US" sz="1200" dirty="0"/>
+              <a:t>和</a:t>
+            </a:r>
+            <a:r>
+              <a:rPr lang="en-US" altLang="zh-CN" sz="1200" dirty="0"/>
+              <a:t>PS</a:t>
+            </a:r>
+            <a:r>
+              <a:rPr lang="zh-CN" altLang="en-US" sz="1200" dirty="0"/>
+              <a:t>技术。</a:t>
+            </a:r>
+            <a:r>
+              <a:rPr lang="en-US" altLang="zh-CN" sz="1200" dirty="0"/>
+              <a:t>PS</a:t>
+            </a:r>
+            <a:r>
+              <a:rPr lang="zh-CN" altLang="en-US" sz="1200" dirty="0"/>
+              <a:t>指“</a:t>
+            </a:r>
+            <a:r>
+              <a:rPr lang="en-US" altLang="zh-CN" sz="1200" dirty="0"/>
+              <a:t>parametric stereo”</a:t>
+            </a:r>
+            <a:r>
+              <a:rPr lang="zh-CN" altLang="en-US" sz="1200" dirty="0"/>
+              <a:t>（参数立体声）。</a:t>
+            </a:r>
           </a:p>
         </p:txBody>
       </p:sp>
+      <p:pic>
+        <p:nvPicPr>
+          <p:cNvPr id="1026" name="Picture 2" descr="E:\20130924125624640.jpg"/>
+          <p:cNvPicPr>
+            <a:picLocks noChangeAspect="1" noChangeArrowheads="1"/>
+          </p:cNvPicPr>
+          <p:nvPr/>
+        </p:nvPicPr>
+        <p:blipFill>
+          <a:blip r:embed="rId2">
+            <a:extLst>
+              <a:ext uri="{28A0092B-C50C-407E-A947-70E740481C1C}">
+                <a14:useLocalDpi xmlns:a14="http://schemas.microsoft.com/office/drawing/2010/main" val="0"/>
+              </a:ext>
+            </a:extLst>
+          </a:blip>
+          <a:srcRect/>
+          <a:stretch>
+            <a:fillRect/>
+          </a:stretch>
+        </p:blipFill>
+        <p:spPr bwMode="auto">
+          <a:xfrm>
+            <a:off x="5724128" y="1280716"/>
+            <a:ext cx="2232248" cy="1578700"/>
+          </a:xfrm>
+          <a:prstGeom prst="rect">
+            <a:avLst/>
+          </a:prstGeom>
+          <a:noFill/>
+          <a:extLst>
+            <a:ext uri="{909E8E84-426E-40DD-AFC4-6F175D3DCCD1}">
+              <a14:hiddenFill xmlns:a14="http://schemas.microsoft.com/office/drawing/2010/main">
+                <a:solidFill>
+                  <a:srgbClr val="FFFFFF"/>
+                </a:solidFill>
+              </a14:hiddenFill>
+            </a:ext>
+          </a:extLst>
+        </p:spPr>
+      </p:pic>
     </p:spTree>
     <p:extLst>
       <p:ext uri="{BB962C8B-B14F-4D97-AF65-F5344CB8AC3E}">
-        <p14:creationId xmlns:p14="http://schemas.microsoft.com/office/powerpoint/2010/main" val="1491655054"/>
+        <p14:creationId xmlns:p14="http://schemas.microsoft.com/office/powerpoint/2010/main" val="3037337081"/>
       </p:ext>
     </p:extLst>
   </p:cSld>
@@ -39375,18 +39936,19 @@
             <p:ph type="title"/>
           </p:nvPr>
         </p:nvSpPr>
-        <p:spPr/>
+        <p:spPr>
+          <a:xfrm>
+            <a:off x="1475656" y="332656"/>
+            <a:ext cx="6736712" cy="854968"/>
+          </a:xfrm>
+        </p:spPr>
         <p:txBody>
           <a:bodyPr/>
           <a:lstStyle/>
           <a:p>
             <a:r>
-              <a:rPr lang="en-US" altLang="zh-CN" dirty="0" err="1"/>
-              <a:t>libplayer</a:t>
-            </a:r>
-            <a:r>
               <a:rPr lang="en-US" altLang="zh-CN" dirty="0"/>
-              <a:t> architecture</a:t>
+              <a:t>Audio/video codec</a:t>
             </a:r>
             <a:endParaRPr lang="zh-CN" altLang="en-US" dirty="0"/>
           </a:p>
@@ -39410,7 +39972,7 @@
             <a:fld id="{E3127EC2-47FB-48A1-8644-C8A81DDAA119}" type="datetime4">
               <a:rPr lang="en-US" smtClean="0"/>
               <a:pPr/>
-              <a:t>April 16, 2015</a:t>
+              <a:t>April 20, 2015</a:t>
             </a:fld>
             <a:endParaRPr lang="en-US"/>
           </a:p>
@@ -39454,6 +40016,3916 @@
               <a:rPr lang="en-US" smtClean="0"/>
               <a:pPr/>
               <a:t>53</a:t>
+            </a:fld>
+            <a:endParaRPr lang="en-US"/>
+          </a:p>
+        </p:txBody>
+      </p:sp>
+      <p:sp>
+        <p:nvSpPr>
+          <p:cNvPr id="7" name="标题 1"/>
+          <p:cNvSpPr txBox="1">
+            <a:spLocks/>
+          </p:cNvSpPr>
+          <p:nvPr/>
+        </p:nvSpPr>
+        <p:spPr>
+          <a:xfrm>
+            <a:off x="1763688" y="1280716"/>
+            <a:ext cx="5832648" cy="566936"/>
+          </a:xfrm>
+          <a:prstGeom prst="rect">
+            <a:avLst/>
+          </a:prstGeom>
+        </p:spPr>
+        <p:txBody>
+          <a:bodyPr vert="horz" lIns="91440" tIns="45720" rIns="91440" bIns="45720" rtlCol="0" anchor="b">
+            <a:noAutofit/>
+          </a:bodyPr>
+          <a:lstStyle>
+            <a:lvl1pPr algn="l" defTabSz="914400" rtl="0" eaLnBrk="1" latinLnBrk="0" hangingPunct="1">
+              <a:spcBef>
+                <a:spcPct val="0"/>
+              </a:spcBef>
+              <a:buNone/>
+              <a:defRPr sz="4000" kern="1200">
+                <a:solidFill>
+                  <a:schemeClr val="accent1"/>
+                </a:solidFill>
+                <a:latin typeface="+mj-lt"/>
+                <a:ea typeface="+mj-ea"/>
+                <a:cs typeface="+mj-cs"/>
+              </a:defRPr>
+            </a:lvl1pPr>
+            <a:lvl2pPr eaLnBrk="1" hangingPunct="1">
+              <a:defRPr>
+                <a:solidFill>
+                  <a:schemeClr val="tx2"/>
+                </a:solidFill>
+              </a:defRPr>
+            </a:lvl2pPr>
+            <a:lvl3pPr eaLnBrk="1" hangingPunct="1">
+              <a:defRPr>
+                <a:solidFill>
+                  <a:schemeClr val="tx2"/>
+                </a:solidFill>
+              </a:defRPr>
+            </a:lvl3pPr>
+            <a:lvl4pPr eaLnBrk="1" hangingPunct="1">
+              <a:defRPr>
+                <a:solidFill>
+                  <a:schemeClr val="tx2"/>
+                </a:solidFill>
+              </a:defRPr>
+            </a:lvl4pPr>
+            <a:lvl5pPr eaLnBrk="1" hangingPunct="1">
+              <a:defRPr>
+                <a:solidFill>
+                  <a:schemeClr val="tx2"/>
+                </a:solidFill>
+              </a:defRPr>
+            </a:lvl5pPr>
+            <a:lvl6pPr eaLnBrk="1" hangingPunct="1">
+              <a:defRPr>
+                <a:solidFill>
+                  <a:schemeClr val="tx2"/>
+                </a:solidFill>
+              </a:defRPr>
+            </a:lvl6pPr>
+            <a:lvl7pPr eaLnBrk="1" hangingPunct="1">
+              <a:defRPr>
+                <a:solidFill>
+                  <a:schemeClr val="tx2"/>
+                </a:solidFill>
+              </a:defRPr>
+            </a:lvl7pPr>
+            <a:lvl8pPr eaLnBrk="1" hangingPunct="1">
+              <a:defRPr>
+                <a:solidFill>
+                  <a:schemeClr val="tx2"/>
+                </a:solidFill>
+              </a:defRPr>
+            </a:lvl8pPr>
+            <a:lvl9pPr eaLnBrk="1" hangingPunct="1">
+              <a:defRPr>
+                <a:solidFill>
+                  <a:schemeClr val="tx2"/>
+                </a:solidFill>
+              </a:defRPr>
+            </a:lvl9pPr>
+          </a:lstStyle>
+          <a:p>
+            <a:r>
+              <a:rPr lang="zh-CN" altLang="en-US" sz="2400" dirty="0" smtClean="0">
+                <a:solidFill>
+                  <a:srgbClr val="FF0000"/>
+                </a:solidFill>
+              </a:rPr>
+              <a:t>视频解码 </a:t>
+            </a:r>
+            <a:r>
+              <a:rPr lang="en-US" altLang="zh-CN" sz="2400" dirty="0">
+                <a:solidFill>
+                  <a:srgbClr val="FF0000"/>
+                </a:solidFill>
+              </a:rPr>
+              <a:t> </a:t>
+            </a:r>
+            <a:r>
+              <a:rPr lang="zh-CN" altLang="en-US" sz="2400" dirty="0" smtClean="0">
+                <a:solidFill>
+                  <a:srgbClr val="FF0000"/>
+                </a:solidFill>
+              </a:rPr>
+              <a:t>容器支持的音频格式</a:t>
+            </a:r>
+            <a:endParaRPr lang="zh-CN" altLang="en-US" sz="2400" dirty="0">
+              <a:solidFill>
+                <a:srgbClr val="FF0000"/>
+              </a:solidFill>
+            </a:endParaRPr>
+          </a:p>
+        </p:txBody>
+      </p:sp>
+      <p:sp>
+        <p:nvSpPr>
+          <p:cNvPr id="8" name="内容占位符 2"/>
+          <p:cNvSpPr txBox="1">
+            <a:spLocks/>
+          </p:cNvSpPr>
+          <p:nvPr/>
+        </p:nvSpPr>
+        <p:spPr>
+          <a:xfrm>
+            <a:off x="971600" y="1988840"/>
+            <a:ext cx="7272808" cy="3744416"/>
+          </a:xfrm>
+          <a:prstGeom prst="rect">
+            <a:avLst/>
+          </a:prstGeom>
+        </p:spPr>
+        <p:txBody>
+          <a:bodyPr/>
+          <a:lstStyle>
+            <a:lvl1pPr marL="342900" indent="-274320" algn="l" defTabSz="914400" rtl="0" eaLnBrk="1" latinLnBrk="0" hangingPunct="1">
+              <a:spcBef>
+                <a:spcPct val="20000"/>
+              </a:spcBef>
+              <a:buClr>
+                <a:schemeClr val="accent1"/>
+              </a:buClr>
+              <a:buSzPct val="76000"/>
+              <a:buFont typeface="Wingdings 2" pitchFamily="18" charset="2"/>
+              <a:buChar char=""/>
+              <a:defRPr sz="2400" kern="1200">
+                <a:solidFill>
+                  <a:schemeClr val="tx2"/>
+                </a:solidFill>
+                <a:latin typeface="+mn-lt"/>
+                <a:ea typeface="+mn-ea"/>
+                <a:cs typeface="+mn-cs"/>
+              </a:defRPr>
+            </a:lvl1pPr>
+            <a:lvl2pPr marL="640080" indent="-274320" algn="l" defTabSz="914400" rtl="0" eaLnBrk="1" latinLnBrk="0" hangingPunct="1">
+              <a:spcBef>
+                <a:spcPct val="20000"/>
+              </a:spcBef>
+              <a:buClr>
+                <a:schemeClr val="accent1"/>
+              </a:buClr>
+              <a:buSzPct val="76000"/>
+              <a:buFont typeface="Wingdings 2" pitchFamily="18" charset="2"/>
+              <a:buChar char=""/>
+              <a:defRPr sz="2200" kern="1200">
+                <a:solidFill>
+                  <a:schemeClr val="tx2"/>
+                </a:solidFill>
+                <a:latin typeface="+mn-lt"/>
+                <a:ea typeface="+mn-ea"/>
+                <a:cs typeface="+mn-cs"/>
+              </a:defRPr>
+            </a:lvl2pPr>
+            <a:lvl3pPr marL="914400" indent="-228600" algn="l" defTabSz="914400" rtl="0" eaLnBrk="1" latinLnBrk="0" hangingPunct="1">
+              <a:spcBef>
+                <a:spcPct val="20000"/>
+              </a:spcBef>
+              <a:buClr>
+                <a:schemeClr val="accent1"/>
+              </a:buClr>
+              <a:buSzPct val="76000"/>
+              <a:buFont typeface="Wingdings 2" pitchFamily="18" charset="2"/>
+              <a:buChar char=""/>
+              <a:defRPr sz="2000" kern="1200">
+                <a:solidFill>
+                  <a:schemeClr val="tx2"/>
+                </a:solidFill>
+                <a:latin typeface="+mn-lt"/>
+                <a:ea typeface="+mn-ea"/>
+                <a:cs typeface="+mn-cs"/>
+              </a:defRPr>
+            </a:lvl3pPr>
+            <a:lvl4pPr marL="1124712" indent="-228600" algn="l" defTabSz="914400" rtl="0" eaLnBrk="1" latinLnBrk="0" hangingPunct="1">
+              <a:spcBef>
+                <a:spcPct val="20000"/>
+              </a:spcBef>
+              <a:buClr>
+                <a:schemeClr val="accent1"/>
+              </a:buClr>
+              <a:buSzPct val="76000"/>
+              <a:buFont typeface="Wingdings 2" pitchFamily="18" charset="2"/>
+              <a:buChar char=""/>
+              <a:defRPr sz="1800" kern="1200">
+                <a:solidFill>
+                  <a:schemeClr val="tx2"/>
+                </a:solidFill>
+                <a:latin typeface="+mn-lt"/>
+                <a:ea typeface="+mn-ea"/>
+                <a:cs typeface="+mn-cs"/>
+              </a:defRPr>
+            </a:lvl4pPr>
+            <a:lvl5pPr marL="1325880" indent="-228600" algn="l" defTabSz="914400" rtl="0" eaLnBrk="1" latinLnBrk="0" hangingPunct="1">
+              <a:spcBef>
+                <a:spcPct val="20000"/>
+              </a:spcBef>
+              <a:buClr>
+                <a:schemeClr val="accent1"/>
+              </a:buClr>
+              <a:buSzPct val="76000"/>
+              <a:buFont typeface="Wingdings 2" pitchFamily="18" charset="2"/>
+              <a:buChar char=""/>
+              <a:defRPr sz="1600" kern="1200" baseline="0">
+                <a:solidFill>
+                  <a:schemeClr val="tx2"/>
+                </a:solidFill>
+                <a:latin typeface="+mn-lt"/>
+                <a:ea typeface="+mn-ea"/>
+                <a:cs typeface="+mn-cs"/>
+              </a:defRPr>
+            </a:lvl5pPr>
+            <a:lvl6pPr marL="1517904" indent="-228600" algn="l" defTabSz="914400" rtl="0" eaLnBrk="1" latinLnBrk="0" hangingPunct="1">
+              <a:spcBef>
+                <a:spcPct val="20000"/>
+              </a:spcBef>
+              <a:buClr>
+                <a:schemeClr val="accent1"/>
+              </a:buClr>
+              <a:buSzPct val="76000"/>
+              <a:buFont typeface="Wingdings 2" pitchFamily="18" charset="2"/>
+              <a:buChar char=""/>
+              <a:defRPr sz="1400" kern="1200">
+                <a:solidFill>
+                  <a:schemeClr val="tx2"/>
+                </a:solidFill>
+                <a:latin typeface="+mn-lt"/>
+                <a:ea typeface="+mn-ea"/>
+                <a:cs typeface="+mn-cs"/>
+              </a:defRPr>
+            </a:lvl6pPr>
+            <a:lvl7pPr marL="1719072" indent="-228600" algn="l" defTabSz="914400" rtl="0" eaLnBrk="1" latinLnBrk="0" hangingPunct="1">
+              <a:spcBef>
+                <a:spcPct val="20000"/>
+              </a:spcBef>
+              <a:buClr>
+                <a:schemeClr val="accent1"/>
+              </a:buClr>
+              <a:buSzPct val="76000"/>
+              <a:buFont typeface="Wingdings 2" pitchFamily="18" charset="2"/>
+              <a:buChar char=""/>
+              <a:defRPr sz="1400" kern="1200">
+                <a:solidFill>
+                  <a:schemeClr val="tx2"/>
+                </a:solidFill>
+                <a:latin typeface="+mn-lt"/>
+                <a:ea typeface="+mn-ea"/>
+                <a:cs typeface="+mn-cs"/>
+              </a:defRPr>
+            </a:lvl7pPr>
+            <a:lvl8pPr marL="1920240" indent="-228600" algn="l" defTabSz="914400" rtl="0" eaLnBrk="1" latinLnBrk="0" hangingPunct="1">
+              <a:spcBef>
+                <a:spcPct val="20000"/>
+              </a:spcBef>
+              <a:buClr>
+                <a:schemeClr val="accent1"/>
+              </a:buClr>
+              <a:buSzPct val="76000"/>
+              <a:buFont typeface="Wingdings 2" pitchFamily="18" charset="2"/>
+              <a:buChar char=""/>
+              <a:defRPr sz="1400" kern="1200">
+                <a:solidFill>
+                  <a:schemeClr val="tx2"/>
+                </a:solidFill>
+                <a:latin typeface="+mn-lt"/>
+                <a:ea typeface="+mn-ea"/>
+                <a:cs typeface="+mn-cs"/>
+              </a:defRPr>
+            </a:lvl8pPr>
+            <a:lvl9pPr marL="2121408" indent="-228600" algn="l" defTabSz="914400" rtl="0" eaLnBrk="1" latinLnBrk="0" hangingPunct="1">
+              <a:spcBef>
+                <a:spcPct val="20000"/>
+              </a:spcBef>
+              <a:buClr>
+                <a:schemeClr val="accent1"/>
+              </a:buClr>
+              <a:buSzPct val="76000"/>
+              <a:buFont typeface="Wingdings 2" pitchFamily="18" charset="2"/>
+              <a:buChar char=""/>
+              <a:defRPr sz="1400" kern="1200">
+                <a:solidFill>
+                  <a:schemeClr val="tx2"/>
+                </a:solidFill>
+                <a:latin typeface="+mn-lt"/>
+                <a:ea typeface="+mn-ea"/>
+                <a:cs typeface="+mn-cs"/>
+              </a:defRPr>
+            </a:lvl9pPr>
+          </a:lstStyle>
+          <a:p>
+            <a:endParaRPr lang="zh-CN" altLang="en-US" sz="1200" dirty="0"/>
+          </a:p>
+        </p:txBody>
+      </p:sp>
+      <p:graphicFrame>
+        <p:nvGraphicFramePr>
+          <p:cNvPr id="6" name="表格 5"/>
+          <p:cNvGraphicFramePr>
+            <a:graphicFrameLocks noGrp="1"/>
+          </p:cNvGraphicFramePr>
+          <p:nvPr>
+            <p:extLst>
+              <p:ext uri="{D42A27DB-BD31-4B8C-83A1-F6EECF244321}">
+                <p14:modId xmlns:p14="http://schemas.microsoft.com/office/powerpoint/2010/main" val="3915000617"/>
+              </p:ext>
+            </p:extLst>
+          </p:nvPr>
+        </p:nvGraphicFramePr>
+        <p:xfrm>
+          <a:off x="1763688" y="1988840"/>
+          <a:ext cx="4333696" cy="3627744"/>
+        </p:xfrm>
+        <a:graphic>
+          <a:graphicData uri="http://schemas.openxmlformats.org/drawingml/2006/table">
+            <a:tbl>
+              <a:tblPr/>
+              <a:tblGrid>
+                <a:gridCol w="2166848"/>
+                <a:gridCol w="2166848"/>
+              </a:tblGrid>
+              <a:tr h="233892">
+                <a:tc>
+                  <a:txBody>
+                    <a:bodyPr/>
+                    <a:lstStyle/>
+                    <a:p>
+                      <a:r>
+                        <a:rPr lang="en-US" sz="1200" b="1" dirty="0">
+                          <a:effectLst/>
+                        </a:rPr>
+                        <a:t>Container</a:t>
+                      </a:r>
+                      <a:endParaRPr lang="en-US" sz="1200" dirty="0">
+                        <a:effectLst/>
+                      </a:endParaRPr>
+                    </a:p>
+                  </a:txBody>
+                  <a:tcPr marL="58473" marR="58473" marT="29236" marB="29236" anchor="ctr">
+                    <a:lnL w="9525" cap="flat" cmpd="sng" algn="ctr">
+                      <a:solidFill>
+                        <a:srgbClr val="CCCCCC"/>
+                      </a:solidFill>
+                      <a:prstDash val="solid"/>
+                      <a:round/>
+                      <a:headEnd type="none" w="med" len="med"/>
+                      <a:tailEnd type="none" w="med" len="med"/>
+                    </a:lnL>
+                    <a:lnR w="9525" cap="flat" cmpd="sng" algn="ctr">
+                      <a:solidFill>
+                        <a:srgbClr val="CCCCCC"/>
+                      </a:solidFill>
+                      <a:prstDash val="solid"/>
+                      <a:round/>
+                      <a:headEnd type="none" w="med" len="med"/>
+                      <a:tailEnd type="none" w="med" len="med"/>
+                    </a:lnR>
+                    <a:lnT w="9525" cap="flat" cmpd="sng" algn="ctr">
+                      <a:solidFill>
+                        <a:srgbClr val="CCCCCC"/>
+                      </a:solidFill>
+                      <a:prstDash val="solid"/>
+                      <a:round/>
+                      <a:headEnd type="none" w="med" len="med"/>
+                      <a:tailEnd type="none" w="med" len="med"/>
+                    </a:lnT>
+                    <a:lnB w="9525" cap="flat" cmpd="sng" algn="ctr">
+                      <a:solidFill>
+                        <a:srgbClr val="CCCCCC"/>
+                      </a:solidFill>
+                      <a:prstDash val="solid"/>
+                      <a:round/>
+                      <a:headEnd type="none" w="med" len="med"/>
+                      <a:tailEnd type="none" w="med" len="med"/>
+                    </a:lnB>
+                    <a:solidFill>
+                      <a:srgbClr val="FFFFFF"/>
+                    </a:solidFill>
+                  </a:tcPr>
+                </a:tc>
+                <a:tc>
+                  <a:txBody>
+                    <a:bodyPr/>
+                    <a:lstStyle/>
+                    <a:p>
+                      <a:r>
+                        <a:rPr lang="en-US" sz="1200" b="1">
+                          <a:effectLst/>
+                        </a:rPr>
+                        <a:t>Audio formats supported</a:t>
+                      </a:r>
+                      <a:endParaRPr lang="en-US" sz="1200">
+                        <a:effectLst/>
+                      </a:endParaRPr>
+                    </a:p>
+                  </a:txBody>
+                  <a:tcPr marL="58473" marR="58473" marT="29236" marB="29236" anchor="ctr">
+                    <a:lnL w="9525" cap="flat" cmpd="sng" algn="ctr">
+                      <a:solidFill>
+                        <a:srgbClr val="CCCCCC"/>
+                      </a:solidFill>
+                      <a:prstDash val="solid"/>
+                      <a:round/>
+                      <a:headEnd type="none" w="med" len="med"/>
+                      <a:tailEnd type="none" w="med" len="med"/>
+                    </a:lnL>
+                    <a:lnR w="9525" cap="flat" cmpd="sng" algn="ctr">
+                      <a:solidFill>
+                        <a:srgbClr val="CCCCCC"/>
+                      </a:solidFill>
+                      <a:prstDash val="solid"/>
+                      <a:round/>
+                      <a:headEnd type="none" w="med" len="med"/>
+                      <a:tailEnd type="none" w="med" len="med"/>
+                    </a:lnR>
+                    <a:lnT w="9525" cap="flat" cmpd="sng" algn="ctr">
+                      <a:solidFill>
+                        <a:srgbClr val="CCCCCC"/>
+                      </a:solidFill>
+                      <a:prstDash val="solid"/>
+                      <a:round/>
+                      <a:headEnd type="none" w="med" len="med"/>
+                      <a:tailEnd type="none" w="med" len="med"/>
+                    </a:lnT>
+                    <a:lnB w="9525" cap="flat" cmpd="sng" algn="ctr">
+                      <a:solidFill>
+                        <a:srgbClr val="CCCCCC"/>
+                      </a:solidFill>
+                      <a:prstDash val="solid"/>
+                      <a:round/>
+                      <a:headEnd type="none" w="med" len="med"/>
+                      <a:tailEnd type="none" w="med" len="med"/>
+                    </a:lnB>
+                    <a:solidFill>
+                      <a:srgbClr val="FFFFFF"/>
+                    </a:solidFill>
+                  </a:tcPr>
+                </a:tc>
+              </a:tr>
+              <a:tr h="584729">
+                <a:tc>
+                  <a:txBody>
+                    <a:bodyPr/>
+                    <a:lstStyle/>
+                    <a:p>
+                      <a:r>
+                        <a:rPr lang="en-US" sz="1200" b="1">
+                          <a:effectLst/>
+                        </a:rPr>
+                        <a:t>MKV/MKA</a:t>
+                      </a:r>
+                      <a:endParaRPr lang="en-US" sz="1200">
+                        <a:effectLst/>
+                      </a:endParaRPr>
+                    </a:p>
+                  </a:txBody>
+                  <a:tcPr marL="58473" marR="58473" marT="29236" marB="29236" anchor="ctr">
+                    <a:lnL w="9525" cap="flat" cmpd="sng" algn="ctr">
+                      <a:solidFill>
+                        <a:srgbClr val="CCCCCC"/>
+                      </a:solidFill>
+                      <a:prstDash val="solid"/>
+                      <a:round/>
+                      <a:headEnd type="none" w="med" len="med"/>
+                      <a:tailEnd type="none" w="med" len="med"/>
+                    </a:lnL>
+                    <a:lnR w="9525" cap="flat" cmpd="sng" algn="ctr">
+                      <a:solidFill>
+                        <a:srgbClr val="CCCCCC"/>
+                      </a:solidFill>
+                      <a:prstDash val="solid"/>
+                      <a:round/>
+                      <a:headEnd type="none" w="med" len="med"/>
+                      <a:tailEnd type="none" w="med" len="med"/>
+                    </a:lnR>
+                    <a:lnT w="9525" cap="flat" cmpd="sng" algn="ctr">
+                      <a:solidFill>
+                        <a:srgbClr val="CCCCCC"/>
+                      </a:solidFill>
+                      <a:prstDash val="solid"/>
+                      <a:round/>
+                      <a:headEnd type="none" w="med" len="med"/>
+                      <a:tailEnd type="none" w="med" len="med"/>
+                    </a:lnT>
+                    <a:lnB w="9525" cap="flat" cmpd="sng" algn="ctr">
+                      <a:solidFill>
+                        <a:srgbClr val="CCCCCC"/>
+                      </a:solidFill>
+                      <a:prstDash val="solid"/>
+                      <a:round/>
+                      <a:headEnd type="none" w="med" len="med"/>
+                      <a:tailEnd type="none" w="med" len="med"/>
+                    </a:lnB>
+                    <a:solidFill>
+                      <a:srgbClr val="FFFFFF"/>
+                    </a:solidFill>
+                  </a:tcPr>
+                </a:tc>
+                <a:tc>
+                  <a:txBody>
+                    <a:bodyPr/>
+                    <a:lstStyle/>
+                    <a:p>
+                      <a:r>
+                        <a:rPr lang="en-US" sz="1200" dirty="0" err="1">
+                          <a:effectLst/>
+                        </a:rPr>
+                        <a:t>Vorbis</a:t>
+                      </a:r>
+                      <a:r>
+                        <a:rPr lang="en-US" sz="1200" dirty="0">
+                          <a:effectLst/>
+                        </a:rPr>
+                        <a:t>, MP2, MP3, LC-AAC, HE-AAC, WMAv1, WMAv2, AC3, eAC3, Opus*</a:t>
+                      </a:r>
+                    </a:p>
+                  </a:txBody>
+                  <a:tcPr marL="58473" marR="58473" marT="29236" marB="29236" anchor="ctr">
+                    <a:lnL w="9525" cap="flat" cmpd="sng" algn="ctr">
+                      <a:solidFill>
+                        <a:srgbClr val="CCCCCC"/>
+                      </a:solidFill>
+                      <a:prstDash val="solid"/>
+                      <a:round/>
+                      <a:headEnd type="none" w="med" len="med"/>
+                      <a:tailEnd type="none" w="med" len="med"/>
+                    </a:lnL>
+                    <a:lnR w="9525" cap="flat" cmpd="sng" algn="ctr">
+                      <a:solidFill>
+                        <a:srgbClr val="CCCCCC"/>
+                      </a:solidFill>
+                      <a:prstDash val="solid"/>
+                      <a:round/>
+                      <a:headEnd type="none" w="med" len="med"/>
+                      <a:tailEnd type="none" w="med" len="med"/>
+                    </a:lnR>
+                    <a:lnT w="9525" cap="flat" cmpd="sng" algn="ctr">
+                      <a:solidFill>
+                        <a:srgbClr val="CCCCCC"/>
+                      </a:solidFill>
+                      <a:prstDash val="solid"/>
+                      <a:round/>
+                      <a:headEnd type="none" w="med" len="med"/>
+                      <a:tailEnd type="none" w="med" len="med"/>
+                    </a:lnT>
+                    <a:lnB w="9525" cap="flat" cmpd="sng" algn="ctr">
+                      <a:solidFill>
+                        <a:srgbClr val="CCCCCC"/>
+                      </a:solidFill>
+                      <a:prstDash val="solid"/>
+                      <a:round/>
+                      <a:headEnd type="none" w="med" len="med"/>
+                      <a:tailEnd type="none" w="med" len="med"/>
+                    </a:lnB>
+                    <a:solidFill>
+                      <a:srgbClr val="FFFFFF"/>
+                    </a:solidFill>
+                  </a:tcPr>
+                </a:tc>
+              </a:tr>
+              <a:tr h="409310">
+                <a:tc>
+                  <a:txBody>
+                    <a:bodyPr/>
+                    <a:lstStyle/>
+                    <a:p>
+                      <a:r>
+                        <a:rPr lang="en-US" sz="1200" b="1">
+                          <a:effectLst/>
+                        </a:rPr>
+                        <a:t>MP4/M4A</a:t>
+                      </a:r>
+                      <a:endParaRPr lang="en-US" sz="1200">
+                        <a:effectLst/>
+                      </a:endParaRPr>
+                    </a:p>
+                  </a:txBody>
+                  <a:tcPr marL="58473" marR="58473" marT="29236" marB="29236" anchor="ctr">
+                    <a:lnL w="9525" cap="flat" cmpd="sng" algn="ctr">
+                      <a:solidFill>
+                        <a:srgbClr val="CCCCCC"/>
+                      </a:solidFill>
+                      <a:prstDash val="solid"/>
+                      <a:round/>
+                      <a:headEnd type="none" w="med" len="med"/>
+                      <a:tailEnd type="none" w="med" len="med"/>
+                    </a:lnL>
+                    <a:lnR w="9525" cap="flat" cmpd="sng" algn="ctr">
+                      <a:solidFill>
+                        <a:srgbClr val="CCCCCC"/>
+                      </a:solidFill>
+                      <a:prstDash val="solid"/>
+                      <a:round/>
+                      <a:headEnd type="none" w="med" len="med"/>
+                      <a:tailEnd type="none" w="med" len="med"/>
+                    </a:lnR>
+                    <a:lnT w="9525" cap="flat" cmpd="sng" algn="ctr">
+                      <a:solidFill>
+                        <a:srgbClr val="CCCCCC"/>
+                      </a:solidFill>
+                      <a:prstDash val="solid"/>
+                      <a:round/>
+                      <a:headEnd type="none" w="med" len="med"/>
+                      <a:tailEnd type="none" w="med" len="med"/>
+                    </a:lnT>
+                    <a:lnB w="9525" cap="flat" cmpd="sng" algn="ctr">
+                      <a:solidFill>
+                        <a:srgbClr val="CCCCCC"/>
+                      </a:solidFill>
+                      <a:prstDash val="solid"/>
+                      <a:round/>
+                      <a:headEnd type="none" w="med" len="med"/>
+                      <a:tailEnd type="none" w="med" len="med"/>
+                    </a:lnB>
+                    <a:solidFill>
+                      <a:srgbClr val="FFFFFF"/>
+                    </a:solidFill>
+                  </a:tcPr>
+                </a:tc>
+                <a:tc>
+                  <a:txBody>
+                    <a:bodyPr/>
+                    <a:lstStyle/>
+                    <a:p>
+                      <a:r>
+                        <a:rPr lang="en-US" sz="1200">
+                          <a:effectLst/>
+                        </a:rPr>
+                        <a:t>MP2, MP3, LC-AAC, HE-AAC, AC3</a:t>
+                      </a:r>
+                    </a:p>
+                  </a:txBody>
+                  <a:tcPr marL="58473" marR="58473" marT="29236" marB="29236" anchor="ctr">
+                    <a:lnL w="9525" cap="flat" cmpd="sng" algn="ctr">
+                      <a:solidFill>
+                        <a:srgbClr val="CCCCCC"/>
+                      </a:solidFill>
+                      <a:prstDash val="solid"/>
+                      <a:round/>
+                      <a:headEnd type="none" w="med" len="med"/>
+                      <a:tailEnd type="none" w="med" len="med"/>
+                    </a:lnL>
+                    <a:lnR w="9525" cap="flat" cmpd="sng" algn="ctr">
+                      <a:solidFill>
+                        <a:srgbClr val="CCCCCC"/>
+                      </a:solidFill>
+                      <a:prstDash val="solid"/>
+                      <a:round/>
+                      <a:headEnd type="none" w="med" len="med"/>
+                      <a:tailEnd type="none" w="med" len="med"/>
+                    </a:lnR>
+                    <a:lnT w="9525" cap="flat" cmpd="sng" algn="ctr">
+                      <a:solidFill>
+                        <a:srgbClr val="CCCCCC"/>
+                      </a:solidFill>
+                      <a:prstDash val="solid"/>
+                      <a:round/>
+                      <a:headEnd type="none" w="med" len="med"/>
+                      <a:tailEnd type="none" w="med" len="med"/>
+                    </a:lnT>
+                    <a:lnB w="9525" cap="flat" cmpd="sng" algn="ctr">
+                      <a:solidFill>
+                        <a:srgbClr val="CCCCCC"/>
+                      </a:solidFill>
+                      <a:prstDash val="solid"/>
+                      <a:round/>
+                      <a:headEnd type="none" w="med" len="med"/>
+                      <a:tailEnd type="none" w="med" len="med"/>
+                    </a:lnB>
+                    <a:solidFill>
+                      <a:srgbClr val="FFFFFF"/>
+                    </a:solidFill>
+                  </a:tcPr>
+                </a:tc>
+              </a:tr>
+              <a:tr h="233892">
+                <a:tc>
+                  <a:txBody>
+                    <a:bodyPr/>
+                    <a:lstStyle/>
+                    <a:p>
+                      <a:r>
+                        <a:rPr lang="en-US" sz="1200" b="1">
+                          <a:effectLst/>
+                        </a:rPr>
+                        <a:t>FLV/F4V</a:t>
+                      </a:r>
+                      <a:endParaRPr lang="en-US" sz="1200">
+                        <a:effectLst/>
+                      </a:endParaRPr>
+                    </a:p>
+                  </a:txBody>
+                  <a:tcPr marL="58473" marR="58473" marT="29236" marB="29236" anchor="ctr">
+                    <a:lnL w="9525" cap="flat" cmpd="sng" algn="ctr">
+                      <a:solidFill>
+                        <a:srgbClr val="CCCCCC"/>
+                      </a:solidFill>
+                      <a:prstDash val="solid"/>
+                      <a:round/>
+                      <a:headEnd type="none" w="med" len="med"/>
+                      <a:tailEnd type="none" w="med" len="med"/>
+                    </a:lnL>
+                    <a:lnR w="9525" cap="flat" cmpd="sng" algn="ctr">
+                      <a:solidFill>
+                        <a:srgbClr val="CCCCCC"/>
+                      </a:solidFill>
+                      <a:prstDash val="solid"/>
+                      <a:round/>
+                      <a:headEnd type="none" w="med" len="med"/>
+                      <a:tailEnd type="none" w="med" len="med"/>
+                    </a:lnR>
+                    <a:lnT w="9525" cap="flat" cmpd="sng" algn="ctr">
+                      <a:solidFill>
+                        <a:srgbClr val="CCCCCC"/>
+                      </a:solidFill>
+                      <a:prstDash val="solid"/>
+                      <a:round/>
+                      <a:headEnd type="none" w="med" len="med"/>
+                      <a:tailEnd type="none" w="med" len="med"/>
+                    </a:lnT>
+                    <a:lnB w="9525" cap="flat" cmpd="sng" algn="ctr">
+                      <a:solidFill>
+                        <a:srgbClr val="CCCCCC"/>
+                      </a:solidFill>
+                      <a:prstDash val="solid"/>
+                      <a:round/>
+                      <a:headEnd type="none" w="med" len="med"/>
+                      <a:tailEnd type="none" w="med" len="med"/>
+                    </a:lnB>
+                    <a:solidFill>
+                      <a:srgbClr val="FFFFFF"/>
+                    </a:solidFill>
+                  </a:tcPr>
+                </a:tc>
+                <a:tc>
+                  <a:txBody>
+                    <a:bodyPr/>
+                    <a:lstStyle/>
+                    <a:p>
+                      <a:r>
+                        <a:rPr lang="en-US" sz="1200">
+                          <a:effectLst/>
+                        </a:rPr>
+                        <a:t>MP3, LC-AAC, HE-AAC</a:t>
+                      </a:r>
+                    </a:p>
+                  </a:txBody>
+                  <a:tcPr marL="58473" marR="58473" marT="29236" marB="29236" anchor="ctr">
+                    <a:lnL w="9525" cap="flat" cmpd="sng" algn="ctr">
+                      <a:solidFill>
+                        <a:srgbClr val="CCCCCC"/>
+                      </a:solidFill>
+                      <a:prstDash val="solid"/>
+                      <a:round/>
+                      <a:headEnd type="none" w="med" len="med"/>
+                      <a:tailEnd type="none" w="med" len="med"/>
+                    </a:lnL>
+                    <a:lnR w="9525" cap="flat" cmpd="sng" algn="ctr">
+                      <a:solidFill>
+                        <a:srgbClr val="CCCCCC"/>
+                      </a:solidFill>
+                      <a:prstDash val="solid"/>
+                      <a:round/>
+                      <a:headEnd type="none" w="med" len="med"/>
+                      <a:tailEnd type="none" w="med" len="med"/>
+                    </a:lnR>
+                    <a:lnT w="9525" cap="flat" cmpd="sng" algn="ctr">
+                      <a:solidFill>
+                        <a:srgbClr val="CCCCCC"/>
+                      </a:solidFill>
+                      <a:prstDash val="solid"/>
+                      <a:round/>
+                      <a:headEnd type="none" w="med" len="med"/>
+                      <a:tailEnd type="none" w="med" len="med"/>
+                    </a:lnT>
+                    <a:lnB w="9525" cap="flat" cmpd="sng" algn="ctr">
+                      <a:solidFill>
+                        <a:srgbClr val="CCCCCC"/>
+                      </a:solidFill>
+                      <a:prstDash val="solid"/>
+                      <a:round/>
+                      <a:headEnd type="none" w="med" len="med"/>
+                      <a:tailEnd type="none" w="med" len="med"/>
+                    </a:lnB>
+                    <a:solidFill>
+                      <a:srgbClr val="FFFFFF"/>
+                    </a:solidFill>
+                  </a:tcPr>
+                </a:tc>
+              </a:tr>
+              <a:tr h="233892">
+                <a:tc>
+                  <a:txBody>
+                    <a:bodyPr/>
+                    <a:lstStyle/>
+                    <a:p>
+                      <a:r>
+                        <a:rPr lang="en-US" sz="1200" b="1">
+                          <a:effectLst/>
+                        </a:rPr>
+                        <a:t>3GP/3G2</a:t>
+                      </a:r>
+                      <a:endParaRPr lang="en-US" sz="1200">
+                        <a:effectLst/>
+                      </a:endParaRPr>
+                    </a:p>
+                  </a:txBody>
+                  <a:tcPr marL="58473" marR="58473" marT="29236" marB="29236" anchor="ctr">
+                    <a:lnL w="9525" cap="flat" cmpd="sng" algn="ctr">
+                      <a:solidFill>
+                        <a:srgbClr val="CCCCCC"/>
+                      </a:solidFill>
+                      <a:prstDash val="solid"/>
+                      <a:round/>
+                      <a:headEnd type="none" w="med" len="med"/>
+                      <a:tailEnd type="none" w="med" len="med"/>
+                    </a:lnL>
+                    <a:lnR w="9525" cap="flat" cmpd="sng" algn="ctr">
+                      <a:solidFill>
+                        <a:srgbClr val="CCCCCC"/>
+                      </a:solidFill>
+                      <a:prstDash val="solid"/>
+                      <a:round/>
+                      <a:headEnd type="none" w="med" len="med"/>
+                      <a:tailEnd type="none" w="med" len="med"/>
+                    </a:lnR>
+                    <a:lnT w="9525" cap="flat" cmpd="sng" algn="ctr">
+                      <a:solidFill>
+                        <a:srgbClr val="CCCCCC"/>
+                      </a:solidFill>
+                      <a:prstDash val="solid"/>
+                      <a:round/>
+                      <a:headEnd type="none" w="med" len="med"/>
+                      <a:tailEnd type="none" w="med" len="med"/>
+                    </a:lnT>
+                    <a:lnB w="9525" cap="flat" cmpd="sng" algn="ctr">
+                      <a:solidFill>
+                        <a:srgbClr val="CCCCCC"/>
+                      </a:solidFill>
+                      <a:prstDash val="solid"/>
+                      <a:round/>
+                      <a:headEnd type="none" w="med" len="med"/>
+                      <a:tailEnd type="none" w="med" len="med"/>
+                    </a:lnB>
+                    <a:solidFill>
+                      <a:srgbClr val="FFFFFF"/>
+                    </a:solidFill>
+                  </a:tcPr>
+                </a:tc>
+                <a:tc>
+                  <a:txBody>
+                    <a:bodyPr/>
+                    <a:lstStyle/>
+                    <a:p>
+                      <a:r>
+                        <a:rPr lang="en-US" sz="1200">
+                          <a:effectLst/>
+                        </a:rPr>
+                        <a:t>LC-AAC, HE-AAC</a:t>
+                      </a:r>
+                    </a:p>
+                  </a:txBody>
+                  <a:tcPr marL="58473" marR="58473" marT="29236" marB="29236" anchor="ctr">
+                    <a:lnL w="9525" cap="flat" cmpd="sng" algn="ctr">
+                      <a:solidFill>
+                        <a:srgbClr val="CCCCCC"/>
+                      </a:solidFill>
+                      <a:prstDash val="solid"/>
+                      <a:round/>
+                      <a:headEnd type="none" w="med" len="med"/>
+                      <a:tailEnd type="none" w="med" len="med"/>
+                    </a:lnL>
+                    <a:lnR w="9525" cap="flat" cmpd="sng" algn="ctr">
+                      <a:solidFill>
+                        <a:srgbClr val="CCCCCC"/>
+                      </a:solidFill>
+                      <a:prstDash val="solid"/>
+                      <a:round/>
+                      <a:headEnd type="none" w="med" len="med"/>
+                      <a:tailEnd type="none" w="med" len="med"/>
+                    </a:lnR>
+                    <a:lnT w="9525" cap="flat" cmpd="sng" algn="ctr">
+                      <a:solidFill>
+                        <a:srgbClr val="CCCCCC"/>
+                      </a:solidFill>
+                      <a:prstDash val="solid"/>
+                      <a:round/>
+                      <a:headEnd type="none" w="med" len="med"/>
+                      <a:tailEnd type="none" w="med" len="med"/>
+                    </a:lnT>
+                    <a:lnB w="9525" cap="flat" cmpd="sng" algn="ctr">
+                      <a:solidFill>
+                        <a:srgbClr val="CCCCCC"/>
+                      </a:solidFill>
+                      <a:prstDash val="solid"/>
+                      <a:round/>
+                      <a:headEnd type="none" w="med" len="med"/>
+                      <a:tailEnd type="none" w="med" len="med"/>
+                    </a:lnB>
+                    <a:solidFill>
+                      <a:srgbClr val="FFFFFF"/>
+                    </a:solidFill>
+                  </a:tcPr>
+                </a:tc>
+              </a:tr>
+              <a:tr h="233892">
+                <a:tc>
+                  <a:txBody>
+                    <a:bodyPr/>
+                    <a:lstStyle/>
+                    <a:p>
+                      <a:r>
+                        <a:rPr lang="en-US" sz="1200" b="1">
+                          <a:effectLst/>
+                        </a:rPr>
+                        <a:t>MPG</a:t>
+                      </a:r>
+                      <a:endParaRPr lang="en-US" sz="1200">
+                        <a:effectLst/>
+                      </a:endParaRPr>
+                    </a:p>
+                  </a:txBody>
+                  <a:tcPr marL="58473" marR="58473" marT="29236" marB="29236" anchor="ctr">
+                    <a:lnL w="9525" cap="flat" cmpd="sng" algn="ctr">
+                      <a:solidFill>
+                        <a:srgbClr val="CCCCCC"/>
+                      </a:solidFill>
+                      <a:prstDash val="solid"/>
+                      <a:round/>
+                      <a:headEnd type="none" w="med" len="med"/>
+                      <a:tailEnd type="none" w="med" len="med"/>
+                    </a:lnL>
+                    <a:lnR w="9525" cap="flat" cmpd="sng" algn="ctr">
+                      <a:solidFill>
+                        <a:srgbClr val="CCCCCC"/>
+                      </a:solidFill>
+                      <a:prstDash val="solid"/>
+                      <a:round/>
+                      <a:headEnd type="none" w="med" len="med"/>
+                      <a:tailEnd type="none" w="med" len="med"/>
+                    </a:lnR>
+                    <a:lnT w="9525" cap="flat" cmpd="sng" algn="ctr">
+                      <a:solidFill>
+                        <a:srgbClr val="CCCCCC"/>
+                      </a:solidFill>
+                      <a:prstDash val="solid"/>
+                      <a:round/>
+                      <a:headEnd type="none" w="med" len="med"/>
+                      <a:tailEnd type="none" w="med" len="med"/>
+                    </a:lnT>
+                    <a:lnB w="9525" cap="flat" cmpd="sng" algn="ctr">
+                      <a:solidFill>
+                        <a:srgbClr val="CCCCCC"/>
+                      </a:solidFill>
+                      <a:prstDash val="solid"/>
+                      <a:round/>
+                      <a:headEnd type="none" w="med" len="med"/>
+                      <a:tailEnd type="none" w="med" len="med"/>
+                    </a:lnB>
+                    <a:solidFill>
+                      <a:srgbClr val="FFFFFF"/>
+                    </a:solidFill>
+                  </a:tcPr>
+                </a:tc>
+                <a:tc>
+                  <a:txBody>
+                    <a:bodyPr/>
+                    <a:lstStyle/>
+                    <a:p>
+                      <a:r>
+                        <a:rPr lang="en-US" sz="1200">
+                          <a:effectLst/>
+                        </a:rPr>
+                        <a:t>MP2, MP3</a:t>
+                      </a:r>
+                    </a:p>
+                  </a:txBody>
+                  <a:tcPr marL="58473" marR="58473" marT="29236" marB="29236" anchor="ctr">
+                    <a:lnL w="9525" cap="flat" cmpd="sng" algn="ctr">
+                      <a:solidFill>
+                        <a:srgbClr val="CCCCCC"/>
+                      </a:solidFill>
+                      <a:prstDash val="solid"/>
+                      <a:round/>
+                      <a:headEnd type="none" w="med" len="med"/>
+                      <a:tailEnd type="none" w="med" len="med"/>
+                    </a:lnL>
+                    <a:lnR w="9525" cap="flat" cmpd="sng" algn="ctr">
+                      <a:solidFill>
+                        <a:srgbClr val="CCCCCC"/>
+                      </a:solidFill>
+                      <a:prstDash val="solid"/>
+                      <a:round/>
+                      <a:headEnd type="none" w="med" len="med"/>
+                      <a:tailEnd type="none" w="med" len="med"/>
+                    </a:lnR>
+                    <a:lnT w="9525" cap="flat" cmpd="sng" algn="ctr">
+                      <a:solidFill>
+                        <a:srgbClr val="CCCCCC"/>
+                      </a:solidFill>
+                      <a:prstDash val="solid"/>
+                      <a:round/>
+                      <a:headEnd type="none" w="med" len="med"/>
+                      <a:tailEnd type="none" w="med" len="med"/>
+                    </a:lnT>
+                    <a:lnB w="9525" cap="flat" cmpd="sng" algn="ctr">
+                      <a:solidFill>
+                        <a:srgbClr val="CCCCCC"/>
+                      </a:solidFill>
+                      <a:prstDash val="solid"/>
+                      <a:round/>
+                      <a:headEnd type="none" w="med" len="med"/>
+                      <a:tailEnd type="none" w="med" len="med"/>
+                    </a:lnB>
+                    <a:solidFill>
+                      <a:srgbClr val="FFFFFF"/>
+                    </a:solidFill>
+                  </a:tcPr>
+                </a:tc>
+              </a:tr>
+              <a:tr h="409310">
+                <a:tc>
+                  <a:txBody>
+                    <a:bodyPr/>
+                    <a:lstStyle/>
+                    <a:p>
+                      <a:r>
+                        <a:rPr lang="en-US" sz="1200" b="1">
+                          <a:effectLst/>
+                        </a:rPr>
+                        <a:t>PS/TS Stream</a:t>
+                      </a:r>
+                      <a:endParaRPr lang="en-US" sz="1200">
+                        <a:effectLst/>
+                      </a:endParaRPr>
+                    </a:p>
+                  </a:txBody>
+                  <a:tcPr marL="58473" marR="58473" marT="29236" marB="29236" anchor="ctr">
+                    <a:lnL w="9525" cap="flat" cmpd="sng" algn="ctr">
+                      <a:solidFill>
+                        <a:srgbClr val="CCCCCC"/>
+                      </a:solidFill>
+                      <a:prstDash val="solid"/>
+                      <a:round/>
+                      <a:headEnd type="none" w="med" len="med"/>
+                      <a:tailEnd type="none" w="med" len="med"/>
+                    </a:lnL>
+                    <a:lnR w="9525" cap="flat" cmpd="sng" algn="ctr">
+                      <a:solidFill>
+                        <a:srgbClr val="CCCCCC"/>
+                      </a:solidFill>
+                      <a:prstDash val="solid"/>
+                      <a:round/>
+                      <a:headEnd type="none" w="med" len="med"/>
+                      <a:tailEnd type="none" w="med" len="med"/>
+                    </a:lnR>
+                    <a:lnT w="9525" cap="flat" cmpd="sng" algn="ctr">
+                      <a:solidFill>
+                        <a:srgbClr val="CCCCCC"/>
+                      </a:solidFill>
+                      <a:prstDash val="solid"/>
+                      <a:round/>
+                      <a:headEnd type="none" w="med" len="med"/>
+                      <a:tailEnd type="none" w="med" len="med"/>
+                    </a:lnT>
+                    <a:lnB w="9525" cap="flat" cmpd="sng" algn="ctr">
+                      <a:solidFill>
+                        <a:srgbClr val="CCCCCC"/>
+                      </a:solidFill>
+                      <a:prstDash val="solid"/>
+                      <a:round/>
+                      <a:headEnd type="none" w="med" len="med"/>
+                      <a:tailEnd type="none" w="med" len="med"/>
+                    </a:lnB>
+                    <a:solidFill>
+                      <a:srgbClr val="FFFFFF"/>
+                    </a:solidFill>
+                  </a:tcPr>
+                </a:tc>
+                <a:tc>
+                  <a:txBody>
+                    <a:bodyPr/>
+                    <a:lstStyle/>
+                    <a:p>
+                      <a:r>
+                        <a:rPr lang="en-US" sz="1200">
+                          <a:effectLst/>
+                        </a:rPr>
+                        <a:t>MP2, MP3, LC-AAC, HE-AAC, AC3</a:t>
+                      </a:r>
+                    </a:p>
+                  </a:txBody>
+                  <a:tcPr marL="58473" marR="58473" marT="29236" marB="29236" anchor="ctr">
+                    <a:lnL w="9525" cap="flat" cmpd="sng" algn="ctr">
+                      <a:solidFill>
+                        <a:srgbClr val="CCCCCC"/>
+                      </a:solidFill>
+                      <a:prstDash val="solid"/>
+                      <a:round/>
+                      <a:headEnd type="none" w="med" len="med"/>
+                      <a:tailEnd type="none" w="med" len="med"/>
+                    </a:lnL>
+                    <a:lnR w="9525" cap="flat" cmpd="sng" algn="ctr">
+                      <a:solidFill>
+                        <a:srgbClr val="CCCCCC"/>
+                      </a:solidFill>
+                      <a:prstDash val="solid"/>
+                      <a:round/>
+                      <a:headEnd type="none" w="med" len="med"/>
+                      <a:tailEnd type="none" w="med" len="med"/>
+                    </a:lnR>
+                    <a:lnT w="9525" cap="flat" cmpd="sng" algn="ctr">
+                      <a:solidFill>
+                        <a:srgbClr val="CCCCCC"/>
+                      </a:solidFill>
+                      <a:prstDash val="solid"/>
+                      <a:round/>
+                      <a:headEnd type="none" w="med" len="med"/>
+                      <a:tailEnd type="none" w="med" len="med"/>
+                    </a:lnT>
+                    <a:lnB w="9525" cap="flat" cmpd="sng" algn="ctr">
+                      <a:solidFill>
+                        <a:srgbClr val="CCCCCC"/>
+                      </a:solidFill>
+                      <a:prstDash val="solid"/>
+                      <a:round/>
+                      <a:headEnd type="none" w="med" len="med"/>
+                      <a:tailEnd type="none" w="med" len="med"/>
+                    </a:lnB>
+                    <a:solidFill>
+                      <a:srgbClr val="FFFFFF"/>
+                    </a:solidFill>
+                  </a:tcPr>
+                </a:tc>
+              </a:tr>
+              <a:tr h="233892">
+                <a:tc>
+                  <a:txBody>
+                    <a:bodyPr/>
+                    <a:lstStyle/>
+                    <a:p>
+                      <a:r>
+                        <a:rPr lang="en-US" sz="1200" b="1">
+                          <a:effectLst/>
+                        </a:rPr>
+                        <a:t>M2TS</a:t>
+                      </a:r>
+                      <a:endParaRPr lang="en-US" sz="1200">
+                        <a:effectLst/>
+                      </a:endParaRPr>
+                    </a:p>
+                  </a:txBody>
+                  <a:tcPr marL="58473" marR="58473" marT="29236" marB="29236" anchor="ctr">
+                    <a:lnL w="9525" cap="flat" cmpd="sng" algn="ctr">
+                      <a:solidFill>
+                        <a:srgbClr val="CCCCCC"/>
+                      </a:solidFill>
+                      <a:prstDash val="solid"/>
+                      <a:round/>
+                      <a:headEnd type="none" w="med" len="med"/>
+                      <a:tailEnd type="none" w="med" len="med"/>
+                    </a:lnL>
+                    <a:lnR w="9525" cap="flat" cmpd="sng" algn="ctr">
+                      <a:solidFill>
+                        <a:srgbClr val="CCCCCC"/>
+                      </a:solidFill>
+                      <a:prstDash val="solid"/>
+                      <a:round/>
+                      <a:headEnd type="none" w="med" len="med"/>
+                      <a:tailEnd type="none" w="med" len="med"/>
+                    </a:lnR>
+                    <a:lnT w="9525" cap="flat" cmpd="sng" algn="ctr">
+                      <a:solidFill>
+                        <a:srgbClr val="CCCCCC"/>
+                      </a:solidFill>
+                      <a:prstDash val="solid"/>
+                      <a:round/>
+                      <a:headEnd type="none" w="med" len="med"/>
+                      <a:tailEnd type="none" w="med" len="med"/>
+                    </a:lnT>
+                    <a:lnB w="9525" cap="flat" cmpd="sng" algn="ctr">
+                      <a:solidFill>
+                        <a:srgbClr val="CCCCCC"/>
+                      </a:solidFill>
+                      <a:prstDash val="solid"/>
+                      <a:round/>
+                      <a:headEnd type="none" w="med" len="med"/>
+                      <a:tailEnd type="none" w="med" len="med"/>
+                    </a:lnB>
+                    <a:solidFill>
+                      <a:srgbClr val="FFFFFF"/>
+                    </a:solidFill>
+                  </a:tcPr>
+                </a:tc>
+                <a:tc>
+                  <a:txBody>
+                    <a:bodyPr/>
+                    <a:lstStyle/>
+                    <a:p>
+                      <a:r>
+                        <a:rPr lang="en-US" sz="1200">
+                          <a:effectLst/>
+                        </a:rPr>
+                        <a:t>AC3, eAC3</a:t>
+                      </a:r>
+                    </a:p>
+                  </a:txBody>
+                  <a:tcPr marL="58473" marR="58473" marT="29236" marB="29236" anchor="ctr">
+                    <a:lnL w="9525" cap="flat" cmpd="sng" algn="ctr">
+                      <a:solidFill>
+                        <a:srgbClr val="CCCCCC"/>
+                      </a:solidFill>
+                      <a:prstDash val="solid"/>
+                      <a:round/>
+                      <a:headEnd type="none" w="med" len="med"/>
+                      <a:tailEnd type="none" w="med" len="med"/>
+                    </a:lnL>
+                    <a:lnR w="9525" cap="flat" cmpd="sng" algn="ctr">
+                      <a:solidFill>
+                        <a:srgbClr val="CCCCCC"/>
+                      </a:solidFill>
+                      <a:prstDash val="solid"/>
+                      <a:round/>
+                      <a:headEnd type="none" w="med" len="med"/>
+                      <a:tailEnd type="none" w="med" len="med"/>
+                    </a:lnR>
+                    <a:lnT w="9525" cap="flat" cmpd="sng" algn="ctr">
+                      <a:solidFill>
+                        <a:srgbClr val="CCCCCC"/>
+                      </a:solidFill>
+                      <a:prstDash val="solid"/>
+                      <a:round/>
+                      <a:headEnd type="none" w="med" len="med"/>
+                      <a:tailEnd type="none" w="med" len="med"/>
+                    </a:lnT>
+                    <a:lnB w="9525" cap="flat" cmpd="sng" algn="ctr">
+                      <a:solidFill>
+                        <a:srgbClr val="CCCCCC"/>
+                      </a:solidFill>
+                      <a:prstDash val="solid"/>
+                      <a:round/>
+                      <a:headEnd type="none" w="med" len="med"/>
+                      <a:tailEnd type="none" w="med" len="med"/>
+                    </a:lnB>
+                    <a:solidFill>
+                      <a:srgbClr val="FFFFFF"/>
+                    </a:solidFill>
+                  </a:tcPr>
+                </a:tc>
+              </a:tr>
+              <a:tr h="233892">
+                <a:tc>
+                  <a:txBody>
+                    <a:bodyPr/>
+                    <a:lstStyle/>
+                    <a:p>
+                      <a:r>
+                        <a:rPr lang="en-US" sz="1200" b="1">
+                          <a:effectLst/>
+                        </a:rPr>
+                        <a:t>VOB</a:t>
+                      </a:r>
+                      <a:endParaRPr lang="en-US" sz="1200">
+                        <a:effectLst/>
+                      </a:endParaRPr>
+                    </a:p>
+                  </a:txBody>
+                  <a:tcPr marL="58473" marR="58473" marT="29236" marB="29236" anchor="ctr">
+                    <a:lnL w="9525" cap="flat" cmpd="sng" algn="ctr">
+                      <a:solidFill>
+                        <a:srgbClr val="CCCCCC"/>
+                      </a:solidFill>
+                      <a:prstDash val="solid"/>
+                      <a:round/>
+                      <a:headEnd type="none" w="med" len="med"/>
+                      <a:tailEnd type="none" w="med" len="med"/>
+                    </a:lnL>
+                    <a:lnR w="9525" cap="flat" cmpd="sng" algn="ctr">
+                      <a:solidFill>
+                        <a:srgbClr val="CCCCCC"/>
+                      </a:solidFill>
+                      <a:prstDash val="solid"/>
+                      <a:round/>
+                      <a:headEnd type="none" w="med" len="med"/>
+                      <a:tailEnd type="none" w="med" len="med"/>
+                    </a:lnR>
+                    <a:lnT w="9525" cap="flat" cmpd="sng" algn="ctr">
+                      <a:solidFill>
+                        <a:srgbClr val="CCCCCC"/>
+                      </a:solidFill>
+                      <a:prstDash val="solid"/>
+                      <a:round/>
+                      <a:headEnd type="none" w="med" len="med"/>
+                      <a:tailEnd type="none" w="med" len="med"/>
+                    </a:lnT>
+                    <a:lnB w="9525" cap="flat" cmpd="sng" algn="ctr">
+                      <a:solidFill>
+                        <a:srgbClr val="CCCCCC"/>
+                      </a:solidFill>
+                      <a:prstDash val="solid"/>
+                      <a:round/>
+                      <a:headEnd type="none" w="med" len="med"/>
+                      <a:tailEnd type="none" w="med" len="med"/>
+                    </a:lnB>
+                    <a:solidFill>
+                      <a:srgbClr val="FFFFFF"/>
+                    </a:solidFill>
+                  </a:tcPr>
+                </a:tc>
+                <a:tc>
+                  <a:txBody>
+                    <a:bodyPr/>
+                    <a:lstStyle/>
+                    <a:p>
+                      <a:r>
+                        <a:rPr lang="en-US" sz="1200">
+                          <a:effectLst/>
+                        </a:rPr>
+                        <a:t>MP2, AC3</a:t>
+                      </a:r>
+                    </a:p>
+                  </a:txBody>
+                  <a:tcPr marL="58473" marR="58473" marT="29236" marB="29236" anchor="ctr">
+                    <a:lnL w="9525" cap="flat" cmpd="sng" algn="ctr">
+                      <a:solidFill>
+                        <a:srgbClr val="CCCCCC"/>
+                      </a:solidFill>
+                      <a:prstDash val="solid"/>
+                      <a:round/>
+                      <a:headEnd type="none" w="med" len="med"/>
+                      <a:tailEnd type="none" w="med" len="med"/>
+                    </a:lnL>
+                    <a:lnR w="9525" cap="flat" cmpd="sng" algn="ctr">
+                      <a:solidFill>
+                        <a:srgbClr val="CCCCCC"/>
+                      </a:solidFill>
+                      <a:prstDash val="solid"/>
+                      <a:round/>
+                      <a:headEnd type="none" w="med" len="med"/>
+                      <a:tailEnd type="none" w="med" len="med"/>
+                    </a:lnR>
+                    <a:lnT w="9525" cap="flat" cmpd="sng" algn="ctr">
+                      <a:solidFill>
+                        <a:srgbClr val="CCCCCC"/>
+                      </a:solidFill>
+                      <a:prstDash val="solid"/>
+                      <a:round/>
+                      <a:headEnd type="none" w="med" len="med"/>
+                      <a:tailEnd type="none" w="med" len="med"/>
+                    </a:lnT>
+                    <a:lnB w="9525" cap="flat" cmpd="sng" algn="ctr">
+                      <a:solidFill>
+                        <a:srgbClr val="CCCCCC"/>
+                      </a:solidFill>
+                      <a:prstDash val="solid"/>
+                      <a:round/>
+                      <a:headEnd type="none" w="med" len="med"/>
+                      <a:tailEnd type="none" w="med" len="med"/>
+                    </a:lnB>
+                    <a:solidFill>
+                      <a:srgbClr val="FFFFFF"/>
+                    </a:solidFill>
+                  </a:tcPr>
+                </a:tc>
+              </a:tr>
+              <a:tr h="233892">
+                <a:tc>
+                  <a:txBody>
+                    <a:bodyPr/>
+                    <a:lstStyle/>
+                    <a:p>
+                      <a:r>
+                        <a:rPr lang="en-US" sz="1200" b="1">
+                          <a:effectLst/>
+                        </a:rPr>
+                        <a:t>RMVB</a:t>
+                      </a:r>
+                      <a:endParaRPr lang="en-US" sz="1200">
+                        <a:effectLst/>
+                      </a:endParaRPr>
+                    </a:p>
+                  </a:txBody>
+                  <a:tcPr marL="58473" marR="58473" marT="29236" marB="29236" anchor="ctr">
+                    <a:lnL w="9525" cap="flat" cmpd="sng" algn="ctr">
+                      <a:solidFill>
+                        <a:srgbClr val="CCCCCC"/>
+                      </a:solidFill>
+                      <a:prstDash val="solid"/>
+                      <a:round/>
+                      <a:headEnd type="none" w="med" len="med"/>
+                      <a:tailEnd type="none" w="med" len="med"/>
+                    </a:lnL>
+                    <a:lnR w="9525" cap="flat" cmpd="sng" algn="ctr">
+                      <a:solidFill>
+                        <a:srgbClr val="CCCCCC"/>
+                      </a:solidFill>
+                      <a:prstDash val="solid"/>
+                      <a:round/>
+                      <a:headEnd type="none" w="med" len="med"/>
+                      <a:tailEnd type="none" w="med" len="med"/>
+                    </a:lnR>
+                    <a:lnT w="9525" cap="flat" cmpd="sng" algn="ctr">
+                      <a:solidFill>
+                        <a:srgbClr val="CCCCCC"/>
+                      </a:solidFill>
+                      <a:prstDash val="solid"/>
+                      <a:round/>
+                      <a:headEnd type="none" w="med" len="med"/>
+                      <a:tailEnd type="none" w="med" len="med"/>
+                    </a:lnT>
+                    <a:lnB w="9525" cap="flat" cmpd="sng" algn="ctr">
+                      <a:solidFill>
+                        <a:srgbClr val="CCCCCC"/>
+                      </a:solidFill>
+                      <a:prstDash val="solid"/>
+                      <a:round/>
+                      <a:headEnd type="none" w="med" len="med"/>
+                      <a:tailEnd type="none" w="med" len="med"/>
+                    </a:lnB>
+                    <a:solidFill>
+                      <a:srgbClr val="FFFFFF"/>
+                    </a:solidFill>
+                  </a:tcPr>
+                </a:tc>
+                <a:tc>
+                  <a:txBody>
+                    <a:bodyPr/>
+                    <a:lstStyle/>
+                    <a:p>
+                      <a:r>
+                        <a:rPr lang="en-US" sz="1200">
+                          <a:effectLst/>
+                        </a:rPr>
+                        <a:t>Vorbis, HE-AAC</a:t>
+                      </a:r>
+                    </a:p>
+                  </a:txBody>
+                  <a:tcPr marL="58473" marR="58473" marT="29236" marB="29236" anchor="ctr">
+                    <a:lnL w="9525" cap="flat" cmpd="sng" algn="ctr">
+                      <a:solidFill>
+                        <a:srgbClr val="CCCCCC"/>
+                      </a:solidFill>
+                      <a:prstDash val="solid"/>
+                      <a:round/>
+                      <a:headEnd type="none" w="med" len="med"/>
+                      <a:tailEnd type="none" w="med" len="med"/>
+                    </a:lnL>
+                    <a:lnR w="9525" cap="flat" cmpd="sng" algn="ctr">
+                      <a:solidFill>
+                        <a:srgbClr val="CCCCCC"/>
+                      </a:solidFill>
+                      <a:prstDash val="solid"/>
+                      <a:round/>
+                      <a:headEnd type="none" w="med" len="med"/>
+                      <a:tailEnd type="none" w="med" len="med"/>
+                    </a:lnR>
+                    <a:lnT w="9525" cap="flat" cmpd="sng" algn="ctr">
+                      <a:solidFill>
+                        <a:srgbClr val="CCCCCC"/>
+                      </a:solidFill>
+                      <a:prstDash val="solid"/>
+                      <a:round/>
+                      <a:headEnd type="none" w="med" len="med"/>
+                      <a:tailEnd type="none" w="med" len="med"/>
+                    </a:lnT>
+                    <a:lnB w="9525" cap="flat" cmpd="sng" algn="ctr">
+                      <a:solidFill>
+                        <a:srgbClr val="CCCCCC"/>
+                      </a:solidFill>
+                      <a:prstDash val="solid"/>
+                      <a:round/>
+                      <a:headEnd type="none" w="med" len="med"/>
+                      <a:tailEnd type="none" w="med" len="med"/>
+                    </a:lnB>
+                    <a:solidFill>
+                      <a:srgbClr val="FFFFFF"/>
+                    </a:solidFill>
+                  </a:tcPr>
+                </a:tc>
+              </a:tr>
+              <a:tr h="233892">
+                <a:tc>
+                  <a:txBody>
+                    <a:bodyPr/>
+                    <a:lstStyle/>
+                    <a:p>
+                      <a:r>
+                        <a:rPr lang="en-US" sz="1200" b="1">
+                          <a:effectLst/>
+                        </a:rPr>
+                        <a:t>WebM</a:t>
+                      </a:r>
+                      <a:endParaRPr lang="en-US" sz="1200">
+                        <a:effectLst/>
+                      </a:endParaRPr>
+                    </a:p>
+                  </a:txBody>
+                  <a:tcPr marL="58473" marR="58473" marT="29236" marB="29236" anchor="ctr">
+                    <a:lnL w="9525" cap="flat" cmpd="sng" algn="ctr">
+                      <a:solidFill>
+                        <a:srgbClr val="CCCCCC"/>
+                      </a:solidFill>
+                      <a:prstDash val="solid"/>
+                      <a:round/>
+                      <a:headEnd type="none" w="med" len="med"/>
+                      <a:tailEnd type="none" w="med" len="med"/>
+                    </a:lnL>
+                    <a:lnR w="9525" cap="flat" cmpd="sng" algn="ctr">
+                      <a:solidFill>
+                        <a:srgbClr val="CCCCCC"/>
+                      </a:solidFill>
+                      <a:prstDash val="solid"/>
+                      <a:round/>
+                      <a:headEnd type="none" w="med" len="med"/>
+                      <a:tailEnd type="none" w="med" len="med"/>
+                    </a:lnR>
+                    <a:lnT w="9525" cap="flat" cmpd="sng" algn="ctr">
+                      <a:solidFill>
+                        <a:srgbClr val="CCCCCC"/>
+                      </a:solidFill>
+                      <a:prstDash val="solid"/>
+                      <a:round/>
+                      <a:headEnd type="none" w="med" len="med"/>
+                      <a:tailEnd type="none" w="med" len="med"/>
+                    </a:lnT>
+                    <a:lnB w="9525" cap="flat" cmpd="sng" algn="ctr">
+                      <a:solidFill>
+                        <a:srgbClr val="CCCCCC"/>
+                      </a:solidFill>
+                      <a:prstDash val="solid"/>
+                      <a:round/>
+                      <a:headEnd type="none" w="med" len="med"/>
+                      <a:tailEnd type="none" w="med" len="med"/>
+                    </a:lnB>
+                    <a:solidFill>
+                      <a:srgbClr val="FFFFFF"/>
+                    </a:solidFill>
+                  </a:tcPr>
+                </a:tc>
+                <a:tc>
+                  <a:txBody>
+                    <a:bodyPr/>
+                    <a:lstStyle/>
+                    <a:p>
+                      <a:r>
+                        <a:rPr lang="en-US" sz="1200">
+                          <a:effectLst/>
+                        </a:rPr>
+                        <a:t>Vorbis, Opus</a:t>
+                      </a:r>
+                    </a:p>
+                  </a:txBody>
+                  <a:tcPr marL="58473" marR="58473" marT="29236" marB="29236" anchor="ctr">
+                    <a:lnL w="9525" cap="flat" cmpd="sng" algn="ctr">
+                      <a:solidFill>
+                        <a:srgbClr val="CCCCCC"/>
+                      </a:solidFill>
+                      <a:prstDash val="solid"/>
+                      <a:round/>
+                      <a:headEnd type="none" w="med" len="med"/>
+                      <a:tailEnd type="none" w="med" len="med"/>
+                    </a:lnL>
+                    <a:lnR w="9525" cap="flat" cmpd="sng" algn="ctr">
+                      <a:solidFill>
+                        <a:srgbClr val="CCCCCC"/>
+                      </a:solidFill>
+                      <a:prstDash val="solid"/>
+                      <a:round/>
+                      <a:headEnd type="none" w="med" len="med"/>
+                      <a:tailEnd type="none" w="med" len="med"/>
+                    </a:lnR>
+                    <a:lnT w="9525" cap="flat" cmpd="sng" algn="ctr">
+                      <a:solidFill>
+                        <a:srgbClr val="CCCCCC"/>
+                      </a:solidFill>
+                      <a:prstDash val="solid"/>
+                      <a:round/>
+                      <a:headEnd type="none" w="med" len="med"/>
+                      <a:tailEnd type="none" w="med" len="med"/>
+                    </a:lnT>
+                    <a:lnB w="9525" cap="flat" cmpd="sng" algn="ctr">
+                      <a:solidFill>
+                        <a:srgbClr val="CCCCCC"/>
+                      </a:solidFill>
+                      <a:prstDash val="solid"/>
+                      <a:round/>
+                      <a:headEnd type="none" w="med" len="med"/>
+                      <a:tailEnd type="none" w="med" len="med"/>
+                    </a:lnB>
+                    <a:solidFill>
+                      <a:srgbClr val="FFFFFF"/>
+                    </a:solidFill>
+                  </a:tcPr>
+                </a:tc>
+              </a:tr>
+              <a:tr h="233892">
+                <a:tc>
+                  <a:txBody>
+                    <a:bodyPr/>
+                    <a:lstStyle/>
+                    <a:p>
+                      <a:r>
+                        <a:rPr lang="en-US" sz="1200" b="1">
+                          <a:effectLst/>
+                        </a:rPr>
+                        <a:t>OGG</a:t>
+                      </a:r>
+                      <a:endParaRPr lang="en-US" sz="1200">
+                        <a:effectLst/>
+                      </a:endParaRPr>
+                    </a:p>
+                  </a:txBody>
+                  <a:tcPr marL="58473" marR="58473" marT="29236" marB="29236" anchor="ctr">
+                    <a:lnL w="9525" cap="flat" cmpd="sng" algn="ctr">
+                      <a:solidFill>
+                        <a:srgbClr val="CCCCCC"/>
+                      </a:solidFill>
+                      <a:prstDash val="solid"/>
+                      <a:round/>
+                      <a:headEnd type="none" w="med" len="med"/>
+                      <a:tailEnd type="none" w="med" len="med"/>
+                    </a:lnL>
+                    <a:lnR w="9525" cap="flat" cmpd="sng" algn="ctr">
+                      <a:solidFill>
+                        <a:srgbClr val="CCCCCC"/>
+                      </a:solidFill>
+                      <a:prstDash val="solid"/>
+                      <a:round/>
+                      <a:headEnd type="none" w="med" len="med"/>
+                      <a:tailEnd type="none" w="med" len="med"/>
+                    </a:lnR>
+                    <a:lnT w="9525" cap="flat" cmpd="sng" algn="ctr">
+                      <a:solidFill>
+                        <a:srgbClr val="CCCCCC"/>
+                      </a:solidFill>
+                      <a:prstDash val="solid"/>
+                      <a:round/>
+                      <a:headEnd type="none" w="med" len="med"/>
+                      <a:tailEnd type="none" w="med" len="med"/>
+                    </a:lnT>
+                    <a:lnB w="9525" cap="flat" cmpd="sng" algn="ctr">
+                      <a:solidFill>
+                        <a:srgbClr val="CCCCCC"/>
+                      </a:solidFill>
+                      <a:prstDash val="solid"/>
+                      <a:round/>
+                      <a:headEnd type="none" w="med" len="med"/>
+                      <a:tailEnd type="none" w="med" len="med"/>
+                    </a:lnB>
+                    <a:solidFill>
+                      <a:srgbClr val="FFFFFF"/>
+                    </a:solidFill>
+                  </a:tcPr>
+                </a:tc>
+                <a:tc>
+                  <a:txBody>
+                    <a:bodyPr/>
+                    <a:lstStyle/>
+                    <a:p>
+                      <a:r>
+                        <a:rPr lang="en-US" sz="1200" dirty="0" err="1">
+                          <a:effectLst/>
+                        </a:rPr>
+                        <a:t>Vorbis</a:t>
+                      </a:r>
+                      <a:r>
+                        <a:rPr lang="en-US" sz="1200" dirty="0">
+                          <a:effectLst/>
+                        </a:rPr>
+                        <a:t>, Opus</a:t>
+                      </a:r>
+                    </a:p>
+                  </a:txBody>
+                  <a:tcPr marL="58473" marR="58473" marT="29236" marB="29236" anchor="ctr">
+                    <a:lnL w="9525" cap="flat" cmpd="sng" algn="ctr">
+                      <a:solidFill>
+                        <a:srgbClr val="CCCCCC"/>
+                      </a:solidFill>
+                      <a:prstDash val="solid"/>
+                      <a:round/>
+                      <a:headEnd type="none" w="med" len="med"/>
+                      <a:tailEnd type="none" w="med" len="med"/>
+                    </a:lnL>
+                    <a:lnR w="9525" cap="flat" cmpd="sng" algn="ctr">
+                      <a:solidFill>
+                        <a:srgbClr val="CCCCCC"/>
+                      </a:solidFill>
+                      <a:prstDash val="solid"/>
+                      <a:round/>
+                      <a:headEnd type="none" w="med" len="med"/>
+                      <a:tailEnd type="none" w="med" len="med"/>
+                    </a:lnR>
+                    <a:lnT w="9525" cap="flat" cmpd="sng" algn="ctr">
+                      <a:solidFill>
+                        <a:srgbClr val="CCCCCC"/>
+                      </a:solidFill>
+                      <a:prstDash val="solid"/>
+                      <a:round/>
+                      <a:headEnd type="none" w="med" len="med"/>
+                      <a:tailEnd type="none" w="med" len="med"/>
+                    </a:lnT>
+                    <a:lnB w="9525" cap="flat" cmpd="sng" algn="ctr">
+                      <a:solidFill>
+                        <a:srgbClr val="CCCCCC"/>
+                      </a:solidFill>
+                      <a:prstDash val="solid"/>
+                      <a:round/>
+                      <a:headEnd type="none" w="med" len="med"/>
+                      <a:tailEnd type="none" w="med" len="med"/>
+                    </a:lnB>
+                    <a:solidFill>
+                      <a:srgbClr val="FFFFFF"/>
+                    </a:solidFill>
+                  </a:tcPr>
+                </a:tc>
+              </a:tr>
+            </a:tbl>
+          </a:graphicData>
+        </a:graphic>
+      </p:graphicFrame>
+    </p:spTree>
+    <p:extLst>
+      <p:ext uri="{BB962C8B-B14F-4D97-AF65-F5344CB8AC3E}">
+        <p14:creationId xmlns:p14="http://schemas.microsoft.com/office/powerpoint/2010/main" val="2489716546"/>
+      </p:ext>
+    </p:extLst>
+  </p:cSld>
+  <p:clrMapOvr>
+    <a:masterClrMapping/>
+  </p:clrMapOvr>
+  <p:transition spd="slow">
+    <p:pull/>
+  </p:transition>
+  <p:timing>
+    <p:tnLst>
+      <p:par>
+        <p:cTn id="1" dur="indefinite" restart="never" nodeType="tmRoot"/>
+      </p:par>
+    </p:tnLst>
+  </p:timing>
+</p:sld>
+</file>
+
+<file path=ppt/slides/slide54.xml><?xml version="1.0" encoding="utf-8"?>
+<p:sld xmlns:a="http://schemas.openxmlformats.org/drawingml/2006/main" xmlns:r="http://schemas.openxmlformats.org/officeDocument/2006/relationships" xmlns:p="http://schemas.openxmlformats.org/presentationml/2006/main">
+  <p:cSld>
+    <p:spTree>
+      <p:nvGrpSpPr>
+        <p:cNvPr id="1" name=""/>
+        <p:cNvGrpSpPr/>
+        <p:nvPr/>
+      </p:nvGrpSpPr>
+      <p:grpSpPr>
+        <a:xfrm>
+          <a:off x="0" y="0"/>
+          <a:ext cx="0" cy="0"/>
+          <a:chOff x="0" y="0"/>
+          <a:chExt cx="0" cy="0"/>
+        </a:xfrm>
+      </p:grpSpPr>
+      <p:sp>
+        <p:nvSpPr>
+          <p:cNvPr id="2" name="标题 1"/>
+          <p:cNvSpPr>
+            <a:spLocks noGrp="1"/>
+          </p:cNvSpPr>
+          <p:nvPr>
+            <p:ph type="title"/>
+          </p:nvPr>
+        </p:nvSpPr>
+        <p:spPr>
+          <a:xfrm>
+            <a:off x="1475656" y="332656"/>
+            <a:ext cx="6736712" cy="854968"/>
+          </a:xfrm>
+        </p:spPr>
+        <p:txBody>
+          <a:bodyPr/>
+          <a:lstStyle/>
+          <a:p>
+            <a:r>
+              <a:rPr lang="en-US" altLang="zh-CN" dirty="0"/>
+              <a:t>Audio/video codec</a:t>
+            </a:r>
+            <a:endParaRPr lang="zh-CN" altLang="en-US" dirty="0"/>
+          </a:p>
+        </p:txBody>
+      </p:sp>
+      <p:sp>
+        <p:nvSpPr>
+          <p:cNvPr id="3" name="日期占位符 2"/>
+          <p:cNvSpPr>
+            <a:spLocks noGrp="1"/>
+          </p:cNvSpPr>
+          <p:nvPr>
+            <p:ph type="dt" sz="half" idx="10"/>
+          </p:nvPr>
+        </p:nvSpPr>
+        <p:spPr/>
+        <p:txBody>
+          <a:bodyPr/>
+          <a:lstStyle/>
+          <a:p>
+            <a:fld id="{E3127EC2-47FB-48A1-8644-C8A81DDAA119}" type="datetime4">
+              <a:rPr lang="en-US" smtClean="0"/>
+              <a:pPr/>
+              <a:t>April 20, 2015</a:t>
+            </a:fld>
+            <a:endParaRPr lang="en-US"/>
+          </a:p>
+        </p:txBody>
+      </p:sp>
+      <p:sp>
+        <p:nvSpPr>
+          <p:cNvPr id="4" name="页脚占位符 3"/>
+          <p:cNvSpPr>
+            <a:spLocks noGrp="1"/>
+          </p:cNvSpPr>
+          <p:nvPr>
+            <p:ph type="ftr" sz="quarter" idx="11"/>
+          </p:nvPr>
+        </p:nvSpPr>
+        <p:spPr/>
+        <p:txBody>
+          <a:bodyPr/>
+          <a:lstStyle/>
+          <a:p>
+            <a:endParaRPr lang="en-US" dirty="0"/>
+          </a:p>
+        </p:txBody>
+      </p:sp>
+      <p:sp>
+        <p:nvSpPr>
+          <p:cNvPr id="5" name="灯片编号占位符 4"/>
+          <p:cNvSpPr>
+            <a:spLocks noGrp="1"/>
+          </p:cNvSpPr>
+          <p:nvPr>
+            <p:ph type="sldNum" sz="quarter" idx="12"/>
+          </p:nvPr>
+        </p:nvSpPr>
+        <p:spPr/>
+        <p:txBody>
+          <a:bodyPr/>
+          <a:lstStyle/>
+          <a:p>
+            <a:fld id="{8B37D5FE-740C-46F5-801A-FA5477D9711F}" type="slidenum">
+              <a:rPr lang="en-US" smtClean="0"/>
+              <a:pPr/>
+              <a:t>54</a:t>
+            </a:fld>
+            <a:endParaRPr lang="en-US"/>
+          </a:p>
+        </p:txBody>
+      </p:sp>
+      <p:sp>
+        <p:nvSpPr>
+          <p:cNvPr id="7" name="标题 1"/>
+          <p:cNvSpPr txBox="1">
+            <a:spLocks/>
+          </p:cNvSpPr>
+          <p:nvPr/>
+        </p:nvSpPr>
+        <p:spPr>
+          <a:xfrm>
+            <a:off x="1763688" y="1280716"/>
+            <a:ext cx="5832648" cy="566936"/>
+          </a:xfrm>
+          <a:prstGeom prst="rect">
+            <a:avLst/>
+          </a:prstGeom>
+        </p:spPr>
+        <p:txBody>
+          <a:bodyPr vert="horz" lIns="91440" tIns="45720" rIns="91440" bIns="45720" rtlCol="0" anchor="b">
+            <a:noAutofit/>
+          </a:bodyPr>
+          <a:lstStyle>
+            <a:lvl1pPr algn="l" defTabSz="914400" rtl="0" eaLnBrk="1" latinLnBrk="0" hangingPunct="1">
+              <a:spcBef>
+                <a:spcPct val="0"/>
+              </a:spcBef>
+              <a:buNone/>
+              <a:defRPr sz="4000" kern="1200">
+                <a:solidFill>
+                  <a:schemeClr val="accent1"/>
+                </a:solidFill>
+                <a:latin typeface="+mj-lt"/>
+                <a:ea typeface="+mj-ea"/>
+                <a:cs typeface="+mj-cs"/>
+              </a:defRPr>
+            </a:lvl1pPr>
+            <a:lvl2pPr eaLnBrk="1" hangingPunct="1">
+              <a:defRPr>
+                <a:solidFill>
+                  <a:schemeClr val="tx2"/>
+                </a:solidFill>
+              </a:defRPr>
+            </a:lvl2pPr>
+            <a:lvl3pPr eaLnBrk="1" hangingPunct="1">
+              <a:defRPr>
+                <a:solidFill>
+                  <a:schemeClr val="tx2"/>
+                </a:solidFill>
+              </a:defRPr>
+            </a:lvl3pPr>
+            <a:lvl4pPr eaLnBrk="1" hangingPunct="1">
+              <a:defRPr>
+                <a:solidFill>
+                  <a:schemeClr val="tx2"/>
+                </a:solidFill>
+              </a:defRPr>
+            </a:lvl4pPr>
+            <a:lvl5pPr eaLnBrk="1" hangingPunct="1">
+              <a:defRPr>
+                <a:solidFill>
+                  <a:schemeClr val="tx2"/>
+                </a:solidFill>
+              </a:defRPr>
+            </a:lvl5pPr>
+            <a:lvl6pPr eaLnBrk="1" hangingPunct="1">
+              <a:defRPr>
+                <a:solidFill>
+                  <a:schemeClr val="tx2"/>
+                </a:solidFill>
+              </a:defRPr>
+            </a:lvl6pPr>
+            <a:lvl7pPr eaLnBrk="1" hangingPunct="1">
+              <a:defRPr>
+                <a:solidFill>
+                  <a:schemeClr val="tx2"/>
+                </a:solidFill>
+              </a:defRPr>
+            </a:lvl7pPr>
+            <a:lvl8pPr eaLnBrk="1" hangingPunct="1">
+              <a:defRPr>
+                <a:solidFill>
+                  <a:schemeClr val="tx2"/>
+                </a:solidFill>
+              </a:defRPr>
+            </a:lvl8pPr>
+            <a:lvl9pPr eaLnBrk="1" hangingPunct="1">
+              <a:defRPr>
+                <a:solidFill>
+                  <a:schemeClr val="tx2"/>
+                </a:solidFill>
+              </a:defRPr>
+            </a:lvl9pPr>
+          </a:lstStyle>
+          <a:p>
+            <a:r>
+              <a:rPr lang="zh-CN" altLang="en-US" sz="2400" dirty="0" smtClean="0">
+                <a:solidFill>
+                  <a:srgbClr val="FF0000"/>
+                </a:solidFill>
+              </a:rPr>
+              <a:t>视频解码</a:t>
+            </a:r>
+            <a:endParaRPr lang="zh-CN" altLang="en-US" sz="2400" dirty="0">
+              <a:solidFill>
+                <a:srgbClr val="FF0000"/>
+              </a:solidFill>
+            </a:endParaRPr>
+          </a:p>
+        </p:txBody>
+      </p:sp>
+      <p:pic>
+        <p:nvPicPr>
+          <p:cNvPr id="4098" name="Picture 2" descr="D:\QQ截图20150416142115.jpg"/>
+          <p:cNvPicPr>
+            <a:picLocks noChangeAspect="1" noChangeArrowheads="1"/>
+          </p:cNvPicPr>
+          <p:nvPr/>
+        </p:nvPicPr>
+        <p:blipFill>
+          <a:blip r:embed="rId2">
+            <a:extLst>
+              <a:ext uri="{28A0092B-C50C-407E-A947-70E740481C1C}">
+                <a14:useLocalDpi xmlns:a14="http://schemas.microsoft.com/office/drawing/2010/main" val="0"/>
+              </a:ext>
+            </a:extLst>
+          </a:blip>
+          <a:srcRect/>
+          <a:stretch>
+            <a:fillRect/>
+          </a:stretch>
+        </p:blipFill>
+        <p:spPr bwMode="auto">
+          <a:xfrm>
+            <a:off x="1259632" y="1847652"/>
+            <a:ext cx="6467252" cy="4017803"/>
+          </a:xfrm>
+          <a:prstGeom prst="rect">
+            <a:avLst/>
+          </a:prstGeom>
+          <a:noFill/>
+          <a:extLst>
+            <a:ext uri="{909E8E84-426E-40DD-AFC4-6F175D3DCCD1}">
+              <a14:hiddenFill xmlns:a14="http://schemas.microsoft.com/office/drawing/2010/main">
+                <a:solidFill>
+                  <a:srgbClr val="FFFFFF"/>
+                </a:solidFill>
+              </a14:hiddenFill>
+            </a:ext>
+          </a:extLst>
+        </p:spPr>
+      </p:pic>
+    </p:spTree>
+    <p:extLst>
+      <p:ext uri="{BB962C8B-B14F-4D97-AF65-F5344CB8AC3E}">
+        <p14:creationId xmlns:p14="http://schemas.microsoft.com/office/powerpoint/2010/main" val="3804940793"/>
+      </p:ext>
+    </p:extLst>
+  </p:cSld>
+  <p:clrMapOvr>
+    <a:masterClrMapping/>
+  </p:clrMapOvr>
+  <p:transition spd="slow">
+    <p:pull/>
+  </p:transition>
+  <p:timing>
+    <p:tnLst>
+      <p:par>
+        <p:cTn id="1" dur="indefinite" restart="never" nodeType="tmRoot"/>
+      </p:par>
+    </p:tnLst>
+  </p:timing>
+</p:sld>
+</file>
+
+<file path=ppt/slides/slide55.xml><?xml version="1.0" encoding="utf-8"?>
+<p:sld xmlns:a="http://schemas.openxmlformats.org/drawingml/2006/main" xmlns:r="http://schemas.openxmlformats.org/officeDocument/2006/relationships" xmlns:p="http://schemas.openxmlformats.org/presentationml/2006/main">
+  <p:cSld>
+    <p:spTree>
+      <p:nvGrpSpPr>
+        <p:cNvPr id="1" name=""/>
+        <p:cNvGrpSpPr/>
+        <p:nvPr/>
+      </p:nvGrpSpPr>
+      <p:grpSpPr>
+        <a:xfrm>
+          <a:off x="0" y="0"/>
+          <a:ext cx="0" cy="0"/>
+          <a:chOff x="0" y="0"/>
+          <a:chExt cx="0" cy="0"/>
+        </a:xfrm>
+      </p:grpSpPr>
+      <p:sp>
+        <p:nvSpPr>
+          <p:cNvPr id="2" name="标题 1"/>
+          <p:cNvSpPr>
+            <a:spLocks noGrp="1"/>
+          </p:cNvSpPr>
+          <p:nvPr>
+            <p:ph type="title"/>
+          </p:nvPr>
+        </p:nvSpPr>
+        <p:spPr>
+          <a:xfrm>
+            <a:off x="1475656" y="332656"/>
+            <a:ext cx="6736712" cy="854968"/>
+          </a:xfrm>
+        </p:spPr>
+        <p:txBody>
+          <a:bodyPr/>
+          <a:lstStyle/>
+          <a:p>
+            <a:r>
+              <a:rPr lang="en-US" altLang="zh-CN" dirty="0"/>
+              <a:t>Audio/video codec</a:t>
+            </a:r>
+            <a:endParaRPr lang="zh-CN" altLang="en-US" dirty="0"/>
+          </a:p>
+        </p:txBody>
+      </p:sp>
+      <p:sp>
+        <p:nvSpPr>
+          <p:cNvPr id="3" name="日期占位符 2"/>
+          <p:cNvSpPr>
+            <a:spLocks noGrp="1"/>
+          </p:cNvSpPr>
+          <p:nvPr>
+            <p:ph type="dt" sz="half" idx="10"/>
+          </p:nvPr>
+        </p:nvSpPr>
+        <p:spPr/>
+        <p:txBody>
+          <a:bodyPr/>
+          <a:lstStyle/>
+          <a:p>
+            <a:fld id="{E3127EC2-47FB-48A1-8644-C8A81DDAA119}" type="datetime4">
+              <a:rPr lang="en-US" smtClean="0"/>
+              <a:pPr/>
+              <a:t>April 20, 2015</a:t>
+            </a:fld>
+            <a:endParaRPr lang="en-US"/>
+          </a:p>
+        </p:txBody>
+      </p:sp>
+      <p:sp>
+        <p:nvSpPr>
+          <p:cNvPr id="4" name="页脚占位符 3"/>
+          <p:cNvSpPr>
+            <a:spLocks noGrp="1"/>
+          </p:cNvSpPr>
+          <p:nvPr>
+            <p:ph type="ftr" sz="quarter" idx="11"/>
+          </p:nvPr>
+        </p:nvSpPr>
+        <p:spPr/>
+        <p:txBody>
+          <a:bodyPr/>
+          <a:lstStyle/>
+          <a:p>
+            <a:endParaRPr lang="en-US" dirty="0"/>
+          </a:p>
+        </p:txBody>
+      </p:sp>
+      <p:sp>
+        <p:nvSpPr>
+          <p:cNvPr id="5" name="灯片编号占位符 4"/>
+          <p:cNvSpPr>
+            <a:spLocks noGrp="1"/>
+          </p:cNvSpPr>
+          <p:nvPr>
+            <p:ph type="sldNum" sz="quarter" idx="12"/>
+          </p:nvPr>
+        </p:nvSpPr>
+        <p:spPr/>
+        <p:txBody>
+          <a:bodyPr/>
+          <a:lstStyle/>
+          <a:p>
+            <a:fld id="{8B37D5FE-740C-46F5-801A-FA5477D9711F}" type="slidenum">
+              <a:rPr lang="en-US" smtClean="0"/>
+              <a:pPr/>
+              <a:t>55</a:t>
+            </a:fld>
+            <a:endParaRPr lang="en-US"/>
+          </a:p>
+        </p:txBody>
+      </p:sp>
+      <p:sp>
+        <p:nvSpPr>
+          <p:cNvPr id="7" name="标题 1"/>
+          <p:cNvSpPr txBox="1">
+            <a:spLocks/>
+          </p:cNvSpPr>
+          <p:nvPr/>
+        </p:nvSpPr>
+        <p:spPr>
+          <a:xfrm>
+            <a:off x="1763688" y="1280716"/>
+            <a:ext cx="5832648" cy="566936"/>
+          </a:xfrm>
+          <a:prstGeom prst="rect">
+            <a:avLst/>
+          </a:prstGeom>
+        </p:spPr>
+        <p:txBody>
+          <a:bodyPr vert="horz" lIns="91440" tIns="45720" rIns="91440" bIns="45720" rtlCol="0" anchor="b">
+            <a:noAutofit/>
+          </a:bodyPr>
+          <a:lstStyle>
+            <a:lvl1pPr algn="l" defTabSz="914400" rtl="0" eaLnBrk="1" latinLnBrk="0" hangingPunct="1">
+              <a:spcBef>
+                <a:spcPct val="0"/>
+              </a:spcBef>
+              <a:buNone/>
+              <a:defRPr sz="4000" kern="1200">
+                <a:solidFill>
+                  <a:schemeClr val="accent1"/>
+                </a:solidFill>
+                <a:latin typeface="+mj-lt"/>
+                <a:ea typeface="+mj-ea"/>
+                <a:cs typeface="+mj-cs"/>
+              </a:defRPr>
+            </a:lvl1pPr>
+            <a:lvl2pPr eaLnBrk="1" hangingPunct="1">
+              <a:defRPr>
+                <a:solidFill>
+                  <a:schemeClr val="tx2"/>
+                </a:solidFill>
+              </a:defRPr>
+            </a:lvl2pPr>
+            <a:lvl3pPr eaLnBrk="1" hangingPunct="1">
+              <a:defRPr>
+                <a:solidFill>
+                  <a:schemeClr val="tx2"/>
+                </a:solidFill>
+              </a:defRPr>
+            </a:lvl3pPr>
+            <a:lvl4pPr eaLnBrk="1" hangingPunct="1">
+              <a:defRPr>
+                <a:solidFill>
+                  <a:schemeClr val="tx2"/>
+                </a:solidFill>
+              </a:defRPr>
+            </a:lvl4pPr>
+            <a:lvl5pPr eaLnBrk="1" hangingPunct="1">
+              <a:defRPr>
+                <a:solidFill>
+                  <a:schemeClr val="tx2"/>
+                </a:solidFill>
+              </a:defRPr>
+            </a:lvl5pPr>
+            <a:lvl6pPr eaLnBrk="1" hangingPunct="1">
+              <a:defRPr>
+                <a:solidFill>
+                  <a:schemeClr val="tx2"/>
+                </a:solidFill>
+              </a:defRPr>
+            </a:lvl6pPr>
+            <a:lvl7pPr eaLnBrk="1" hangingPunct="1">
+              <a:defRPr>
+                <a:solidFill>
+                  <a:schemeClr val="tx2"/>
+                </a:solidFill>
+              </a:defRPr>
+            </a:lvl7pPr>
+            <a:lvl8pPr eaLnBrk="1" hangingPunct="1">
+              <a:defRPr>
+                <a:solidFill>
+                  <a:schemeClr val="tx2"/>
+                </a:solidFill>
+              </a:defRPr>
+            </a:lvl8pPr>
+            <a:lvl9pPr eaLnBrk="1" hangingPunct="1">
+              <a:defRPr>
+                <a:solidFill>
+                  <a:schemeClr val="tx2"/>
+                </a:solidFill>
+              </a:defRPr>
+            </a:lvl9pPr>
+          </a:lstStyle>
+          <a:p>
+            <a:r>
+              <a:rPr lang="zh-CN" altLang="en-US" sz="2400" dirty="0" smtClean="0">
+                <a:solidFill>
+                  <a:srgbClr val="FF0000"/>
+                </a:solidFill>
+              </a:rPr>
+              <a:t>视频解码</a:t>
+            </a:r>
+            <a:endParaRPr lang="zh-CN" altLang="en-US" sz="2400" dirty="0">
+              <a:solidFill>
+                <a:srgbClr val="FF0000"/>
+              </a:solidFill>
+            </a:endParaRPr>
+          </a:p>
+        </p:txBody>
+      </p:sp>
+      <p:pic>
+        <p:nvPicPr>
+          <p:cNvPr id="5122" name="Picture 2" descr="D:\QQ截图20150416142115.jpg"/>
+          <p:cNvPicPr>
+            <a:picLocks noChangeAspect="1" noChangeArrowheads="1"/>
+          </p:cNvPicPr>
+          <p:nvPr/>
+        </p:nvPicPr>
+        <p:blipFill>
+          <a:blip r:embed="rId2">
+            <a:extLst>
+              <a:ext uri="{28A0092B-C50C-407E-A947-70E740481C1C}">
+                <a14:useLocalDpi xmlns:a14="http://schemas.microsoft.com/office/drawing/2010/main" val="0"/>
+              </a:ext>
+            </a:extLst>
+          </a:blip>
+          <a:srcRect/>
+          <a:stretch>
+            <a:fillRect/>
+          </a:stretch>
+        </p:blipFill>
+        <p:spPr bwMode="auto">
+          <a:xfrm>
+            <a:off x="1115615" y="1807154"/>
+            <a:ext cx="6697137" cy="4142126"/>
+          </a:xfrm>
+          <a:prstGeom prst="rect">
+            <a:avLst/>
+          </a:prstGeom>
+          <a:noFill/>
+          <a:extLst>
+            <a:ext uri="{909E8E84-426E-40DD-AFC4-6F175D3DCCD1}">
+              <a14:hiddenFill xmlns:a14="http://schemas.microsoft.com/office/drawing/2010/main">
+                <a:solidFill>
+                  <a:srgbClr val="FFFFFF"/>
+                </a:solidFill>
+              </a14:hiddenFill>
+            </a:ext>
+          </a:extLst>
+        </p:spPr>
+      </p:pic>
+    </p:spTree>
+    <p:extLst>
+      <p:ext uri="{BB962C8B-B14F-4D97-AF65-F5344CB8AC3E}">
+        <p14:creationId xmlns:p14="http://schemas.microsoft.com/office/powerpoint/2010/main" val="661707524"/>
+      </p:ext>
+    </p:extLst>
+  </p:cSld>
+  <p:clrMapOvr>
+    <a:masterClrMapping/>
+  </p:clrMapOvr>
+  <p:transition spd="slow">
+    <p:pull/>
+  </p:transition>
+  <p:timing>
+    <p:tnLst>
+      <p:par>
+        <p:cTn id="1" dur="indefinite" restart="never" nodeType="tmRoot"/>
+      </p:par>
+    </p:tnLst>
+  </p:timing>
+</p:sld>
+</file>
+
+<file path=ppt/slides/slide56.xml><?xml version="1.0" encoding="utf-8"?>
+<p:sld xmlns:a="http://schemas.openxmlformats.org/drawingml/2006/main" xmlns:r="http://schemas.openxmlformats.org/officeDocument/2006/relationships" xmlns:p="http://schemas.openxmlformats.org/presentationml/2006/main">
+  <p:cSld>
+    <p:spTree>
+      <p:nvGrpSpPr>
+        <p:cNvPr id="1" name=""/>
+        <p:cNvGrpSpPr/>
+        <p:nvPr/>
+      </p:nvGrpSpPr>
+      <p:grpSpPr>
+        <a:xfrm>
+          <a:off x="0" y="0"/>
+          <a:ext cx="0" cy="0"/>
+          <a:chOff x="0" y="0"/>
+          <a:chExt cx="0" cy="0"/>
+        </a:xfrm>
+      </p:grpSpPr>
+      <p:sp>
+        <p:nvSpPr>
+          <p:cNvPr id="2" name="标题 1"/>
+          <p:cNvSpPr>
+            <a:spLocks noGrp="1"/>
+          </p:cNvSpPr>
+          <p:nvPr>
+            <p:ph type="title"/>
+          </p:nvPr>
+        </p:nvSpPr>
+        <p:spPr>
+          <a:xfrm>
+            <a:off x="1475656" y="332656"/>
+            <a:ext cx="6736712" cy="854968"/>
+          </a:xfrm>
+        </p:spPr>
+        <p:txBody>
+          <a:bodyPr/>
+          <a:lstStyle/>
+          <a:p>
+            <a:r>
+              <a:rPr lang="en-US" altLang="zh-CN" dirty="0"/>
+              <a:t>Audio/video codec</a:t>
+            </a:r>
+            <a:endParaRPr lang="zh-CN" altLang="en-US" dirty="0"/>
+          </a:p>
+        </p:txBody>
+      </p:sp>
+      <p:sp>
+        <p:nvSpPr>
+          <p:cNvPr id="3" name="日期占位符 2"/>
+          <p:cNvSpPr>
+            <a:spLocks noGrp="1"/>
+          </p:cNvSpPr>
+          <p:nvPr>
+            <p:ph type="dt" sz="half" idx="10"/>
+          </p:nvPr>
+        </p:nvSpPr>
+        <p:spPr/>
+        <p:txBody>
+          <a:bodyPr/>
+          <a:lstStyle/>
+          <a:p>
+            <a:fld id="{E3127EC2-47FB-48A1-8644-C8A81DDAA119}" type="datetime4">
+              <a:rPr lang="en-US" smtClean="0"/>
+              <a:pPr/>
+              <a:t>April 20, 2015</a:t>
+            </a:fld>
+            <a:endParaRPr lang="en-US"/>
+          </a:p>
+        </p:txBody>
+      </p:sp>
+      <p:sp>
+        <p:nvSpPr>
+          <p:cNvPr id="4" name="页脚占位符 3"/>
+          <p:cNvSpPr>
+            <a:spLocks noGrp="1"/>
+          </p:cNvSpPr>
+          <p:nvPr>
+            <p:ph type="ftr" sz="quarter" idx="11"/>
+          </p:nvPr>
+        </p:nvSpPr>
+        <p:spPr/>
+        <p:txBody>
+          <a:bodyPr/>
+          <a:lstStyle/>
+          <a:p>
+            <a:endParaRPr lang="en-US" dirty="0"/>
+          </a:p>
+        </p:txBody>
+      </p:sp>
+      <p:sp>
+        <p:nvSpPr>
+          <p:cNvPr id="5" name="灯片编号占位符 4"/>
+          <p:cNvSpPr>
+            <a:spLocks noGrp="1"/>
+          </p:cNvSpPr>
+          <p:nvPr>
+            <p:ph type="sldNum" sz="quarter" idx="12"/>
+          </p:nvPr>
+        </p:nvSpPr>
+        <p:spPr/>
+        <p:txBody>
+          <a:bodyPr/>
+          <a:lstStyle/>
+          <a:p>
+            <a:fld id="{8B37D5FE-740C-46F5-801A-FA5477D9711F}" type="slidenum">
+              <a:rPr lang="en-US" smtClean="0"/>
+              <a:pPr/>
+              <a:t>56</a:t>
+            </a:fld>
+            <a:endParaRPr lang="en-US"/>
+          </a:p>
+        </p:txBody>
+      </p:sp>
+      <p:sp>
+        <p:nvSpPr>
+          <p:cNvPr id="7" name="标题 1"/>
+          <p:cNvSpPr txBox="1">
+            <a:spLocks/>
+          </p:cNvSpPr>
+          <p:nvPr/>
+        </p:nvSpPr>
+        <p:spPr>
+          <a:xfrm>
+            <a:off x="1763688" y="1280716"/>
+            <a:ext cx="5832648" cy="566936"/>
+          </a:xfrm>
+          <a:prstGeom prst="rect">
+            <a:avLst/>
+          </a:prstGeom>
+        </p:spPr>
+        <p:txBody>
+          <a:bodyPr vert="horz" lIns="91440" tIns="45720" rIns="91440" bIns="45720" rtlCol="0" anchor="b">
+            <a:noAutofit/>
+          </a:bodyPr>
+          <a:lstStyle>
+            <a:lvl1pPr algn="l" defTabSz="914400" rtl="0" eaLnBrk="1" latinLnBrk="0" hangingPunct="1">
+              <a:spcBef>
+                <a:spcPct val="0"/>
+              </a:spcBef>
+              <a:buNone/>
+              <a:defRPr sz="4000" kern="1200">
+                <a:solidFill>
+                  <a:schemeClr val="accent1"/>
+                </a:solidFill>
+                <a:latin typeface="+mj-lt"/>
+                <a:ea typeface="+mj-ea"/>
+                <a:cs typeface="+mj-cs"/>
+              </a:defRPr>
+            </a:lvl1pPr>
+            <a:lvl2pPr eaLnBrk="1" hangingPunct="1">
+              <a:defRPr>
+                <a:solidFill>
+                  <a:schemeClr val="tx2"/>
+                </a:solidFill>
+              </a:defRPr>
+            </a:lvl2pPr>
+            <a:lvl3pPr eaLnBrk="1" hangingPunct="1">
+              <a:defRPr>
+                <a:solidFill>
+                  <a:schemeClr val="tx2"/>
+                </a:solidFill>
+              </a:defRPr>
+            </a:lvl3pPr>
+            <a:lvl4pPr eaLnBrk="1" hangingPunct="1">
+              <a:defRPr>
+                <a:solidFill>
+                  <a:schemeClr val="tx2"/>
+                </a:solidFill>
+              </a:defRPr>
+            </a:lvl4pPr>
+            <a:lvl5pPr eaLnBrk="1" hangingPunct="1">
+              <a:defRPr>
+                <a:solidFill>
+                  <a:schemeClr val="tx2"/>
+                </a:solidFill>
+              </a:defRPr>
+            </a:lvl5pPr>
+            <a:lvl6pPr eaLnBrk="1" hangingPunct="1">
+              <a:defRPr>
+                <a:solidFill>
+                  <a:schemeClr val="tx2"/>
+                </a:solidFill>
+              </a:defRPr>
+            </a:lvl6pPr>
+            <a:lvl7pPr eaLnBrk="1" hangingPunct="1">
+              <a:defRPr>
+                <a:solidFill>
+                  <a:schemeClr val="tx2"/>
+                </a:solidFill>
+              </a:defRPr>
+            </a:lvl7pPr>
+            <a:lvl8pPr eaLnBrk="1" hangingPunct="1">
+              <a:defRPr>
+                <a:solidFill>
+                  <a:schemeClr val="tx2"/>
+                </a:solidFill>
+              </a:defRPr>
+            </a:lvl8pPr>
+            <a:lvl9pPr eaLnBrk="1" hangingPunct="1">
+              <a:defRPr>
+                <a:solidFill>
+                  <a:schemeClr val="tx2"/>
+                </a:solidFill>
+              </a:defRPr>
+            </a:lvl9pPr>
+          </a:lstStyle>
+          <a:p>
+            <a:r>
+              <a:rPr lang="en-US" altLang="zh-CN" sz="2400" dirty="0" err="1">
+                <a:solidFill>
+                  <a:srgbClr val="FF0000"/>
+                </a:solidFill>
+              </a:rPr>
+              <a:t>f</a:t>
+            </a:r>
+            <a:r>
+              <a:rPr lang="en-US" altLang="zh-CN" sz="2400" dirty="0" err="1" smtClean="0">
+                <a:solidFill>
+                  <a:srgbClr val="FF0000"/>
+                </a:solidFill>
+              </a:rPr>
+              <a:t>fmpeg</a:t>
+            </a:r>
+            <a:r>
+              <a:rPr lang="en-US" altLang="zh-CN" sz="2400" dirty="0" smtClean="0">
+                <a:solidFill>
+                  <a:srgbClr val="FF0000"/>
+                </a:solidFill>
+              </a:rPr>
+              <a:t> </a:t>
+            </a:r>
+            <a:r>
+              <a:rPr lang="zh-CN" altLang="en-US" sz="2400" dirty="0" smtClean="0">
+                <a:solidFill>
+                  <a:srgbClr val="FF0000"/>
+                </a:solidFill>
+              </a:rPr>
+              <a:t>视频解码</a:t>
+            </a:r>
+            <a:endParaRPr lang="zh-CN" altLang="en-US" sz="2400" dirty="0">
+              <a:solidFill>
+                <a:srgbClr val="FF0000"/>
+              </a:solidFill>
+            </a:endParaRPr>
+          </a:p>
+        </p:txBody>
+      </p:sp>
+      <p:sp>
+        <p:nvSpPr>
+          <p:cNvPr id="8" name="内容占位符 2"/>
+          <p:cNvSpPr txBox="1">
+            <a:spLocks/>
+          </p:cNvSpPr>
+          <p:nvPr/>
+        </p:nvSpPr>
+        <p:spPr>
+          <a:xfrm>
+            <a:off x="971600" y="1988840"/>
+            <a:ext cx="7272808" cy="4104456"/>
+          </a:xfrm>
+          <a:prstGeom prst="rect">
+            <a:avLst/>
+          </a:prstGeom>
+        </p:spPr>
+        <p:txBody>
+          <a:bodyPr/>
+          <a:lstStyle>
+            <a:lvl1pPr marL="342900" indent="-274320" algn="l" defTabSz="914400" rtl="0" eaLnBrk="1" latinLnBrk="0" hangingPunct="1">
+              <a:spcBef>
+                <a:spcPct val="20000"/>
+              </a:spcBef>
+              <a:buClr>
+                <a:schemeClr val="accent1"/>
+              </a:buClr>
+              <a:buSzPct val="76000"/>
+              <a:buFont typeface="Wingdings 2" pitchFamily="18" charset="2"/>
+              <a:buChar char=""/>
+              <a:defRPr sz="2400" kern="1200">
+                <a:solidFill>
+                  <a:schemeClr val="tx2"/>
+                </a:solidFill>
+                <a:latin typeface="+mn-lt"/>
+                <a:ea typeface="+mn-ea"/>
+                <a:cs typeface="+mn-cs"/>
+              </a:defRPr>
+            </a:lvl1pPr>
+            <a:lvl2pPr marL="640080" indent="-274320" algn="l" defTabSz="914400" rtl="0" eaLnBrk="1" latinLnBrk="0" hangingPunct="1">
+              <a:spcBef>
+                <a:spcPct val="20000"/>
+              </a:spcBef>
+              <a:buClr>
+                <a:schemeClr val="accent1"/>
+              </a:buClr>
+              <a:buSzPct val="76000"/>
+              <a:buFont typeface="Wingdings 2" pitchFamily="18" charset="2"/>
+              <a:buChar char=""/>
+              <a:defRPr sz="2200" kern="1200">
+                <a:solidFill>
+                  <a:schemeClr val="tx2"/>
+                </a:solidFill>
+                <a:latin typeface="+mn-lt"/>
+                <a:ea typeface="+mn-ea"/>
+                <a:cs typeface="+mn-cs"/>
+              </a:defRPr>
+            </a:lvl2pPr>
+            <a:lvl3pPr marL="914400" indent="-228600" algn="l" defTabSz="914400" rtl="0" eaLnBrk="1" latinLnBrk="0" hangingPunct="1">
+              <a:spcBef>
+                <a:spcPct val="20000"/>
+              </a:spcBef>
+              <a:buClr>
+                <a:schemeClr val="accent1"/>
+              </a:buClr>
+              <a:buSzPct val="76000"/>
+              <a:buFont typeface="Wingdings 2" pitchFamily="18" charset="2"/>
+              <a:buChar char=""/>
+              <a:defRPr sz="2000" kern="1200">
+                <a:solidFill>
+                  <a:schemeClr val="tx2"/>
+                </a:solidFill>
+                <a:latin typeface="+mn-lt"/>
+                <a:ea typeface="+mn-ea"/>
+                <a:cs typeface="+mn-cs"/>
+              </a:defRPr>
+            </a:lvl3pPr>
+            <a:lvl4pPr marL="1124712" indent="-228600" algn="l" defTabSz="914400" rtl="0" eaLnBrk="1" latinLnBrk="0" hangingPunct="1">
+              <a:spcBef>
+                <a:spcPct val="20000"/>
+              </a:spcBef>
+              <a:buClr>
+                <a:schemeClr val="accent1"/>
+              </a:buClr>
+              <a:buSzPct val="76000"/>
+              <a:buFont typeface="Wingdings 2" pitchFamily="18" charset="2"/>
+              <a:buChar char=""/>
+              <a:defRPr sz="1800" kern="1200">
+                <a:solidFill>
+                  <a:schemeClr val="tx2"/>
+                </a:solidFill>
+                <a:latin typeface="+mn-lt"/>
+                <a:ea typeface="+mn-ea"/>
+                <a:cs typeface="+mn-cs"/>
+              </a:defRPr>
+            </a:lvl4pPr>
+            <a:lvl5pPr marL="1325880" indent="-228600" algn="l" defTabSz="914400" rtl="0" eaLnBrk="1" latinLnBrk="0" hangingPunct="1">
+              <a:spcBef>
+                <a:spcPct val="20000"/>
+              </a:spcBef>
+              <a:buClr>
+                <a:schemeClr val="accent1"/>
+              </a:buClr>
+              <a:buSzPct val="76000"/>
+              <a:buFont typeface="Wingdings 2" pitchFamily="18" charset="2"/>
+              <a:buChar char=""/>
+              <a:defRPr sz="1600" kern="1200" baseline="0">
+                <a:solidFill>
+                  <a:schemeClr val="tx2"/>
+                </a:solidFill>
+                <a:latin typeface="+mn-lt"/>
+                <a:ea typeface="+mn-ea"/>
+                <a:cs typeface="+mn-cs"/>
+              </a:defRPr>
+            </a:lvl5pPr>
+            <a:lvl6pPr marL="1517904" indent="-228600" algn="l" defTabSz="914400" rtl="0" eaLnBrk="1" latinLnBrk="0" hangingPunct="1">
+              <a:spcBef>
+                <a:spcPct val="20000"/>
+              </a:spcBef>
+              <a:buClr>
+                <a:schemeClr val="accent1"/>
+              </a:buClr>
+              <a:buSzPct val="76000"/>
+              <a:buFont typeface="Wingdings 2" pitchFamily="18" charset="2"/>
+              <a:buChar char=""/>
+              <a:defRPr sz="1400" kern="1200">
+                <a:solidFill>
+                  <a:schemeClr val="tx2"/>
+                </a:solidFill>
+                <a:latin typeface="+mn-lt"/>
+                <a:ea typeface="+mn-ea"/>
+                <a:cs typeface="+mn-cs"/>
+              </a:defRPr>
+            </a:lvl6pPr>
+            <a:lvl7pPr marL="1719072" indent="-228600" algn="l" defTabSz="914400" rtl="0" eaLnBrk="1" latinLnBrk="0" hangingPunct="1">
+              <a:spcBef>
+                <a:spcPct val="20000"/>
+              </a:spcBef>
+              <a:buClr>
+                <a:schemeClr val="accent1"/>
+              </a:buClr>
+              <a:buSzPct val="76000"/>
+              <a:buFont typeface="Wingdings 2" pitchFamily="18" charset="2"/>
+              <a:buChar char=""/>
+              <a:defRPr sz="1400" kern="1200">
+                <a:solidFill>
+                  <a:schemeClr val="tx2"/>
+                </a:solidFill>
+                <a:latin typeface="+mn-lt"/>
+                <a:ea typeface="+mn-ea"/>
+                <a:cs typeface="+mn-cs"/>
+              </a:defRPr>
+            </a:lvl7pPr>
+            <a:lvl8pPr marL="1920240" indent="-228600" algn="l" defTabSz="914400" rtl="0" eaLnBrk="1" latinLnBrk="0" hangingPunct="1">
+              <a:spcBef>
+                <a:spcPct val="20000"/>
+              </a:spcBef>
+              <a:buClr>
+                <a:schemeClr val="accent1"/>
+              </a:buClr>
+              <a:buSzPct val="76000"/>
+              <a:buFont typeface="Wingdings 2" pitchFamily="18" charset="2"/>
+              <a:buChar char=""/>
+              <a:defRPr sz="1400" kern="1200">
+                <a:solidFill>
+                  <a:schemeClr val="tx2"/>
+                </a:solidFill>
+                <a:latin typeface="+mn-lt"/>
+                <a:ea typeface="+mn-ea"/>
+                <a:cs typeface="+mn-cs"/>
+              </a:defRPr>
+            </a:lvl8pPr>
+            <a:lvl9pPr marL="2121408" indent="-228600" algn="l" defTabSz="914400" rtl="0" eaLnBrk="1" latinLnBrk="0" hangingPunct="1">
+              <a:spcBef>
+                <a:spcPct val="20000"/>
+              </a:spcBef>
+              <a:buClr>
+                <a:schemeClr val="accent1"/>
+              </a:buClr>
+              <a:buSzPct val="76000"/>
+              <a:buFont typeface="Wingdings 2" pitchFamily="18" charset="2"/>
+              <a:buChar char=""/>
+              <a:defRPr sz="1400" kern="1200">
+                <a:solidFill>
+                  <a:schemeClr val="tx2"/>
+                </a:solidFill>
+                <a:latin typeface="+mn-lt"/>
+                <a:ea typeface="+mn-ea"/>
+                <a:cs typeface="+mn-cs"/>
+              </a:defRPr>
+            </a:lvl9pPr>
+          </a:lstStyle>
+          <a:p>
+            <a:r>
+              <a:rPr lang="en-US" altLang="zh-CN" sz="1400" dirty="0" err="1" smtClean="0"/>
+              <a:t>avformat_open_input</a:t>
+            </a:r>
+            <a:r>
+              <a:rPr lang="en-US" altLang="zh-CN" sz="1400" dirty="0" smtClean="0"/>
+              <a:t>(</a:t>
+            </a:r>
+            <a:r>
+              <a:rPr lang="en-US" altLang="zh-CN" sz="1400" dirty="0" err="1" smtClean="0"/>
+              <a:t>AVFormatContext</a:t>
+            </a:r>
+            <a:r>
+              <a:rPr lang="en-US" altLang="zh-CN" sz="1400" dirty="0" smtClean="0"/>
+              <a:t> </a:t>
+            </a:r>
+            <a:r>
+              <a:rPr lang="en-US" altLang="zh-CN" sz="1400" dirty="0"/>
+              <a:t>**</a:t>
+            </a:r>
+            <a:r>
+              <a:rPr lang="en-US" altLang="zh-CN" sz="1400" dirty="0" err="1"/>
+              <a:t>ps</a:t>
+            </a:r>
+            <a:r>
+              <a:rPr lang="en-US" altLang="zh-CN" sz="1400" dirty="0"/>
+              <a:t>, </a:t>
+            </a:r>
+            <a:r>
+              <a:rPr lang="en-US" altLang="zh-CN" sz="1400" dirty="0" err="1"/>
+              <a:t>const</a:t>
+            </a:r>
+            <a:r>
+              <a:rPr lang="en-US" altLang="zh-CN" sz="1400" dirty="0"/>
+              <a:t> char *</a:t>
+            </a:r>
+            <a:r>
+              <a:rPr lang="en-US" altLang="zh-CN" sz="1400" dirty="0" smtClean="0"/>
+              <a:t>filename, </a:t>
+            </a:r>
+            <a:r>
+              <a:rPr lang="en-US" altLang="zh-CN" sz="1400" dirty="0" err="1" smtClean="0"/>
+              <a:t>AVInputFormat</a:t>
+            </a:r>
+            <a:r>
+              <a:rPr lang="en-US" altLang="zh-CN" sz="1400" dirty="0" smtClean="0"/>
+              <a:t> </a:t>
+            </a:r>
+            <a:r>
+              <a:rPr lang="en-US" altLang="zh-CN" sz="1400" dirty="0"/>
+              <a:t>*</a:t>
+            </a:r>
+            <a:r>
+              <a:rPr lang="en-US" altLang="zh-CN" sz="1400" dirty="0" err="1"/>
+              <a:t>fmt</a:t>
+            </a:r>
+            <a:r>
+              <a:rPr lang="en-US" altLang="zh-CN" sz="1400" dirty="0"/>
+              <a:t>, </a:t>
+            </a:r>
+            <a:r>
+              <a:rPr lang="en-US" altLang="zh-CN" sz="1400" dirty="0" err="1"/>
+              <a:t>AVDictionary</a:t>
+            </a:r>
+            <a:r>
+              <a:rPr lang="en-US" altLang="zh-CN" sz="1400" dirty="0"/>
+              <a:t> **options)</a:t>
+            </a:r>
+            <a:r>
+              <a:rPr lang="zh-CN" altLang="en-US" sz="1400" dirty="0"/>
+              <a:t>；</a:t>
+            </a:r>
+          </a:p>
+          <a:p>
+            <a:pPr marL="68580" indent="0">
+              <a:buNone/>
+            </a:pPr>
+            <a:r>
+              <a:rPr lang="zh-CN" altLang="en-US" sz="1400" dirty="0"/>
+              <a:t>这个函数用于打开多媒体文件，并读取相关文件头信息</a:t>
+            </a:r>
+            <a:r>
+              <a:rPr lang="zh-CN" altLang="en-US" sz="1400" dirty="0" smtClean="0"/>
+              <a:t>。</a:t>
+            </a:r>
+            <a:endParaRPr lang="en-US" altLang="zh-CN" sz="1400" dirty="0" smtClean="0"/>
+          </a:p>
+          <a:p>
+            <a:pPr marL="68580" indent="0">
+              <a:buNone/>
+            </a:pPr>
+            <a:endParaRPr lang="zh-CN" altLang="en-US" sz="1400" dirty="0"/>
+          </a:p>
+          <a:p>
+            <a:r>
+              <a:rPr lang="en-US" altLang="zh-CN" sz="1400" dirty="0"/>
+              <a:t>v</a:t>
+            </a:r>
+            <a:r>
+              <a:rPr lang="en-US" altLang="zh-CN" sz="1400" dirty="0" smtClean="0"/>
+              <a:t>oid </a:t>
+            </a:r>
+            <a:r>
+              <a:rPr lang="en-US" altLang="zh-CN" sz="1400" dirty="0" err="1" smtClean="0"/>
+              <a:t>avformat_close_input</a:t>
+            </a:r>
+            <a:r>
+              <a:rPr lang="en-US" altLang="zh-CN" sz="1400" dirty="0" smtClean="0"/>
+              <a:t>(</a:t>
+            </a:r>
+            <a:r>
+              <a:rPr lang="en-US" altLang="zh-CN" sz="1400" dirty="0" err="1" smtClean="0"/>
+              <a:t>AVFormatContext</a:t>
+            </a:r>
+            <a:r>
+              <a:rPr lang="en-US" altLang="zh-CN" sz="1400" dirty="0" smtClean="0"/>
+              <a:t> </a:t>
+            </a:r>
+            <a:r>
+              <a:rPr lang="en-US" altLang="zh-CN" sz="1400" dirty="0"/>
+              <a:t>**</a:t>
+            </a:r>
+            <a:r>
+              <a:rPr lang="en-US" altLang="zh-CN" sz="1400" dirty="0" err="1"/>
+              <a:t>ps</a:t>
+            </a:r>
+            <a:r>
+              <a:rPr lang="en-US" altLang="zh-CN" sz="1400" dirty="0"/>
+              <a:t>)</a:t>
+            </a:r>
+            <a:r>
+              <a:rPr lang="zh-CN" altLang="en-US" sz="1400" dirty="0"/>
+              <a:t>；</a:t>
+            </a:r>
+          </a:p>
+          <a:p>
+            <a:pPr marL="68580" indent="0">
+              <a:buNone/>
+            </a:pPr>
+            <a:r>
+              <a:rPr lang="zh-CN" altLang="en-US" sz="1400" dirty="0"/>
+              <a:t>这个函数用于关闭上面打开的多媒体文件，释放相关资源</a:t>
+            </a:r>
+            <a:r>
+              <a:rPr lang="zh-CN" altLang="en-US" sz="1400" dirty="0" smtClean="0"/>
+              <a:t>。</a:t>
+            </a:r>
+            <a:endParaRPr lang="en-US" altLang="zh-CN" sz="1400" dirty="0" smtClean="0"/>
+          </a:p>
+          <a:p>
+            <a:pPr marL="68580" indent="0">
+              <a:buNone/>
+            </a:pPr>
+            <a:endParaRPr lang="zh-CN" altLang="en-US" sz="1400" dirty="0"/>
+          </a:p>
+          <a:p>
+            <a:r>
+              <a:rPr lang="en-US" altLang="zh-CN" sz="1400" dirty="0" err="1"/>
+              <a:t>i</a:t>
+            </a:r>
+            <a:r>
+              <a:rPr lang="en-US" altLang="zh-CN" sz="1400" dirty="0" err="1" smtClean="0"/>
+              <a:t>nt</a:t>
+            </a:r>
+            <a:r>
+              <a:rPr lang="en-US" altLang="zh-CN" sz="1400" dirty="0" smtClean="0"/>
+              <a:t> </a:t>
+            </a:r>
+            <a:r>
+              <a:rPr lang="en-US" altLang="zh-CN" sz="1400" dirty="0" err="1" smtClean="0"/>
+              <a:t>avformat_find_stream_info</a:t>
+            </a:r>
+            <a:r>
+              <a:rPr lang="en-US" altLang="zh-CN" sz="1400" dirty="0" smtClean="0"/>
+              <a:t>(</a:t>
+            </a:r>
+            <a:r>
+              <a:rPr lang="en-US" altLang="zh-CN" sz="1400" dirty="0" err="1" smtClean="0"/>
+              <a:t>AVFormatContext</a:t>
+            </a:r>
+            <a:r>
+              <a:rPr lang="en-US" altLang="zh-CN" sz="1400" dirty="0" smtClean="0"/>
+              <a:t> </a:t>
+            </a:r>
+            <a:r>
+              <a:rPr lang="en-US" altLang="zh-CN" sz="1400" dirty="0"/>
+              <a:t>*</a:t>
+            </a:r>
+            <a:r>
+              <a:rPr lang="en-US" altLang="zh-CN" sz="1400" dirty="0" err="1"/>
+              <a:t>ic</a:t>
+            </a:r>
+            <a:r>
+              <a:rPr lang="en-US" altLang="zh-CN" sz="1400" dirty="0"/>
+              <a:t>, </a:t>
+            </a:r>
+            <a:r>
+              <a:rPr lang="en-US" altLang="zh-CN" sz="1400" dirty="0" err="1"/>
+              <a:t>AVDictionary</a:t>
+            </a:r>
+            <a:r>
+              <a:rPr lang="en-US" altLang="zh-CN" sz="1400" dirty="0"/>
+              <a:t>**options);</a:t>
+            </a:r>
+          </a:p>
+          <a:p>
+            <a:pPr marL="68580" indent="0">
+              <a:buNone/>
+            </a:pPr>
+            <a:r>
+              <a:rPr lang="zh-CN" altLang="en-US" sz="1400" dirty="0"/>
+              <a:t>这个函数通过注册的文件格式解析器读取文件的取各种信息，比如播放持续时间、音视频压缩格式、音轨信息、字幕信息、帧率、采样率等等</a:t>
+            </a:r>
+            <a:r>
+              <a:rPr lang="zh-CN" altLang="en-US" sz="1400" dirty="0" smtClean="0"/>
+              <a:t>。</a:t>
+            </a:r>
+            <a:endParaRPr lang="en-US" altLang="zh-CN" sz="1400" dirty="0" smtClean="0"/>
+          </a:p>
+          <a:p>
+            <a:pPr marL="68580" indent="0">
+              <a:buNone/>
+            </a:pPr>
+            <a:endParaRPr lang="zh-CN" altLang="en-US" sz="1400" dirty="0"/>
+          </a:p>
+          <a:p>
+            <a:r>
+              <a:rPr lang="en-US" altLang="zh-CN" sz="1400" dirty="0" err="1"/>
+              <a:t>int</a:t>
+            </a:r>
+            <a:r>
+              <a:rPr lang="en-US" altLang="zh-CN" sz="1400" dirty="0"/>
+              <a:t> </a:t>
+            </a:r>
+            <a:r>
+              <a:rPr lang="en-US" altLang="zh-CN" sz="1400" dirty="0" err="1"/>
+              <a:t>av_read_frame</a:t>
+            </a:r>
+            <a:r>
+              <a:rPr lang="en-US" altLang="zh-CN" sz="1400" dirty="0"/>
+              <a:t>(</a:t>
+            </a:r>
+            <a:r>
+              <a:rPr lang="en-US" altLang="zh-CN" sz="1400" dirty="0" err="1"/>
+              <a:t>AVFormatContext</a:t>
+            </a:r>
+            <a:r>
+              <a:rPr lang="en-US" altLang="zh-CN" sz="1400" dirty="0"/>
+              <a:t>*s, </a:t>
+            </a:r>
+            <a:r>
+              <a:rPr lang="en-US" altLang="zh-CN" sz="1400" dirty="0" err="1"/>
+              <a:t>AVPacket</a:t>
+            </a:r>
+            <a:r>
+              <a:rPr lang="en-US" altLang="zh-CN" sz="1400" dirty="0"/>
+              <a:t> *</a:t>
+            </a:r>
+            <a:r>
+              <a:rPr lang="en-US" altLang="zh-CN" sz="1400" dirty="0" err="1"/>
+              <a:t>pkt</a:t>
+            </a:r>
+            <a:r>
+              <a:rPr lang="en-US" altLang="zh-CN" sz="1400" dirty="0"/>
+              <a:t>);</a:t>
+            </a:r>
+          </a:p>
+          <a:p>
+            <a:pPr marL="68580" indent="0">
+              <a:buNone/>
+            </a:pPr>
+            <a:r>
+              <a:rPr lang="zh-CN" altLang="en-US" sz="1400" dirty="0"/>
+              <a:t>这个函数对于</a:t>
+            </a:r>
+            <a:r>
+              <a:rPr lang="en-US" altLang="zh-CN" sz="1400" dirty="0" err="1"/>
+              <a:t>Demux</a:t>
+            </a:r>
+            <a:r>
+              <a:rPr lang="zh-CN" altLang="en-US" sz="1400" dirty="0"/>
+              <a:t>过程是最重要的一个函数，它从文件中读取一帧视频、一帧或多帧音频、字幕等</a:t>
+            </a:r>
+            <a:r>
+              <a:rPr lang="en-US" altLang="zh-CN" sz="1400" dirty="0"/>
+              <a:t>ES</a:t>
+            </a:r>
+            <a:r>
+              <a:rPr lang="zh-CN" altLang="en-US" sz="1400" dirty="0"/>
+              <a:t>数据包，除了数据本身之外，还包括</a:t>
+            </a:r>
+            <a:r>
+              <a:rPr lang="en-US" altLang="zh-CN" sz="1400" dirty="0"/>
+              <a:t>PTS</a:t>
+            </a:r>
+            <a:r>
+              <a:rPr lang="zh-CN" altLang="en-US" sz="1400" dirty="0"/>
+              <a:t>、持续时间、参考帧等重要信息</a:t>
+            </a:r>
+            <a:r>
+              <a:rPr lang="zh-CN" altLang="en-US" sz="1400" dirty="0" smtClean="0"/>
+              <a:t>。</a:t>
+            </a:r>
+            <a:endParaRPr lang="en-US" altLang="zh-CN" sz="1400" dirty="0" smtClean="0"/>
+          </a:p>
+          <a:p>
+            <a:pPr marL="68580" indent="0">
+              <a:buNone/>
+            </a:pPr>
+            <a:endParaRPr lang="zh-CN" altLang="en-US" sz="1400" dirty="0"/>
+          </a:p>
+        </p:txBody>
+      </p:sp>
+    </p:spTree>
+    <p:extLst>
+      <p:ext uri="{BB962C8B-B14F-4D97-AF65-F5344CB8AC3E}">
+        <p14:creationId xmlns:p14="http://schemas.microsoft.com/office/powerpoint/2010/main" val="1264708435"/>
+      </p:ext>
+    </p:extLst>
+  </p:cSld>
+  <p:clrMapOvr>
+    <a:masterClrMapping/>
+  </p:clrMapOvr>
+  <p:transition spd="slow">
+    <p:pull/>
+  </p:transition>
+  <p:timing>
+    <p:tnLst>
+      <p:par>
+        <p:cTn id="1" dur="indefinite" restart="never" nodeType="tmRoot"/>
+      </p:par>
+    </p:tnLst>
+  </p:timing>
+</p:sld>
+</file>
+
+<file path=ppt/slides/slide57.xml><?xml version="1.0" encoding="utf-8"?>
+<p:sld xmlns:a="http://schemas.openxmlformats.org/drawingml/2006/main" xmlns:r="http://schemas.openxmlformats.org/officeDocument/2006/relationships" xmlns:p="http://schemas.openxmlformats.org/presentationml/2006/main">
+  <p:cSld>
+    <p:spTree>
+      <p:nvGrpSpPr>
+        <p:cNvPr id="1" name=""/>
+        <p:cNvGrpSpPr/>
+        <p:nvPr/>
+      </p:nvGrpSpPr>
+      <p:grpSpPr>
+        <a:xfrm>
+          <a:off x="0" y="0"/>
+          <a:ext cx="0" cy="0"/>
+          <a:chOff x="0" y="0"/>
+          <a:chExt cx="0" cy="0"/>
+        </a:xfrm>
+      </p:grpSpPr>
+      <p:sp>
+        <p:nvSpPr>
+          <p:cNvPr id="2" name="标题 1"/>
+          <p:cNvSpPr>
+            <a:spLocks noGrp="1"/>
+          </p:cNvSpPr>
+          <p:nvPr>
+            <p:ph type="title"/>
+          </p:nvPr>
+        </p:nvSpPr>
+        <p:spPr>
+          <a:xfrm>
+            <a:off x="1475656" y="332656"/>
+            <a:ext cx="6736712" cy="854968"/>
+          </a:xfrm>
+        </p:spPr>
+        <p:txBody>
+          <a:bodyPr/>
+          <a:lstStyle/>
+          <a:p>
+            <a:r>
+              <a:rPr lang="en-US" altLang="zh-CN" dirty="0"/>
+              <a:t>Audio/video codec</a:t>
+            </a:r>
+            <a:endParaRPr lang="zh-CN" altLang="en-US" dirty="0"/>
+          </a:p>
+        </p:txBody>
+      </p:sp>
+      <p:sp>
+        <p:nvSpPr>
+          <p:cNvPr id="3" name="日期占位符 2"/>
+          <p:cNvSpPr>
+            <a:spLocks noGrp="1"/>
+          </p:cNvSpPr>
+          <p:nvPr>
+            <p:ph type="dt" sz="half" idx="10"/>
+          </p:nvPr>
+        </p:nvSpPr>
+        <p:spPr/>
+        <p:txBody>
+          <a:bodyPr/>
+          <a:lstStyle/>
+          <a:p>
+            <a:fld id="{E3127EC2-47FB-48A1-8644-C8A81DDAA119}" type="datetime4">
+              <a:rPr lang="en-US" smtClean="0"/>
+              <a:pPr/>
+              <a:t>April 20, 2015</a:t>
+            </a:fld>
+            <a:endParaRPr lang="en-US"/>
+          </a:p>
+        </p:txBody>
+      </p:sp>
+      <p:sp>
+        <p:nvSpPr>
+          <p:cNvPr id="4" name="页脚占位符 3"/>
+          <p:cNvSpPr>
+            <a:spLocks noGrp="1"/>
+          </p:cNvSpPr>
+          <p:nvPr>
+            <p:ph type="ftr" sz="quarter" idx="11"/>
+          </p:nvPr>
+        </p:nvSpPr>
+        <p:spPr/>
+        <p:txBody>
+          <a:bodyPr/>
+          <a:lstStyle/>
+          <a:p>
+            <a:endParaRPr lang="en-US" dirty="0"/>
+          </a:p>
+        </p:txBody>
+      </p:sp>
+      <p:sp>
+        <p:nvSpPr>
+          <p:cNvPr id="5" name="灯片编号占位符 4"/>
+          <p:cNvSpPr>
+            <a:spLocks noGrp="1"/>
+          </p:cNvSpPr>
+          <p:nvPr>
+            <p:ph type="sldNum" sz="quarter" idx="12"/>
+          </p:nvPr>
+        </p:nvSpPr>
+        <p:spPr/>
+        <p:txBody>
+          <a:bodyPr/>
+          <a:lstStyle/>
+          <a:p>
+            <a:fld id="{8B37D5FE-740C-46F5-801A-FA5477D9711F}" type="slidenum">
+              <a:rPr lang="en-US" smtClean="0"/>
+              <a:pPr/>
+              <a:t>57</a:t>
+            </a:fld>
+            <a:endParaRPr lang="en-US"/>
+          </a:p>
+        </p:txBody>
+      </p:sp>
+      <p:sp>
+        <p:nvSpPr>
+          <p:cNvPr id="7" name="标题 1"/>
+          <p:cNvSpPr txBox="1">
+            <a:spLocks/>
+          </p:cNvSpPr>
+          <p:nvPr/>
+        </p:nvSpPr>
+        <p:spPr>
+          <a:xfrm>
+            <a:off x="1763688" y="1280716"/>
+            <a:ext cx="5832648" cy="566936"/>
+          </a:xfrm>
+          <a:prstGeom prst="rect">
+            <a:avLst/>
+          </a:prstGeom>
+        </p:spPr>
+        <p:txBody>
+          <a:bodyPr vert="horz" lIns="91440" tIns="45720" rIns="91440" bIns="45720" rtlCol="0" anchor="b">
+            <a:noAutofit/>
+          </a:bodyPr>
+          <a:lstStyle>
+            <a:lvl1pPr algn="l" defTabSz="914400" rtl="0" eaLnBrk="1" latinLnBrk="0" hangingPunct="1">
+              <a:spcBef>
+                <a:spcPct val="0"/>
+              </a:spcBef>
+              <a:buNone/>
+              <a:defRPr sz="4000" kern="1200">
+                <a:solidFill>
+                  <a:schemeClr val="accent1"/>
+                </a:solidFill>
+                <a:latin typeface="+mj-lt"/>
+                <a:ea typeface="+mj-ea"/>
+                <a:cs typeface="+mj-cs"/>
+              </a:defRPr>
+            </a:lvl1pPr>
+            <a:lvl2pPr eaLnBrk="1" hangingPunct="1">
+              <a:defRPr>
+                <a:solidFill>
+                  <a:schemeClr val="tx2"/>
+                </a:solidFill>
+              </a:defRPr>
+            </a:lvl2pPr>
+            <a:lvl3pPr eaLnBrk="1" hangingPunct="1">
+              <a:defRPr>
+                <a:solidFill>
+                  <a:schemeClr val="tx2"/>
+                </a:solidFill>
+              </a:defRPr>
+            </a:lvl3pPr>
+            <a:lvl4pPr eaLnBrk="1" hangingPunct="1">
+              <a:defRPr>
+                <a:solidFill>
+                  <a:schemeClr val="tx2"/>
+                </a:solidFill>
+              </a:defRPr>
+            </a:lvl4pPr>
+            <a:lvl5pPr eaLnBrk="1" hangingPunct="1">
+              <a:defRPr>
+                <a:solidFill>
+                  <a:schemeClr val="tx2"/>
+                </a:solidFill>
+              </a:defRPr>
+            </a:lvl5pPr>
+            <a:lvl6pPr eaLnBrk="1" hangingPunct="1">
+              <a:defRPr>
+                <a:solidFill>
+                  <a:schemeClr val="tx2"/>
+                </a:solidFill>
+              </a:defRPr>
+            </a:lvl6pPr>
+            <a:lvl7pPr eaLnBrk="1" hangingPunct="1">
+              <a:defRPr>
+                <a:solidFill>
+                  <a:schemeClr val="tx2"/>
+                </a:solidFill>
+              </a:defRPr>
+            </a:lvl7pPr>
+            <a:lvl8pPr eaLnBrk="1" hangingPunct="1">
+              <a:defRPr>
+                <a:solidFill>
+                  <a:schemeClr val="tx2"/>
+                </a:solidFill>
+              </a:defRPr>
+            </a:lvl8pPr>
+            <a:lvl9pPr eaLnBrk="1" hangingPunct="1">
+              <a:defRPr>
+                <a:solidFill>
+                  <a:schemeClr val="tx2"/>
+                </a:solidFill>
+              </a:defRPr>
+            </a:lvl9pPr>
+          </a:lstStyle>
+          <a:p>
+            <a:r>
+              <a:rPr lang="en-US" altLang="zh-CN" sz="2400" dirty="0" err="1">
+                <a:solidFill>
+                  <a:srgbClr val="FF0000"/>
+                </a:solidFill>
+              </a:rPr>
+              <a:t>f</a:t>
+            </a:r>
+            <a:r>
+              <a:rPr lang="en-US" altLang="zh-CN" sz="2400" dirty="0" err="1" smtClean="0">
+                <a:solidFill>
+                  <a:srgbClr val="FF0000"/>
+                </a:solidFill>
+              </a:rPr>
+              <a:t>fmpeg</a:t>
+            </a:r>
+            <a:r>
+              <a:rPr lang="en-US" altLang="zh-CN" sz="2400" dirty="0" smtClean="0">
+                <a:solidFill>
+                  <a:srgbClr val="FF0000"/>
+                </a:solidFill>
+              </a:rPr>
+              <a:t> </a:t>
+            </a:r>
+            <a:r>
+              <a:rPr lang="zh-CN" altLang="en-US" sz="2400" dirty="0" smtClean="0">
+                <a:solidFill>
+                  <a:srgbClr val="FF0000"/>
+                </a:solidFill>
+              </a:rPr>
+              <a:t>视频解码</a:t>
+            </a:r>
+            <a:endParaRPr lang="zh-CN" altLang="en-US" sz="2400" dirty="0">
+              <a:solidFill>
+                <a:srgbClr val="FF0000"/>
+              </a:solidFill>
+            </a:endParaRPr>
+          </a:p>
+        </p:txBody>
+      </p:sp>
+      <p:sp>
+        <p:nvSpPr>
+          <p:cNvPr id="8" name="内容占位符 2"/>
+          <p:cNvSpPr txBox="1">
+            <a:spLocks/>
+          </p:cNvSpPr>
+          <p:nvPr/>
+        </p:nvSpPr>
+        <p:spPr>
+          <a:xfrm>
+            <a:off x="971600" y="1988840"/>
+            <a:ext cx="7272808" cy="4104456"/>
+          </a:xfrm>
+          <a:prstGeom prst="rect">
+            <a:avLst/>
+          </a:prstGeom>
+        </p:spPr>
+        <p:txBody>
+          <a:bodyPr/>
+          <a:lstStyle>
+            <a:lvl1pPr marL="342900" indent="-274320" algn="l" defTabSz="914400" rtl="0" eaLnBrk="1" latinLnBrk="0" hangingPunct="1">
+              <a:spcBef>
+                <a:spcPct val="20000"/>
+              </a:spcBef>
+              <a:buClr>
+                <a:schemeClr val="accent1"/>
+              </a:buClr>
+              <a:buSzPct val="76000"/>
+              <a:buFont typeface="Wingdings 2" pitchFamily="18" charset="2"/>
+              <a:buChar char=""/>
+              <a:defRPr sz="2400" kern="1200">
+                <a:solidFill>
+                  <a:schemeClr val="tx2"/>
+                </a:solidFill>
+                <a:latin typeface="+mn-lt"/>
+                <a:ea typeface="+mn-ea"/>
+                <a:cs typeface="+mn-cs"/>
+              </a:defRPr>
+            </a:lvl1pPr>
+            <a:lvl2pPr marL="640080" indent="-274320" algn="l" defTabSz="914400" rtl="0" eaLnBrk="1" latinLnBrk="0" hangingPunct="1">
+              <a:spcBef>
+                <a:spcPct val="20000"/>
+              </a:spcBef>
+              <a:buClr>
+                <a:schemeClr val="accent1"/>
+              </a:buClr>
+              <a:buSzPct val="76000"/>
+              <a:buFont typeface="Wingdings 2" pitchFamily="18" charset="2"/>
+              <a:buChar char=""/>
+              <a:defRPr sz="2200" kern="1200">
+                <a:solidFill>
+                  <a:schemeClr val="tx2"/>
+                </a:solidFill>
+                <a:latin typeface="+mn-lt"/>
+                <a:ea typeface="+mn-ea"/>
+                <a:cs typeface="+mn-cs"/>
+              </a:defRPr>
+            </a:lvl2pPr>
+            <a:lvl3pPr marL="914400" indent="-228600" algn="l" defTabSz="914400" rtl="0" eaLnBrk="1" latinLnBrk="0" hangingPunct="1">
+              <a:spcBef>
+                <a:spcPct val="20000"/>
+              </a:spcBef>
+              <a:buClr>
+                <a:schemeClr val="accent1"/>
+              </a:buClr>
+              <a:buSzPct val="76000"/>
+              <a:buFont typeface="Wingdings 2" pitchFamily="18" charset="2"/>
+              <a:buChar char=""/>
+              <a:defRPr sz="2000" kern="1200">
+                <a:solidFill>
+                  <a:schemeClr val="tx2"/>
+                </a:solidFill>
+                <a:latin typeface="+mn-lt"/>
+                <a:ea typeface="+mn-ea"/>
+                <a:cs typeface="+mn-cs"/>
+              </a:defRPr>
+            </a:lvl3pPr>
+            <a:lvl4pPr marL="1124712" indent="-228600" algn="l" defTabSz="914400" rtl="0" eaLnBrk="1" latinLnBrk="0" hangingPunct="1">
+              <a:spcBef>
+                <a:spcPct val="20000"/>
+              </a:spcBef>
+              <a:buClr>
+                <a:schemeClr val="accent1"/>
+              </a:buClr>
+              <a:buSzPct val="76000"/>
+              <a:buFont typeface="Wingdings 2" pitchFamily="18" charset="2"/>
+              <a:buChar char=""/>
+              <a:defRPr sz="1800" kern="1200">
+                <a:solidFill>
+                  <a:schemeClr val="tx2"/>
+                </a:solidFill>
+                <a:latin typeface="+mn-lt"/>
+                <a:ea typeface="+mn-ea"/>
+                <a:cs typeface="+mn-cs"/>
+              </a:defRPr>
+            </a:lvl4pPr>
+            <a:lvl5pPr marL="1325880" indent="-228600" algn="l" defTabSz="914400" rtl="0" eaLnBrk="1" latinLnBrk="0" hangingPunct="1">
+              <a:spcBef>
+                <a:spcPct val="20000"/>
+              </a:spcBef>
+              <a:buClr>
+                <a:schemeClr val="accent1"/>
+              </a:buClr>
+              <a:buSzPct val="76000"/>
+              <a:buFont typeface="Wingdings 2" pitchFamily="18" charset="2"/>
+              <a:buChar char=""/>
+              <a:defRPr sz="1600" kern="1200" baseline="0">
+                <a:solidFill>
+                  <a:schemeClr val="tx2"/>
+                </a:solidFill>
+                <a:latin typeface="+mn-lt"/>
+                <a:ea typeface="+mn-ea"/>
+                <a:cs typeface="+mn-cs"/>
+              </a:defRPr>
+            </a:lvl5pPr>
+            <a:lvl6pPr marL="1517904" indent="-228600" algn="l" defTabSz="914400" rtl="0" eaLnBrk="1" latinLnBrk="0" hangingPunct="1">
+              <a:spcBef>
+                <a:spcPct val="20000"/>
+              </a:spcBef>
+              <a:buClr>
+                <a:schemeClr val="accent1"/>
+              </a:buClr>
+              <a:buSzPct val="76000"/>
+              <a:buFont typeface="Wingdings 2" pitchFamily="18" charset="2"/>
+              <a:buChar char=""/>
+              <a:defRPr sz="1400" kern="1200">
+                <a:solidFill>
+                  <a:schemeClr val="tx2"/>
+                </a:solidFill>
+                <a:latin typeface="+mn-lt"/>
+                <a:ea typeface="+mn-ea"/>
+                <a:cs typeface="+mn-cs"/>
+              </a:defRPr>
+            </a:lvl6pPr>
+            <a:lvl7pPr marL="1719072" indent="-228600" algn="l" defTabSz="914400" rtl="0" eaLnBrk="1" latinLnBrk="0" hangingPunct="1">
+              <a:spcBef>
+                <a:spcPct val="20000"/>
+              </a:spcBef>
+              <a:buClr>
+                <a:schemeClr val="accent1"/>
+              </a:buClr>
+              <a:buSzPct val="76000"/>
+              <a:buFont typeface="Wingdings 2" pitchFamily="18" charset="2"/>
+              <a:buChar char=""/>
+              <a:defRPr sz="1400" kern="1200">
+                <a:solidFill>
+                  <a:schemeClr val="tx2"/>
+                </a:solidFill>
+                <a:latin typeface="+mn-lt"/>
+                <a:ea typeface="+mn-ea"/>
+                <a:cs typeface="+mn-cs"/>
+              </a:defRPr>
+            </a:lvl7pPr>
+            <a:lvl8pPr marL="1920240" indent="-228600" algn="l" defTabSz="914400" rtl="0" eaLnBrk="1" latinLnBrk="0" hangingPunct="1">
+              <a:spcBef>
+                <a:spcPct val="20000"/>
+              </a:spcBef>
+              <a:buClr>
+                <a:schemeClr val="accent1"/>
+              </a:buClr>
+              <a:buSzPct val="76000"/>
+              <a:buFont typeface="Wingdings 2" pitchFamily="18" charset="2"/>
+              <a:buChar char=""/>
+              <a:defRPr sz="1400" kern="1200">
+                <a:solidFill>
+                  <a:schemeClr val="tx2"/>
+                </a:solidFill>
+                <a:latin typeface="+mn-lt"/>
+                <a:ea typeface="+mn-ea"/>
+                <a:cs typeface="+mn-cs"/>
+              </a:defRPr>
+            </a:lvl8pPr>
+            <a:lvl9pPr marL="2121408" indent="-228600" algn="l" defTabSz="914400" rtl="0" eaLnBrk="1" latinLnBrk="0" hangingPunct="1">
+              <a:spcBef>
+                <a:spcPct val="20000"/>
+              </a:spcBef>
+              <a:buClr>
+                <a:schemeClr val="accent1"/>
+              </a:buClr>
+              <a:buSzPct val="76000"/>
+              <a:buFont typeface="Wingdings 2" pitchFamily="18" charset="2"/>
+              <a:buChar char=""/>
+              <a:defRPr sz="1400" kern="1200">
+                <a:solidFill>
+                  <a:schemeClr val="tx2"/>
+                </a:solidFill>
+                <a:latin typeface="+mn-lt"/>
+                <a:ea typeface="+mn-ea"/>
+                <a:cs typeface="+mn-cs"/>
+              </a:defRPr>
+            </a:lvl9pPr>
+          </a:lstStyle>
+          <a:p>
+            <a:r>
+              <a:rPr lang="en-US" altLang="zh-CN" sz="1400" dirty="0" err="1"/>
+              <a:t>int</a:t>
+            </a:r>
+            <a:r>
+              <a:rPr lang="en-US" altLang="zh-CN" sz="1400" dirty="0"/>
+              <a:t> avcodec_decode_video2(</a:t>
+            </a:r>
+            <a:r>
+              <a:rPr lang="en-US" altLang="zh-CN" sz="1400" dirty="0" err="1"/>
+              <a:t>AVCodecContext</a:t>
+            </a:r>
+            <a:r>
+              <a:rPr lang="en-US" altLang="zh-CN" sz="1400" dirty="0"/>
+              <a:t> *</a:t>
+            </a:r>
+            <a:r>
+              <a:rPr lang="en-US" altLang="zh-CN" sz="1400" dirty="0" err="1"/>
+              <a:t>avctx</a:t>
+            </a:r>
+            <a:r>
+              <a:rPr lang="en-US" altLang="zh-CN" sz="1400" dirty="0"/>
+              <a:t>, </a:t>
+            </a:r>
+            <a:r>
+              <a:rPr lang="en-US" altLang="zh-CN" sz="1400" dirty="0" err="1"/>
+              <a:t>AVFrame</a:t>
+            </a:r>
+            <a:r>
+              <a:rPr lang="en-US" altLang="zh-CN" sz="1400" dirty="0"/>
+              <a:t> *picture,</a:t>
+            </a:r>
+          </a:p>
+          <a:p>
+            <a:pPr marL="68580" indent="0">
+              <a:buNone/>
+            </a:pPr>
+            <a:r>
+              <a:rPr lang="en-US" altLang="zh-CN" sz="1400" dirty="0" err="1" smtClean="0"/>
+              <a:t>int</a:t>
+            </a:r>
+            <a:r>
+              <a:rPr lang="en-US" altLang="zh-CN" sz="1400" dirty="0" smtClean="0"/>
+              <a:t> </a:t>
+            </a:r>
+            <a:r>
+              <a:rPr lang="en-US" altLang="zh-CN" sz="1400" dirty="0"/>
+              <a:t>*</a:t>
+            </a:r>
+            <a:r>
+              <a:rPr lang="en-US" altLang="zh-CN" sz="1400" dirty="0" err="1" smtClean="0"/>
+              <a:t>got_picture_ptr</a:t>
+            </a:r>
+            <a:r>
+              <a:rPr lang="en-US" altLang="zh-CN" sz="1400" dirty="0" smtClean="0"/>
+              <a:t>, </a:t>
+            </a:r>
+            <a:r>
+              <a:rPr lang="en-US" altLang="zh-CN" sz="1400" dirty="0" err="1" smtClean="0"/>
+              <a:t>const</a:t>
+            </a:r>
+            <a:r>
+              <a:rPr lang="en-US" altLang="zh-CN" sz="1400" dirty="0" smtClean="0"/>
+              <a:t> </a:t>
+            </a:r>
+            <a:r>
+              <a:rPr lang="en-US" altLang="zh-CN" sz="1400" dirty="0" err="1"/>
+              <a:t>AVPacket</a:t>
+            </a:r>
+            <a:r>
+              <a:rPr lang="en-US" altLang="zh-CN" sz="1400" dirty="0"/>
+              <a:t> *</a:t>
+            </a:r>
+            <a:r>
+              <a:rPr lang="en-US" altLang="zh-CN" sz="1400" dirty="0" err="1"/>
+              <a:t>avpkt</a:t>
+            </a:r>
+            <a:r>
+              <a:rPr lang="en-US" altLang="zh-CN" sz="1400" dirty="0" smtClean="0"/>
+              <a:t>);</a:t>
+            </a:r>
+          </a:p>
+          <a:p>
+            <a:pPr marL="68580" indent="0">
+              <a:buNone/>
+            </a:pPr>
+            <a:endParaRPr lang="en-US" altLang="zh-CN" sz="1400" dirty="0" smtClean="0"/>
+          </a:p>
+          <a:p>
+            <a:pPr marL="68580" indent="0">
+              <a:buNone/>
+            </a:pPr>
+            <a:r>
+              <a:rPr lang="zh-CN" altLang="en-US" sz="1400" dirty="0" smtClean="0"/>
+              <a:t>这个</a:t>
+            </a:r>
+            <a:r>
+              <a:rPr lang="zh-CN" altLang="en-US" sz="1400" dirty="0"/>
+              <a:t>函数</a:t>
+            </a:r>
+            <a:r>
+              <a:rPr lang="zh-CN" altLang="en-US" sz="1400" dirty="0" smtClean="0"/>
+              <a:t>用于解码视频</a:t>
+            </a:r>
+            <a:endParaRPr lang="en-US" altLang="zh-CN" sz="1400" dirty="0" smtClean="0"/>
+          </a:p>
+          <a:p>
+            <a:pPr marL="68580" indent="0">
+              <a:buNone/>
+            </a:pPr>
+            <a:endParaRPr lang="en-US" altLang="zh-CN" sz="1400" dirty="0"/>
+          </a:p>
+          <a:p>
+            <a:r>
+              <a:rPr lang="en-US" altLang="zh-CN" sz="1400" dirty="0" err="1"/>
+              <a:t>int</a:t>
+            </a:r>
+            <a:r>
+              <a:rPr lang="en-US" altLang="zh-CN" sz="1400" dirty="0"/>
+              <a:t> avcodec_decode_audio4(</a:t>
+            </a:r>
+            <a:r>
+              <a:rPr lang="en-US" altLang="zh-CN" sz="1400" dirty="0" err="1"/>
+              <a:t>AVCodecContext</a:t>
+            </a:r>
+            <a:r>
+              <a:rPr lang="en-US" altLang="zh-CN" sz="1400" dirty="0"/>
+              <a:t> *</a:t>
+            </a:r>
+            <a:r>
+              <a:rPr lang="en-US" altLang="zh-CN" sz="1400" dirty="0" err="1"/>
+              <a:t>avctx</a:t>
+            </a:r>
+            <a:r>
+              <a:rPr lang="en-US" altLang="zh-CN" sz="1400" dirty="0"/>
+              <a:t>, </a:t>
+            </a:r>
+            <a:r>
+              <a:rPr lang="en-US" altLang="zh-CN" sz="1400" dirty="0" err="1"/>
+              <a:t>AVFrame</a:t>
+            </a:r>
+            <a:r>
+              <a:rPr lang="en-US" altLang="zh-CN" sz="1400" dirty="0"/>
+              <a:t> *frame,</a:t>
+            </a:r>
+          </a:p>
+          <a:p>
+            <a:pPr marL="68580" indent="0">
+              <a:buNone/>
+            </a:pPr>
+            <a:r>
+              <a:rPr lang="en-US" altLang="zh-CN" sz="1400" dirty="0" err="1" smtClean="0"/>
+              <a:t>int</a:t>
+            </a:r>
+            <a:r>
+              <a:rPr lang="en-US" altLang="zh-CN" sz="1400" dirty="0" smtClean="0"/>
+              <a:t> </a:t>
+            </a:r>
+            <a:r>
+              <a:rPr lang="en-US" altLang="zh-CN" sz="1400" dirty="0"/>
+              <a:t>*</a:t>
+            </a:r>
+            <a:r>
+              <a:rPr lang="en-US" altLang="zh-CN" sz="1400" dirty="0" err="1"/>
+              <a:t>got_frame_ptr</a:t>
+            </a:r>
+            <a:r>
+              <a:rPr lang="en-US" altLang="zh-CN" sz="1400" dirty="0"/>
+              <a:t>, </a:t>
+            </a:r>
+            <a:r>
+              <a:rPr lang="en-US" altLang="zh-CN" sz="1400" dirty="0" err="1"/>
+              <a:t>const</a:t>
+            </a:r>
+            <a:r>
+              <a:rPr lang="en-US" altLang="zh-CN" sz="1400" dirty="0"/>
+              <a:t> </a:t>
+            </a:r>
+            <a:r>
+              <a:rPr lang="en-US" altLang="zh-CN" sz="1400" dirty="0" err="1"/>
+              <a:t>AVPacket</a:t>
+            </a:r>
+            <a:r>
+              <a:rPr lang="en-US" altLang="zh-CN" sz="1400" dirty="0"/>
+              <a:t> *</a:t>
+            </a:r>
+            <a:r>
+              <a:rPr lang="en-US" altLang="zh-CN" sz="1400" dirty="0" err="1"/>
+              <a:t>avpkt</a:t>
+            </a:r>
+            <a:r>
+              <a:rPr lang="en-US" altLang="zh-CN" sz="1400" dirty="0" smtClean="0"/>
+              <a:t>);</a:t>
+            </a:r>
+          </a:p>
+          <a:p>
+            <a:pPr marL="68580" indent="0">
+              <a:buNone/>
+            </a:pPr>
+            <a:endParaRPr lang="en-US" altLang="zh-CN" sz="1400" dirty="0"/>
+          </a:p>
+          <a:p>
+            <a:pPr marL="68580" indent="0">
+              <a:buNone/>
+            </a:pPr>
+            <a:r>
+              <a:rPr lang="zh-CN" altLang="en-US" sz="1400" dirty="0" smtClean="0"/>
+              <a:t>这个函数用于解码音频</a:t>
+            </a:r>
+            <a:endParaRPr lang="en-US" altLang="zh-CN" sz="1400" dirty="0" smtClean="0"/>
+          </a:p>
+          <a:p>
+            <a:pPr marL="68580" indent="0">
+              <a:buNone/>
+            </a:pPr>
+            <a:endParaRPr lang="zh-CN" altLang="en-US" sz="1400" dirty="0"/>
+          </a:p>
+        </p:txBody>
+      </p:sp>
+    </p:spTree>
+    <p:extLst>
+      <p:ext uri="{BB962C8B-B14F-4D97-AF65-F5344CB8AC3E}">
+        <p14:creationId xmlns:p14="http://schemas.microsoft.com/office/powerpoint/2010/main" val="1491655054"/>
+      </p:ext>
+    </p:extLst>
+  </p:cSld>
+  <p:clrMapOvr>
+    <a:masterClrMapping/>
+  </p:clrMapOvr>
+  <p:transition spd="slow">
+    <p:pull/>
+  </p:transition>
+  <p:timing>
+    <p:tnLst>
+      <p:par>
+        <p:cTn id="1" dur="indefinite" restart="never" nodeType="tmRoot"/>
+      </p:par>
+    </p:tnLst>
+  </p:timing>
+</p:sld>
+</file>
+
+<file path=ppt/slides/slide58.xml><?xml version="1.0" encoding="utf-8"?>
+<p:sld xmlns:a="http://schemas.openxmlformats.org/drawingml/2006/main" xmlns:r="http://schemas.openxmlformats.org/officeDocument/2006/relationships" xmlns:p="http://schemas.openxmlformats.org/presentationml/2006/main">
+  <p:cSld>
+    <p:spTree>
+      <p:nvGrpSpPr>
+        <p:cNvPr id="1" name=""/>
+        <p:cNvGrpSpPr/>
+        <p:nvPr/>
+      </p:nvGrpSpPr>
+      <p:grpSpPr>
+        <a:xfrm>
+          <a:off x="0" y="0"/>
+          <a:ext cx="0" cy="0"/>
+          <a:chOff x="0" y="0"/>
+          <a:chExt cx="0" cy="0"/>
+        </a:xfrm>
+      </p:grpSpPr>
+      <p:sp>
+        <p:nvSpPr>
+          <p:cNvPr id="2" name="标题 1"/>
+          <p:cNvSpPr>
+            <a:spLocks noGrp="1"/>
+          </p:cNvSpPr>
+          <p:nvPr>
+            <p:ph type="title"/>
+          </p:nvPr>
+        </p:nvSpPr>
+        <p:spPr/>
+        <p:txBody>
+          <a:bodyPr/>
+          <a:lstStyle/>
+          <a:p>
+            <a:r>
+              <a:rPr lang="en-US" altLang="zh-CN" dirty="0" err="1"/>
+              <a:t>libplayer</a:t>
+            </a:r>
+            <a:r>
+              <a:rPr lang="en-US" altLang="zh-CN" dirty="0"/>
+              <a:t> architecture</a:t>
+            </a:r>
+            <a:endParaRPr lang="zh-CN" altLang="en-US" dirty="0"/>
+          </a:p>
+        </p:txBody>
+      </p:sp>
+      <p:sp>
+        <p:nvSpPr>
+          <p:cNvPr id="3" name="日期占位符 2"/>
+          <p:cNvSpPr>
+            <a:spLocks noGrp="1"/>
+          </p:cNvSpPr>
+          <p:nvPr>
+            <p:ph type="dt" sz="half" idx="10"/>
+          </p:nvPr>
+        </p:nvSpPr>
+        <p:spPr/>
+        <p:txBody>
+          <a:bodyPr/>
+          <a:lstStyle/>
+          <a:p>
+            <a:fld id="{E3127EC2-47FB-48A1-8644-C8A81DDAA119}" type="datetime4">
+              <a:rPr lang="en-US" smtClean="0"/>
+              <a:pPr/>
+              <a:t>April 20, 2015</a:t>
+            </a:fld>
+            <a:endParaRPr lang="en-US"/>
+          </a:p>
+        </p:txBody>
+      </p:sp>
+      <p:sp>
+        <p:nvSpPr>
+          <p:cNvPr id="4" name="页脚占位符 3"/>
+          <p:cNvSpPr>
+            <a:spLocks noGrp="1"/>
+          </p:cNvSpPr>
+          <p:nvPr>
+            <p:ph type="ftr" sz="quarter" idx="11"/>
+          </p:nvPr>
+        </p:nvSpPr>
+        <p:spPr/>
+        <p:txBody>
+          <a:bodyPr/>
+          <a:lstStyle/>
+          <a:p>
+            <a:endParaRPr lang="en-US" dirty="0"/>
+          </a:p>
+        </p:txBody>
+      </p:sp>
+      <p:sp>
+        <p:nvSpPr>
+          <p:cNvPr id="5" name="灯片编号占位符 4"/>
+          <p:cNvSpPr>
+            <a:spLocks noGrp="1"/>
+          </p:cNvSpPr>
+          <p:nvPr>
+            <p:ph type="sldNum" sz="quarter" idx="12"/>
+          </p:nvPr>
+        </p:nvSpPr>
+        <p:spPr/>
+        <p:txBody>
+          <a:bodyPr/>
+          <a:lstStyle/>
+          <a:p>
+            <a:fld id="{8B37D5FE-740C-46F5-801A-FA5477D9711F}" type="slidenum">
+              <a:rPr lang="en-US" smtClean="0"/>
+              <a:pPr/>
+              <a:t>58</a:t>
             </a:fld>
             <a:endParaRPr lang="en-US"/>
           </a:p>
@@ -40179,7 +44651,7 @@
 </p:sld>
 </file>
 
-<file path=ppt/slides/slide54.xml><?xml version="1.0" encoding="utf-8"?>
+<file path=ppt/slides/slide59.xml><?xml version="1.0" encoding="utf-8"?>
 <p:sld xmlns:a="http://schemas.openxmlformats.org/drawingml/2006/main" xmlns:r="http://schemas.openxmlformats.org/officeDocument/2006/relationships" xmlns:p="http://schemas.openxmlformats.org/presentationml/2006/main">
   <p:cSld>
     <p:spTree>
@@ -40246,7 +44718,7 @@
             <a:fld id="{E3127EC2-47FB-48A1-8644-C8A81DDAA119}" type="datetime4">
               <a:rPr lang="en-US" smtClean="0"/>
               <a:pPr/>
-              <a:t>April 16, 2015</a:t>
+              <a:t>April 20, 2015</a:t>
             </a:fld>
             <a:endParaRPr lang="en-US"/>
           </a:p>
@@ -40289,7 +44761,7 @@
             <a:fld id="{8B37D5FE-740C-46F5-801A-FA5477D9711F}" type="slidenum">
               <a:rPr lang="en-US" smtClean="0"/>
               <a:pPr/>
-              <a:t>54</a:t>
+              <a:t>59</a:t>
             </a:fld>
             <a:endParaRPr lang="en-US"/>
           </a:p>
@@ -40348,7 +44820,964 @@
 </p:sld>
 </file>
 
-<file path=ppt/slides/slide55.xml><?xml version="1.0" encoding="utf-8"?>
+<file path=ppt/slides/slide6.xml><?xml version="1.0" encoding="utf-8"?>
+<p:sld xmlns:a="http://schemas.openxmlformats.org/drawingml/2006/main" xmlns:r="http://schemas.openxmlformats.org/officeDocument/2006/relationships" xmlns:p="http://schemas.openxmlformats.org/presentationml/2006/main">
+  <p:cSld>
+    <p:spTree>
+      <p:nvGrpSpPr>
+        <p:cNvPr id="1" name=""/>
+        <p:cNvGrpSpPr/>
+        <p:nvPr/>
+      </p:nvGrpSpPr>
+      <p:grpSpPr>
+        <a:xfrm>
+          <a:off x="0" y="0"/>
+          <a:ext cx="0" cy="0"/>
+          <a:chOff x="0" y="0"/>
+          <a:chExt cx="0" cy="0"/>
+        </a:xfrm>
+      </p:grpSpPr>
+      <p:sp>
+        <p:nvSpPr>
+          <p:cNvPr id="2" name="标题 1"/>
+          <p:cNvSpPr>
+            <a:spLocks noGrp="1"/>
+          </p:cNvSpPr>
+          <p:nvPr>
+            <p:ph type="title"/>
+          </p:nvPr>
+        </p:nvSpPr>
+        <p:spPr>
+          <a:xfrm>
+            <a:off x="1475656" y="332656"/>
+            <a:ext cx="6736712" cy="854968"/>
+          </a:xfrm>
+        </p:spPr>
+        <p:txBody>
+          <a:bodyPr/>
+          <a:lstStyle/>
+          <a:p>
+            <a:r>
+              <a:rPr lang="en-US" altLang="zh-CN" dirty="0" smtClean="0"/>
+              <a:t>Audio/video codec</a:t>
+            </a:r>
+            <a:endParaRPr lang="zh-CN" altLang="en-US" dirty="0"/>
+          </a:p>
+        </p:txBody>
+      </p:sp>
+      <p:sp>
+        <p:nvSpPr>
+          <p:cNvPr id="3" name="日期占位符 2"/>
+          <p:cNvSpPr>
+            <a:spLocks noGrp="1"/>
+          </p:cNvSpPr>
+          <p:nvPr>
+            <p:ph type="dt" sz="half" idx="10"/>
+          </p:nvPr>
+        </p:nvSpPr>
+        <p:spPr/>
+        <p:txBody>
+          <a:bodyPr/>
+          <a:lstStyle/>
+          <a:p>
+            <a:fld id="{E3127EC2-47FB-48A1-8644-C8A81DDAA119}" type="datetime4">
+              <a:rPr lang="en-US" smtClean="0"/>
+              <a:pPr/>
+              <a:t>April 20, 2015</a:t>
+            </a:fld>
+            <a:endParaRPr lang="en-US"/>
+          </a:p>
+        </p:txBody>
+      </p:sp>
+      <p:sp>
+        <p:nvSpPr>
+          <p:cNvPr id="4" name="页脚占位符 3"/>
+          <p:cNvSpPr>
+            <a:spLocks noGrp="1"/>
+          </p:cNvSpPr>
+          <p:nvPr>
+            <p:ph type="ftr" sz="quarter" idx="11"/>
+          </p:nvPr>
+        </p:nvSpPr>
+        <p:spPr/>
+        <p:txBody>
+          <a:bodyPr/>
+          <a:lstStyle/>
+          <a:p>
+            <a:endParaRPr lang="en-US" dirty="0"/>
+          </a:p>
+        </p:txBody>
+      </p:sp>
+      <p:sp>
+        <p:nvSpPr>
+          <p:cNvPr id="5" name="灯片编号占位符 4"/>
+          <p:cNvSpPr>
+            <a:spLocks noGrp="1"/>
+          </p:cNvSpPr>
+          <p:nvPr>
+            <p:ph type="sldNum" sz="quarter" idx="12"/>
+          </p:nvPr>
+        </p:nvSpPr>
+        <p:spPr/>
+        <p:txBody>
+          <a:bodyPr/>
+          <a:lstStyle/>
+          <a:p>
+            <a:fld id="{8B37D5FE-740C-46F5-801A-FA5477D9711F}" type="slidenum">
+              <a:rPr lang="en-US" smtClean="0"/>
+              <a:pPr/>
+              <a:t>6</a:t>
+            </a:fld>
+            <a:endParaRPr lang="en-US"/>
+          </a:p>
+        </p:txBody>
+      </p:sp>
+      <p:sp>
+        <p:nvSpPr>
+          <p:cNvPr id="7" name="标题 1"/>
+          <p:cNvSpPr txBox="1">
+            <a:spLocks/>
+          </p:cNvSpPr>
+          <p:nvPr/>
+        </p:nvSpPr>
+        <p:spPr>
+          <a:xfrm>
+            <a:off x="2195736" y="1280716"/>
+            <a:ext cx="4320480" cy="566936"/>
+          </a:xfrm>
+          <a:prstGeom prst="rect">
+            <a:avLst/>
+          </a:prstGeom>
+        </p:spPr>
+        <p:txBody>
+          <a:bodyPr vert="horz" lIns="91440" tIns="45720" rIns="91440" bIns="45720" rtlCol="0" anchor="b">
+            <a:normAutofit/>
+          </a:bodyPr>
+          <a:lstStyle>
+            <a:lvl1pPr algn="l" defTabSz="914400" rtl="0" eaLnBrk="1" latinLnBrk="0" hangingPunct="1">
+              <a:spcBef>
+                <a:spcPct val="0"/>
+              </a:spcBef>
+              <a:buNone/>
+              <a:defRPr sz="4000" kern="1200">
+                <a:solidFill>
+                  <a:schemeClr val="accent1"/>
+                </a:solidFill>
+                <a:latin typeface="+mj-lt"/>
+                <a:ea typeface="+mj-ea"/>
+                <a:cs typeface="+mj-cs"/>
+              </a:defRPr>
+            </a:lvl1pPr>
+            <a:lvl2pPr eaLnBrk="1" hangingPunct="1">
+              <a:defRPr>
+                <a:solidFill>
+                  <a:schemeClr val="tx2"/>
+                </a:solidFill>
+              </a:defRPr>
+            </a:lvl2pPr>
+            <a:lvl3pPr eaLnBrk="1" hangingPunct="1">
+              <a:defRPr>
+                <a:solidFill>
+                  <a:schemeClr val="tx2"/>
+                </a:solidFill>
+              </a:defRPr>
+            </a:lvl3pPr>
+            <a:lvl4pPr eaLnBrk="1" hangingPunct="1">
+              <a:defRPr>
+                <a:solidFill>
+                  <a:schemeClr val="tx2"/>
+                </a:solidFill>
+              </a:defRPr>
+            </a:lvl4pPr>
+            <a:lvl5pPr eaLnBrk="1" hangingPunct="1">
+              <a:defRPr>
+                <a:solidFill>
+                  <a:schemeClr val="tx2"/>
+                </a:solidFill>
+              </a:defRPr>
+            </a:lvl5pPr>
+            <a:lvl6pPr eaLnBrk="1" hangingPunct="1">
+              <a:defRPr>
+                <a:solidFill>
+                  <a:schemeClr val="tx2"/>
+                </a:solidFill>
+              </a:defRPr>
+            </a:lvl6pPr>
+            <a:lvl7pPr eaLnBrk="1" hangingPunct="1">
+              <a:defRPr>
+                <a:solidFill>
+                  <a:schemeClr val="tx2"/>
+                </a:solidFill>
+              </a:defRPr>
+            </a:lvl7pPr>
+            <a:lvl8pPr eaLnBrk="1" hangingPunct="1">
+              <a:defRPr>
+                <a:solidFill>
+                  <a:schemeClr val="tx2"/>
+                </a:solidFill>
+              </a:defRPr>
+            </a:lvl8pPr>
+            <a:lvl9pPr eaLnBrk="1" hangingPunct="1">
+              <a:defRPr>
+                <a:solidFill>
+                  <a:schemeClr val="tx2"/>
+                </a:solidFill>
+              </a:defRPr>
+            </a:lvl9pPr>
+          </a:lstStyle>
+          <a:p>
+            <a:r>
+              <a:rPr lang="en-US" altLang="zh-CN" sz="2800" dirty="0" smtClean="0">
+                <a:solidFill>
+                  <a:srgbClr val="FF0000"/>
+                </a:solidFill>
+              </a:rPr>
+              <a:t>RGB565 </a:t>
+            </a:r>
+            <a:r>
+              <a:rPr lang="en-US" altLang="zh-CN" sz="2800" dirty="0" smtClean="0">
+                <a:solidFill>
+                  <a:schemeClr val="bg2">
+                    <a:lumMod val="75000"/>
+                  </a:schemeClr>
+                </a:solidFill>
+              </a:rPr>
+              <a:t>and</a:t>
+            </a:r>
+            <a:r>
+              <a:rPr lang="en-US" altLang="zh-CN" sz="2800" dirty="0" smtClean="0">
+                <a:solidFill>
+                  <a:srgbClr val="FF0000"/>
+                </a:solidFill>
+              </a:rPr>
+              <a:t> </a:t>
+            </a:r>
+            <a:r>
+              <a:rPr lang="en-US" altLang="zh-CN" sz="2800" dirty="0" smtClean="0">
+                <a:solidFill>
+                  <a:srgbClr val="002060"/>
+                </a:solidFill>
+              </a:rPr>
+              <a:t>RGB24</a:t>
+            </a:r>
+            <a:endParaRPr lang="zh-CN" altLang="en-US" sz="2800" dirty="0">
+              <a:solidFill>
+                <a:srgbClr val="002060"/>
+              </a:solidFill>
+            </a:endParaRPr>
+          </a:p>
+        </p:txBody>
+      </p:sp>
+      <p:sp>
+        <p:nvSpPr>
+          <p:cNvPr id="8" name="矩形 7"/>
+          <p:cNvSpPr/>
+          <p:nvPr/>
+        </p:nvSpPr>
+        <p:spPr>
+          <a:xfrm>
+            <a:off x="827584" y="1916832"/>
+            <a:ext cx="7344816" cy="3139321"/>
+          </a:xfrm>
+          <a:prstGeom prst="rect">
+            <a:avLst/>
+          </a:prstGeom>
+        </p:spPr>
+        <p:txBody>
+          <a:bodyPr wrap="square">
+            <a:spAutoFit/>
+          </a:bodyPr>
+          <a:lstStyle/>
+          <a:p>
+            <a:r>
+              <a:rPr lang="en-US" altLang="zh-CN" dirty="0">
+                <a:solidFill>
+                  <a:srgbClr val="FF0000"/>
+                </a:solidFill>
+              </a:rPr>
+              <a:t>R</a:t>
+            </a:r>
+            <a:r>
+              <a:rPr lang="en-US" altLang="zh-CN" dirty="0" smtClean="0">
+                <a:solidFill>
+                  <a:srgbClr val="FF0000"/>
+                </a:solidFill>
+              </a:rPr>
+              <a:t>GB565</a:t>
+            </a:r>
+            <a:r>
+              <a:rPr lang="zh-CN" altLang="en-US" dirty="0">
+                <a:solidFill>
+                  <a:srgbClr val="FF0000"/>
+                </a:solidFill>
+              </a:rPr>
+              <a:t>使用</a:t>
+            </a:r>
+            <a:r>
+              <a:rPr lang="en-US" altLang="zh-CN" dirty="0">
+                <a:solidFill>
+                  <a:srgbClr val="FF0000"/>
+                </a:solidFill>
+              </a:rPr>
+              <a:t>16</a:t>
+            </a:r>
+            <a:r>
+              <a:rPr lang="zh-CN" altLang="en-US" dirty="0">
+                <a:solidFill>
+                  <a:srgbClr val="FF0000"/>
+                </a:solidFill>
+              </a:rPr>
+              <a:t>位表示一个</a:t>
+            </a:r>
+            <a:r>
+              <a:rPr lang="zh-CN" altLang="en-US" dirty="0" smtClean="0">
+                <a:solidFill>
+                  <a:srgbClr val="FF0000"/>
+                </a:solidFill>
+              </a:rPr>
+              <a:t>像素</a:t>
+            </a:r>
+            <a:endParaRPr lang="en-US" altLang="zh-CN" dirty="0" smtClean="0">
+              <a:solidFill>
+                <a:srgbClr val="FF0000"/>
+              </a:solidFill>
+            </a:endParaRPr>
+          </a:p>
+          <a:p>
+            <a:r>
+              <a:rPr lang="zh-CN" altLang="en-US" dirty="0" smtClean="0">
+                <a:solidFill>
+                  <a:srgbClr val="FF0000"/>
+                </a:solidFill>
+              </a:rPr>
+              <a:t>这</a:t>
+            </a:r>
+            <a:r>
+              <a:rPr lang="en-US" altLang="zh-CN" dirty="0">
+                <a:solidFill>
+                  <a:srgbClr val="FF0000"/>
+                </a:solidFill>
+              </a:rPr>
+              <a:t>16</a:t>
+            </a:r>
+            <a:r>
+              <a:rPr lang="zh-CN" altLang="en-US" dirty="0">
+                <a:solidFill>
+                  <a:srgbClr val="FF0000"/>
+                </a:solidFill>
+              </a:rPr>
+              <a:t>位中的</a:t>
+            </a:r>
+            <a:r>
+              <a:rPr lang="en-US" altLang="zh-CN" dirty="0">
+                <a:solidFill>
+                  <a:srgbClr val="FF0000"/>
+                </a:solidFill>
+              </a:rPr>
+              <a:t>5</a:t>
+            </a:r>
+            <a:r>
+              <a:rPr lang="zh-CN" altLang="en-US" dirty="0">
+                <a:solidFill>
+                  <a:srgbClr val="FF0000"/>
+                </a:solidFill>
+              </a:rPr>
+              <a:t>位用于</a:t>
+            </a:r>
+            <a:r>
+              <a:rPr lang="en-US" altLang="zh-CN" dirty="0">
+                <a:solidFill>
+                  <a:srgbClr val="FF0000"/>
+                </a:solidFill>
+              </a:rPr>
+              <a:t>R</a:t>
+            </a:r>
+            <a:r>
+              <a:rPr lang="zh-CN" altLang="en-US" dirty="0">
+                <a:solidFill>
+                  <a:srgbClr val="FF0000"/>
+                </a:solidFill>
+              </a:rPr>
+              <a:t>，</a:t>
+            </a:r>
+            <a:r>
+              <a:rPr lang="en-US" altLang="zh-CN" dirty="0">
+                <a:solidFill>
+                  <a:srgbClr val="FF0000"/>
+                </a:solidFill>
+              </a:rPr>
+              <a:t>6</a:t>
+            </a:r>
+            <a:r>
+              <a:rPr lang="zh-CN" altLang="en-US" dirty="0">
+                <a:solidFill>
+                  <a:srgbClr val="FF0000"/>
+                </a:solidFill>
+              </a:rPr>
+              <a:t>位用于</a:t>
+            </a:r>
+            <a:r>
+              <a:rPr lang="en-US" altLang="zh-CN" dirty="0">
+                <a:solidFill>
+                  <a:srgbClr val="FF0000"/>
+                </a:solidFill>
+              </a:rPr>
+              <a:t>G</a:t>
+            </a:r>
+            <a:r>
+              <a:rPr lang="zh-CN" altLang="en-US" dirty="0">
+                <a:solidFill>
+                  <a:srgbClr val="FF0000"/>
+                </a:solidFill>
+              </a:rPr>
+              <a:t>，</a:t>
+            </a:r>
+            <a:r>
+              <a:rPr lang="en-US" altLang="zh-CN" dirty="0">
+                <a:solidFill>
+                  <a:srgbClr val="FF0000"/>
+                </a:solidFill>
+              </a:rPr>
+              <a:t>5</a:t>
+            </a:r>
+            <a:r>
+              <a:rPr lang="zh-CN" altLang="en-US" dirty="0">
+                <a:solidFill>
+                  <a:srgbClr val="FF0000"/>
+                </a:solidFill>
+              </a:rPr>
+              <a:t>位用于</a:t>
+            </a:r>
+            <a:r>
+              <a:rPr lang="en-US" altLang="zh-CN" dirty="0">
+                <a:solidFill>
+                  <a:srgbClr val="FF0000"/>
+                </a:solidFill>
+              </a:rPr>
+              <a:t>B</a:t>
+            </a:r>
+            <a:r>
+              <a:rPr lang="zh-CN" altLang="en-US" dirty="0">
+                <a:solidFill>
+                  <a:srgbClr val="FF0000"/>
+                </a:solidFill>
+              </a:rPr>
+              <a:t>。程序中通常使用一个字（</a:t>
+            </a:r>
+            <a:r>
+              <a:rPr lang="en-US" altLang="zh-CN" dirty="0">
+                <a:solidFill>
+                  <a:srgbClr val="FF0000"/>
+                </a:solidFill>
+              </a:rPr>
+              <a:t>WORD</a:t>
+            </a:r>
+            <a:r>
+              <a:rPr lang="zh-CN" altLang="en-US" dirty="0">
+                <a:solidFill>
+                  <a:srgbClr val="FF0000"/>
+                </a:solidFill>
+              </a:rPr>
+              <a:t>，一个字等于两个</a:t>
+            </a:r>
+            <a:r>
+              <a:rPr lang="zh-CN" altLang="en-US" dirty="0" smtClean="0">
+                <a:solidFill>
+                  <a:srgbClr val="FF0000"/>
+                </a:solidFill>
+              </a:rPr>
+              <a:t>字节</a:t>
+            </a:r>
+            <a:r>
+              <a:rPr lang="zh-CN" altLang="en-US" dirty="0">
+                <a:solidFill>
+                  <a:srgbClr val="FF0000"/>
+                </a:solidFill>
+              </a:rPr>
+              <a:t>）来操作一个像素。当读出一个像素后，这个字的各个位意义如下：</a:t>
+            </a:r>
+            <a:br>
+              <a:rPr lang="zh-CN" altLang="en-US" dirty="0">
+                <a:solidFill>
+                  <a:srgbClr val="FF0000"/>
+                </a:solidFill>
+              </a:rPr>
+            </a:br>
+            <a:r>
+              <a:rPr lang="zh-CN" altLang="en-US" dirty="0">
+                <a:solidFill>
+                  <a:srgbClr val="FF0000"/>
+                </a:solidFill>
+              </a:rPr>
+              <a:t>     </a:t>
+            </a:r>
+            <a:r>
+              <a:rPr lang="zh-CN" altLang="en-US" dirty="0" smtClean="0">
+                <a:solidFill>
+                  <a:srgbClr val="FF0000"/>
+                </a:solidFill>
+              </a:rPr>
+              <a:t> 高字节</a:t>
+            </a:r>
+            <a:r>
+              <a:rPr lang="en-US" altLang="zh-CN" dirty="0" smtClean="0">
+                <a:solidFill>
+                  <a:srgbClr val="FF0000"/>
+                </a:solidFill>
+              </a:rPr>
+              <a:t>MSB</a:t>
+            </a:r>
+            <a:r>
+              <a:rPr lang="zh-CN" altLang="en-US" dirty="0">
+                <a:solidFill>
+                  <a:srgbClr val="FF0000"/>
+                </a:solidFill>
+              </a:rPr>
+              <a:t>            </a:t>
+            </a:r>
+            <a:r>
+              <a:rPr lang="zh-CN" altLang="en-US" dirty="0" smtClean="0">
+                <a:solidFill>
+                  <a:srgbClr val="FF0000"/>
+                </a:solidFill>
+              </a:rPr>
+              <a:t> </a:t>
+            </a:r>
+            <a:r>
+              <a:rPr lang="zh-CN" altLang="en-US" dirty="0">
+                <a:solidFill>
+                  <a:srgbClr val="FF0000"/>
+                </a:solidFill>
+              </a:rPr>
+              <a:t> </a:t>
+            </a:r>
+            <a:r>
+              <a:rPr lang="zh-CN" altLang="en-US" dirty="0" smtClean="0">
+                <a:solidFill>
+                  <a:srgbClr val="FF0000"/>
+                </a:solidFill>
+              </a:rPr>
+              <a:t>低字节</a:t>
+            </a:r>
+            <a:r>
+              <a:rPr lang="en-US" altLang="zh-CN" dirty="0" smtClean="0">
+                <a:solidFill>
+                  <a:srgbClr val="FF0000"/>
+                </a:solidFill>
+              </a:rPr>
+              <a:t>LSB</a:t>
+            </a:r>
+            <a:r>
+              <a:rPr lang="zh-CN" altLang="en-US" dirty="0">
+                <a:solidFill>
+                  <a:srgbClr val="FF0000"/>
+                </a:solidFill>
+              </a:rPr>
+              <a:t/>
+            </a:r>
+            <a:br>
+              <a:rPr lang="zh-CN" altLang="en-US" dirty="0">
+                <a:solidFill>
+                  <a:srgbClr val="FF0000"/>
+                </a:solidFill>
+              </a:rPr>
+            </a:br>
+            <a:r>
+              <a:rPr lang="en-US" altLang="zh-CN" dirty="0">
+                <a:solidFill>
+                  <a:srgbClr val="FF0000"/>
+                </a:solidFill>
+              </a:rPr>
+              <a:t>R </a:t>
+            </a:r>
+            <a:r>
+              <a:rPr lang="en-US" altLang="zh-CN" dirty="0" err="1">
+                <a:solidFill>
+                  <a:srgbClr val="FF0000"/>
+                </a:solidFill>
+              </a:rPr>
+              <a:t>R</a:t>
+            </a:r>
+            <a:r>
+              <a:rPr lang="en-US" altLang="zh-CN" dirty="0">
+                <a:solidFill>
+                  <a:srgbClr val="FF0000"/>
+                </a:solidFill>
+              </a:rPr>
+              <a:t> </a:t>
+            </a:r>
+            <a:r>
+              <a:rPr lang="en-US" altLang="zh-CN" dirty="0" err="1">
+                <a:solidFill>
+                  <a:srgbClr val="FF0000"/>
+                </a:solidFill>
+              </a:rPr>
+              <a:t>R</a:t>
+            </a:r>
+            <a:r>
+              <a:rPr lang="en-US" altLang="zh-CN" dirty="0">
+                <a:solidFill>
+                  <a:srgbClr val="FF0000"/>
+                </a:solidFill>
+              </a:rPr>
+              <a:t> </a:t>
+            </a:r>
+            <a:r>
+              <a:rPr lang="en-US" altLang="zh-CN" dirty="0" err="1">
+                <a:solidFill>
+                  <a:srgbClr val="FF0000"/>
+                </a:solidFill>
+              </a:rPr>
+              <a:t>R</a:t>
+            </a:r>
+            <a:r>
+              <a:rPr lang="en-US" altLang="zh-CN" dirty="0">
+                <a:solidFill>
+                  <a:srgbClr val="FF0000"/>
+                </a:solidFill>
+              </a:rPr>
+              <a:t> </a:t>
+            </a:r>
+            <a:r>
+              <a:rPr lang="en-US" altLang="zh-CN" dirty="0" err="1">
+                <a:solidFill>
+                  <a:srgbClr val="FF0000"/>
+                </a:solidFill>
+              </a:rPr>
+              <a:t>R</a:t>
+            </a:r>
+            <a:r>
+              <a:rPr lang="en-US" altLang="zh-CN" dirty="0">
+                <a:solidFill>
+                  <a:srgbClr val="FF0000"/>
+                </a:solidFill>
+              </a:rPr>
+              <a:t> G </a:t>
+            </a:r>
+            <a:r>
+              <a:rPr lang="en-US" altLang="zh-CN" dirty="0" err="1">
+                <a:solidFill>
+                  <a:srgbClr val="FF0000"/>
+                </a:solidFill>
+              </a:rPr>
+              <a:t>G</a:t>
+            </a:r>
+            <a:r>
+              <a:rPr lang="en-US" altLang="zh-CN" dirty="0">
+                <a:solidFill>
+                  <a:srgbClr val="FF0000"/>
+                </a:solidFill>
+              </a:rPr>
+              <a:t> </a:t>
+            </a:r>
+            <a:r>
+              <a:rPr lang="en-US" altLang="zh-CN" dirty="0" err="1">
+                <a:solidFill>
+                  <a:srgbClr val="FF0000"/>
+                </a:solidFill>
+              </a:rPr>
+              <a:t>G</a:t>
+            </a:r>
+            <a:r>
+              <a:rPr lang="en-US" altLang="zh-CN" dirty="0">
+                <a:solidFill>
+                  <a:srgbClr val="FF0000"/>
+                </a:solidFill>
+              </a:rPr>
+              <a:t>     </a:t>
+            </a:r>
+            <a:r>
+              <a:rPr lang="en-US" altLang="zh-CN" dirty="0" err="1">
+                <a:solidFill>
+                  <a:srgbClr val="FF0000"/>
+                </a:solidFill>
+              </a:rPr>
+              <a:t>G</a:t>
+            </a:r>
+            <a:r>
+              <a:rPr lang="en-US" altLang="zh-CN" dirty="0">
+                <a:solidFill>
+                  <a:srgbClr val="FF0000"/>
+                </a:solidFill>
+              </a:rPr>
+              <a:t> </a:t>
+            </a:r>
+            <a:r>
+              <a:rPr lang="en-US" altLang="zh-CN" dirty="0" err="1">
+                <a:solidFill>
+                  <a:srgbClr val="FF0000"/>
+                </a:solidFill>
+              </a:rPr>
+              <a:t>G</a:t>
+            </a:r>
+            <a:r>
+              <a:rPr lang="en-US" altLang="zh-CN" dirty="0">
+                <a:solidFill>
+                  <a:srgbClr val="FF0000"/>
+                </a:solidFill>
+              </a:rPr>
+              <a:t> </a:t>
+            </a:r>
+            <a:r>
+              <a:rPr lang="en-US" altLang="zh-CN" dirty="0" err="1">
+                <a:solidFill>
+                  <a:srgbClr val="FF0000"/>
+                </a:solidFill>
+              </a:rPr>
+              <a:t>G</a:t>
+            </a:r>
+            <a:r>
+              <a:rPr lang="en-US" altLang="zh-CN" dirty="0">
+                <a:solidFill>
+                  <a:srgbClr val="FF0000"/>
+                </a:solidFill>
+              </a:rPr>
+              <a:t> B </a:t>
+            </a:r>
+            <a:r>
+              <a:rPr lang="en-US" altLang="zh-CN" dirty="0" err="1">
+                <a:solidFill>
+                  <a:srgbClr val="FF0000"/>
+                </a:solidFill>
+              </a:rPr>
+              <a:t>B</a:t>
+            </a:r>
+            <a:r>
+              <a:rPr lang="en-US" altLang="zh-CN" dirty="0">
+                <a:solidFill>
+                  <a:srgbClr val="FF0000"/>
+                </a:solidFill>
+              </a:rPr>
+              <a:t> </a:t>
+            </a:r>
+            <a:r>
+              <a:rPr lang="en-US" altLang="zh-CN" dirty="0" err="1">
+                <a:solidFill>
+                  <a:srgbClr val="FF0000"/>
+                </a:solidFill>
+              </a:rPr>
+              <a:t>B</a:t>
+            </a:r>
+            <a:r>
+              <a:rPr lang="en-US" altLang="zh-CN" dirty="0">
+                <a:solidFill>
+                  <a:srgbClr val="FF0000"/>
+                </a:solidFill>
+              </a:rPr>
+              <a:t> </a:t>
+            </a:r>
+            <a:r>
+              <a:rPr lang="en-US" altLang="zh-CN" dirty="0" err="1">
+                <a:solidFill>
+                  <a:srgbClr val="FF0000"/>
+                </a:solidFill>
+              </a:rPr>
+              <a:t>B</a:t>
+            </a:r>
+            <a:r>
+              <a:rPr lang="en-US" altLang="zh-CN" dirty="0">
+                <a:solidFill>
+                  <a:srgbClr val="FF0000"/>
+                </a:solidFill>
+              </a:rPr>
+              <a:t> </a:t>
+            </a:r>
+            <a:r>
+              <a:rPr lang="en-US" altLang="zh-CN" dirty="0" err="1" smtClean="0">
+                <a:solidFill>
+                  <a:srgbClr val="FF0000"/>
+                </a:solidFill>
+              </a:rPr>
+              <a:t>B</a:t>
+            </a:r>
+            <a:endParaRPr lang="en-US" altLang="zh-CN" dirty="0" smtClean="0">
+              <a:solidFill>
+                <a:srgbClr val="FF0000"/>
+              </a:solidFill>
+            </a:endParaRPr>
+          </a:p>
+          <a:p>
+            <a:endParaRPr lang="en-US" altLang="zh-CN" dirty="0" smtClean="0">
+              <a:solidFill>
+                <a:srgbClr val="FF0000"/>
+              </a:solidFill>
+            </a:endParaRPr>
+          </a:p>
+          <a:p>
+            <a:r>
+              <a:rPr lang="en-US" altLang="zh-CN" dirty="0" smtClean="0">
+                <a:solidFill>
+                  <a:srgbClr val="002060"/>
+                </a:solidFill>
+              </a:rPr>
+              <a:t>RGB24</a:t>
+            </a:r>
+            <a:r>
+              <a:rPr lang="zh-CN" altLang="en-US" dirty="0">
+                <a:solidFill>
+                  <a:srgbClr val="002060"/>
+                </a:solidFill>
+              </a:rPr>
+              <a:t>使用</a:t>
+            </a:r>
+            <a:r>
+              <a:rPr lang="en-US" altLang="zh-CN" dirty="0">
+                <a:solidFill>
+                  <a:srgbClr val="002060"/>
+                </a:solidFill>
+              </a:rPr>
+              <a:t>24</a:t>
+            </a:r>
+            <a:r>
+              <a:rPr lang="zh-CN" altLang="en-US" dirty="0">
+                <a:solidFill>
+                  <a:srgbClr val="002060"/>
+                </a:solidFill>
+              </a:rPr>
+              <a:t>位来表示一个像素，</a:t>
+            </a:r>
+            <a:r>
+              <a:rPr lang="en-US" altLang="zh-CN" dirty="0">
+                <a:solidFill>
+                  <a:srgbClr val="002060"/>
+                </a:solidFill>
+              </a:rPr>
+              <a:t>RGB</a:t>
+            </a:r>
+            <a:r>
+              <a:rPr lang="zh-CN" altLang="en-US" dirty="0">
+                <a:solidFill>
+                  <a:srgbClr val="002060"/>
+                </a:solidFill>
+              </a:rPr>
+              <a:t>分量都用</a:t>
+            </a:r>
+            <a:r>
+              <a:rPr lang="en-US" altLang="zh-CN" dirty="0">
+                <a:solidFill>
+                  <a:srgbClr val="002060"/>
+                </a:solidFill>
+              </a:rPr>
+              <a:t>8</a:t>
+            </a:r>
+            <a:r>
+              <a:rPr lang="zh-CN" altLang="en-US" dirty="0">
+                <a:solidFill>
+                  <a:srgbClr val="002060"/>
+                </a:solidFill>
+              </a:rPr>
+              <a:t>位表示，取值范围为</a:t>
+            </a:r>
+            <a:r>
+              <a:rPr lang="en-US" altLang="zh-CN" dirty="0">
+                <a:solidFill>
+                  <a:srgbClr val="002060"/>
+                </a:solidFill>
+              </a:rPr>
+              <a:t>0-255</a:t>
+            </a:r>
+            <a:r>
+              <a:rPr lang="zh-CN" altLang="en-US" dirty="0">
+                <a:solidFill>
+                  <a:srgbClr val="002060"/>
+                </a:solidFill>
+              </a:rPr>
+              <a:t>。注意在内存中</a:t>
+            </a:r>
+            <a:r>
+              <a:rPr lang="en-US" altLang="zh-CN" dirty="0">
+                <a:solidFill>
+                  <a:srgbClr val="002060"/>
+                </a:solidFill>
+              </a:rPr>
+              <a:t>RGB</a:t>
+            </a:r>
+            <a:r>
+              <a:rPr lang="zh-CN" altLang="en-US" dirty="0">
+                <a:solidFill>
+                  <a:srgbClr val="002060"/>
+                </a:solidFill>
+              </a:rPr>
+              <a:t>各分量的排列顺序为：</a:t>
+            </a:r>
+            <a:r>
+              <a:rPr lang="en-US" altLang="zh-CN" dirty="0">
+                <a:solidFill>
+                  <a:srgbClr val="002060"/>
+                </a:solidFill>
+              </a:rPr>
+              <a:t>BGR </a:t>
+            </a:r>
+            <a:r>
+              <a:rPr lang="en-US" altLang="zh-CN" dirty="0" err="1" smtClean="0">
+                <a:solidFill>
+                  <a:srgbClr val="002060"/>
+                </a:solidFill>
+              </a:rPr>
+              <a:t>BGR</a:t>
+            </a:r>
+            <a:r>
+              <a:rPr lang="en-US" altLang="zh-CN" dirty="0">
+                <a:solidFill>
+                  <a:srgbClr val="002060"/>
+                </a:solidFill>
+              </a:rPr>
+              <a:t> </a:t>
+            </a:r>
+            <a:r>
+              <a:rPr lang="en-US" altLang="zh-CN" dirty="0" err="1" smtClean="0">
+                <a:solidFill>
+                  <a:srgbClr val="002060"/>
+                </a:solidFill>
+              </a:rPr>
+              <a:t>BGR</a:t>
+            </a:r>
+            <a:r>
+              <a:rPr lang="en-US" altLang="zh-CN" dirty="0" smtClean="0">
+                <a:solidFill>
+                  <a:srgbClr val="002060"/>
+                </a:solidFill>
+              </a:rPr>
+              <a:t> …</a:t>
+            </a:r>
+            <a:endParaRPr lang="zh-CN" altLang="en-US" dirty="0">
+              <a:solidFill>
+                <a:srgbClr val="002060"/>
+              </a:solidFill>
+            </a:endParaRPr>
+          </a:p>
+          <a:p>
+            <a:endParaRPr lang="en-US" altLang="zh-CN" dirty="0"/>
+          </a:p>
+          <a:p>
+            <a:endParaRPr lang="zh-CN" altLang="en-US" dirty="0"/>
+          </a:p>
+        </p:txBody>
+      </p:sp>
+    </p:spTree>
+    <p:extLst>
+      <p:ext uri="{BB962C8B-B14F-4D97-AF65-F5344CB8AC3E}">
+        <p14:creationId xmlns:p14="http://schemas.microsoft.com/office/powerpoint/2010/main" val="2705513254"/>
+      </p:ext>
+    </p:extLst>
+  </p:cSld>
+  <p:clrMapOvr>
+    <a:masterClrMapping/>
+  </p:clrMapOvr>
+  <p:transition spd="slow">
+    <p:pull/>
+  </p:transition>
+  <p:timing>
+    <p:tnLst>
+      <p:par>
+        <p:cTn id="1" dur="indefinite" restart="never" nodeType="tmRoot"/>
+      </p:par>
+    </p:tnLst>
+  </p:timing>
+</p:sld>
+</file>
+
+<file path=ppt/slides/slide60.xml><?xml version="1.0" encoding="utf-8"?>
 <p:sld xmlns:a="http://schemas.openxmlformats.org/drawingml/2006/main" xmlns:r="http://schemas.openxmlformats.org/officeDocument/2006/relationships" xmlns:p="http://schemas.openxmlformats.org/presentationml/2006/main">
   <p:cSld>
     <p:spTree>
@@ -40410,7 +45839,7 @@
             <a:fld id="{E3127EC2-47FB-48A1-8644-C8A81DDAA119}" type="datetime4">
               <a:rPr lang="en-US" smtClean="0"/>
               <a:pPr/>
-              <a:t>April 16, 2015</a:t>
+              <a:t>April 20, 2015</a:t>
             </a:fld>
             <a:endParaRPr lang="en-US"/>
           </a:p>
@@ -40453,7 +45882,7 @@
             <a:fld id="{8B37D5FE-740C-46F5-801A-FA5477D9711F}" type="slidenum">
               <a:rPr lang="en-US" smtClean="0"/>
               <a:pPr/>
-              <a:t>55</a:t>
+              <a:t>60</a:t>
             </a:fld>
             <a:endParaRPr lang="en-US"/>
           </a:p>
@@ -41087,7 +46516,7 @@
 </p:sld>
 </file>
 
-<file path=ppt/slides/slide56.xml><?xml version="1.0" encoding="utf-8"?>
+<file path=ppt/slides/slide61.xml><?xml version="1.0" encoding="utf-8"?>
 <p:sld xmlns:a="http://schemas.openxmlformats.org/drawingml/2006/main" xmlns:r="http://schemas.openxmlformats.org/officeDocument/2006/relationships" xmlns:p="http://schemas.openxmlformats.org/presentationml/2006/main">
   <p:cSld>
     <p:spTree>
@@ -41145,7 +46574,7 @@
             <a:fld id="{E3127EC2-47FB-48A1-8644-C8A81DDAA119}" type="datetime4">
               <a:rPr lang="en-US" smtClean="0"/>
               <a:pPr/>
-              <a:t>April 16, 2015</a:t>
+              <a:t>April 20, 2015</a:t>
             </a:fld>
             <a:endParaRPr lang="en-US"/>
           </a:p>
@@ -41188,7 +46617,7 @@
             <a:fld id="{8B37D5FE-740C-46F5-801A-FA5477D9711F}" type="slidenum">
               <a:rPr lang="en-US" smtClean="0"/>
               <a:pPr/>
-              <a:t>56</a:t>
+              <a:t>61</a:t>
             </a:fld>
             <a:endParaRPr lang="en-US"/>
           </a:p>
@@ -41533,7 +46962,7 @@
 </p:sld>
 </file>
 
-<file path=ppt/slides/slide57.xml><?xml version="1.0" encoding="utf-8"?>
+<file path=ppt/slides/slide62.xml><?xml version="1.0" encoding="utf-8"?>
 <p:sld xmlns:a="http://schemas.openxmlformats.org/drawingml/2006/main" xmlns:r="http://schemas.openxmlformats.org/officeDocument/2006/relationships" xmlns:p="http://schemas.openxmlformats.org/presentationml/2006/main">
   <p:cSld>
     <p:spTree>
@@ -41591,7 +47020,7 @@
             <a:fld id="{E3127EC2-47FB-48A1-8644-C8A81DDAA119}" type="datetime4">
               <a:rPr lang="en-US" smtClean="0"/>
               <a:pPr/>
-              <a:t>April 16, 2015</a:t>
+              <a:t>April 20, 2015</a:t>
             </a:fld>
             <a:endParaRPr lang="en-US"/>
           </a:p>
@@ -41634,7 +47063,7 @@
             <a:fld id="{8B37D5FE-740C-46F5-801A-FA5477D9711F}" type="slidenum">
               <a:rPr lang="en-US" smtClean="0"/>
               <a:pPr/>
-              <a:t>57</a:t>
+              <a:t>62</a:t>
             </a:fld>
             <a:endParaRPr lang="en-US"/>
           </a:p>
@@ -41746,963 +47175,6 @@
     <p:extLst>
       <p:ext uri="{BB962C8B-B14F-4D97-AF65-F5344CB8AC3E}">
         <p14:creationId xmlns:p14="http://schemas.microsoft.com/office/powerpoint/2010/main" val="3066540193"/>
-      </p:ext>
-    </p:extLst>
-  </p:cSld>
-  <p:clrMapOvr>
-    <a:masterClrMapping/>
-  </p:clrMapOvr>
-  <p:transition spd="slow">
-    <p:pull/>
-  </p:transition>
-  <p:timing>
-    <p:tnLst>
-      <p:par>
-        <p:cTn id="1" dur="indefinite" restart="never" nodeType="tmRoot"/>
-      </p:par>
-    </p:tnLst>
-  </p:timing>
-</p:sld>
-</file>
-
-<file path=ppt/slides/slide6.xml><?xml version="1.0" encoding="utf-8"?>
-<p:sld xmlns:a="http://schemas.openxmlformats.org/drawingml/2006/main" xmlns:r="http://schemas.openxmlformats.org/officeDocument/2006/relationships" xmlns:p="http://schemas.openxmlformats.org/presentationml/2006/main">
-  <p:cSld>
-    <p:spTree>
-      <p:nvGrpSpPr>
-        <p:cNvPr id="1" name=""/>
-        <p:cNvGrpSpPr/>
-        <p:nvPr/>
-      </p:nvGrpSpPr>
-      <p:grpSpPr>
-        <a:xfrm>
-          <a:off x="0" y="0"/>
-          <a:ext cx="0" cy="0"/>
-          <a:chOff x="0" y="0"/>
-          <a:chExt cx="0" cy="0"/>
-        </a:xfrm>
-      </p:grpSpPr>
-      <p:sp>
-        <p:nvSpPr>
-          <p:cNvPr id="2" name="标题 1"/>
-          <p:cNvSpPr>
-            <a:spLocks noGrp="1"/>
-          </p:cNvSpPr>
-          <p:nvPr>
-            <p:ph type="title"/>
-          </p:nvPr>
-        </p:nvSpPr>
-        <p:spPr>
-          <a:xfrm>
-            <a:off x="1475656" y="332656"/>
-            <a:ext cx="6736712" cy="854968"/>
-          </a:xfrm>
-        </p:spPr>
-        <p:txBody>
-          <a:bodyPr/>
-          <a:lstStyle/>
-          <a:p>
-            <a:r>
-              <a:rPr lang="en-US" altLang="zh-CN" dirty="0" smtClean="0"/>
-              <a:t>Audio/video codec</a:t>
-            </a:r>
-            <a:endParaRPr lang="zh-CN" altLang="en-US" dirty="0"/>
-          </a:p>
-        </p:txBody>
-      </p:sp>
-      <p:sp>
-        <p:nvSpPr>
-          <p:cNvPr id="3" name="日期占位符 2"/>
-          <p:cNvSpPr>
-            <a:spLocks noGrp="1"/>
-          </p:cNvSpPr>
-          <p:nvPr>
-            <p:ph type="dt" sz="half" idx="10"/>
-          </p:nvPr>
-        </p:nvSpPr>
-        <p:spPr/>
-        <p:txBody>
-          <a:bodyPr/>
-          <a:lstStyle/>
-          <a:p>
-            <a:fld id="{E3127EC2-47FB-48A1-8644-C8A81DDAA119}" type="datetime4">
-              <a:rPr lang="en-US" smtClean="0"/>
-              <a:pPr/>
-              <a:t>April 16, 2015</a:t>
-            </a:fld>
-            <a:endParaRPr lang="en-US"/>
-          </a:p>
-        </p:txBody>
-      </p:sp>
-      <p:sp>
-        <p:nvSpPr>
-          <p:cNvPr id="4" name="页脚占位符 3"/>
-          <p:cNvSpPr>
-            <a:spLocks noGrp="1"/>
-          </p:cNvSpPr>
-          <p:nvPr>
-            <p:ph type="ftr" sz="quarter" idx="11"/>
-          </p:nvPr>
-        </p:nvSpPr>
-        <p:spPr/>
-        <p:txBody>
-          <a:bodyPr/>
-          <a:lstStyle/>
-          <a:p>
-            <a:endParaRPr lang="en-US" dirty="0"/>
-          </a:p>
-        </p:txBody>
-      </p:sp>
-      <p:sp>
-        <p:nvSpPr>
-          <p:cNvPr id="5" name="灯片编号占位符 4"/>
-          <p:cNvSpPr>
-            <a:spLocks noGrp="1"/>
-          </p:cNvSpPr>
-          <p:nvPr>
-            <p:ph type="sldNum" sz="quarter" idx="12"/>
-          </p:nvPr>
-        </p:nvSpPr>
-        <p:spPr/>
-        <p:txBody>
-          <a:bodyPr/>
-          <a:lstStyle/>
-          <a:p>
-            <a:fld id="{8B37D5FE-740C-46F5-801A-FA5477D9711F}" type="slidenum">
-              <a:rPr lang="en-US" smtClean="0"/>
-              <a:pPr/>
-              <a:t>6</a:t>
-            </a:fld>
-            <a:endParaRPr lang="en-US"/>
-          </a:p>
-        </p:txBody>
-      </p:sp>
-      <p:sp>
-        <p:nvSpPr>
-          <p:cNvPr id="7" name="标题 1"/>
-          <p:cNvSpPr txBox="1">
-            <a:spLocks/>
-          </p:cNvSpPr>
-          <p:nvPr/>
-        </p:nvSpPr>
-        <p:spPr>
-          <a:xfrm>
-            <a:off x="2195736" y="1280716"/>
-            <a:ext cx="4320480" cy="566936"/>
-          </a:xfrm>
-          <a:prstGeom prst="rect">
-            <a:avLst/>
-          </a:prstGeom>
-        </p:spPr>
-        <p:txBody>
-          <a:bodyPr vert="horz" lIns="91440" tIns="45720" rIns="91440" bIns="45720" rtlCol="0" anchor="b">
-            <a:normAutofit/>
-          </a:bodyPr>
-          <a:lstStyle>
-            <a:lvl1pPr algn="l" defTabSz="914400" rtl="0" eaLnBrk="1" latinLnBrk="0" hangingPunct="1">
-              <a:spcBef>
-                <a:spcPct val="0"/>
-              </a:spcBef>
-              <a:buNone/>
-              <a:defRPr sz="4000" kern="1200">
-                <a:solidFill>
-                  <a:schemeClr val="accent1"/>
-                </a:solidFill>
-                <a:latin typeface="+mj-lt"/>
-                <a:ea typeface="+mj-ea"/>
-                <a:cs typeface="+mj-cs"/>
-              </a:defRPr>
-            </a:lvl1pPr>
-            <a:lvl2pPr eaLnBrk="1" hangingPunct="1">
-              <a:defRPr>
-                <a:solidFill>
-                  <a:schemeClr val="tx2"/>
-                </a:solidFill>
-              </a:defRPr>
-            </a:lvl2pPr>
-            <a:lvl3pPr eaLnBrk="1" hangingPunct="1">
-              <a:defRPr>
-                <a:solidFill>
-                  <a:schemeClr val="tx2"/>
-                </a:solidFill>
-              </a:defRPr>
-            </a:lvl3pPr>
-            <a:lvl4pPr eaLnBrk="1" hangingPunct="1">
-              <a:defRPr>
-                <a:solidFill>
-                  <a:schemeClr val="tx2"/>
-                </a:solidFill>
-              </a:defRPr>
-            </a:lvl4pPr>
-            <a:lvl5pPr eaLnBrk="1" hangingPunct="1">
-              <a:defRPr>
-                <a:solidFill>
-                  <a:schemeClr val="tx2"/>
-                </a:solidFill>
-              </a:defRPr>
-            </a:lvl5pPr>
-            <a:lvl6pPr eaLnBrk="1" hangingPunct="1">
-              <a:defRPr>
-                <a:solidFill>
-                  <a:schemeClr val="tx2"/>
-                </a:solidFill>
-              </a:defRPr>
-            </a:lvl6pPr>
-            <a:lvl7pPr eaLnBrk="1" hangingPunct="1">
-              <a:defRPr>
-                <a:solidFill>
-                  <a:schemeClr val="tx2"/>
-                </a:solidFill>
-              </a:defRPr>
-            </a:lvl7pPr>
-            <a:lvl8pPr eaLnBrk="1" hangingPunct="1">
-              <a:defRPr>
-                <a:solidFill>
-                  <a:schemeClr val="tx2"/>
-                </a:solidFill>
-              </a:defRPr>
-            </a:lvl8pPr>
-            <a:lvl9pPr eaLnBrk="1" hangingPunct="1">
-              <a:defRPr>
-                <a:solidFill>
-                  <a:schemeClr val="tx2"/>
-                </a:solidFill>
-              </a:defRPr>
-            </a:lvl9pPr>
-          </a:lstStyle>
-          <a:p>
-            <a:r>
-              <a:rPr lang="en-US" altLang="zh-CN" sz="2800" dirty="0" smtClean="0">
-                <a:solidFill>
-                  <a:srgbClr val="FF0000"/>
-                </a:solidFill>
-              </a:rPr>
-              <a:t>RGB565 </a:t>
-            </a:r>
-            <a:r>
-              <a:rPr lang="en-US" altLang="zh-CN" sz="2800" dirty="0" smtClean="0">
-                <a:solidFill>
-                  <a:schemeClr val="bg2">
-                    <a:lumMod val="75000"/>
-                  </a:schemeClr>
-                </a:solidFill>
-              </a:rPr>
-              <a:t>and</a:t>
-            </a:r>
-            <a:r>
-              <a:rPr lang="en-US" altLang="zh-CN" sz="2800" dirty="0" smtClean="0">
-                <a:solidFill>
-                  <a:srgbClr val="FF0000"/>
-                </a:solidFill>
-              </a:rPr>
-              <a:t> </a:t>
-            </a:r>
-            <a:r>
-              <a:rPr lang="en-US" altLang="zh-CN" sz="2800" dirty="0" smtClean="0">
-                <a:solidFill>
-                  <a:srgbClr val="002060"/>
-                </a:solidFill>
-              </a:rPr>
-              <a:t>RGB24</a:t>
-            </a:r>
-            <a:endParaRPr lang="zh-CN" altLang="en-US" sz="2800" dirty="0">
-              <a:solidFill>
-                <a:srgbClr val="002060"/>
-              </a:solidFill>
-            </a:endParaRPr>
-          </a:p>
-        </p:txBody>
-      </p:sp>
-      <p:sp>
-        <p:nvSpPr>
-          <p:cNvPr id="8" name="矩形 7"/>
-          <p:cNvSpPr/>
-          <p:nvPr/>
-        </p:nvSpPr>
-        <p:spPr>
-          <a:xfrm>
-            <a:off x="827584" y="1916832"/>
-            <a:ext cx="7344816" cy="3139321"/>
-          </a:xfrm>
-          <a:prstGeom prst="rect">
-            <a:avLst/>
-          </a:prstGeom>
-        </p:spPr>
-        <p:txBody>
-          <a:bodyPr wrap="square">
-            <a:spAutoFit/>
-          </a:bodyPr>
-          <a:lstStyle/>
-          <a:p>
-            <a:r>
-              <a:rPr lang="en-US" altLang="zh-CN" dirty="0">
-                <a:solidFill>
-                  <a:srgbClr val="FF0000"/>
-                </a:solidFill>
-              </a:rPr>
-              <a:t>R</a:t>
-            </a:r>
-            <a:r>
-              <a:rPr lang="en-US" altLang="zh-CN" dirty="0" smtClean="0">
-                <a:solidFill>
-                  <a:srgbClr val="FF0000"/>
-                </a:solidFill>
-              </a:rPr>
-              <a:t>GB565</a:t>
-            </a:r>
-            <a:r>
-              <a:rPr lang="zh-CN" altLang="en-US" dirty="0">
-                <a:solidFill>
-                  <a:srgbClr val="FF0000"/>
-                </a:solidFill>
-              </a:rPr>
-              <a:t>使用</a:t>
-            </a:r>
-            <a:r>
-              <a:rPr lang="en-US" altLang="zh-CN" dirty="0">
-                <a:solidFill>
-                  <a:srgbClr val="FF0000"/>
-                </a:solidFill>
-              </a:rPr>
-              <a:t>16</a:t>
-            </a:r>
-            <a:r>
-              <a:rPr lang="zh-CN" altLang="en-US" dirty="0">
-                <a:solidFill>
-                  <a:srgbClr val="FF0000"/>
-                </a:solidFill>
-              </a:rPr>
-              <a:t>位表示一个</a:t>
-            </a:r>
-            <a:r>
-              <a:rPr lang="zh-CN" altLang="en-US" dirty="0" smtClean="0">
-                <a:solidFill>
-                  <a:srgbClr val="FF0000"/>
-                </a:solidFill>
-              </a:rPr>
-              <a:t>像素</a:t>
-            </a:r>
-            <a:endParaRPr lang="en-US" altLang="zh-CN" dirty="0" smtClean="0">
-              <a:solidFill>
-                <a:srgbClr val="FF0000"/>
-              </a:solidFill>
-            </a:endParaRPr>
-          </a:p>
-          <a:p>
-            <a:r>
-              <a:rPr lang="zh-CN" altLang="en-US" dirty="0" smtClean="0">
-                <a:solidFill>
-                  <a:srgbClr val="FF0000"/>
-                </a:solidFill>
-              </a:rPr>
-              <a:t>这</a:t>
-            </a:r>
-            <a:r>
-              <a:rPr lang="en-US" altLang="zh-CN" dirty="0">
-                <a:solidFill>
-                  <a:srgbClr val="FF0000"/>
-                </a:solidFill>
-              </a:rPr>
-              <a:t>16</a:t>
-            </a:r>
-            <a:r>
-              <a:rPr lang="zh-CN" altLang="en-US" dirty="0">
-                <a:solidFill>
-                  <a:srgbClr val="FF0000"/>
-                </a:solidFill>
-              </a:rPr>
-              <a:t>位中的</a:t>
-            </a:r>
-            <a:r>
-              <a:rPr lang="en-US" altLang="zh-CN" dirty="0">
-                <a:solidFill>
-                  <a:srgbClr val="FF0000"/>
-                </a:solidFill>
-              </a:rPr>
-              <a:t>5</a:t>
-            </a:r>
-            <a:r>
-              <a:rPr lang="zh-CN" altLang="en-US" dirty="0">
-                <a:solidFill>
-                  <a:srgbClr val="FF0000"/>
-                </a:solidFill>
-              </a:rPr>
-              <a:t>位用于</a:t>
-            </a:r>
-            <a:r>
-              <a:rPr lang="en-US" altLang="zh-CN" dirty="0">
-                <a:solidFill>
-                  <a:srgbClr val="FF0000"/>
-                </a:solidFill>
-              </a:rPr>
-              <a:t>R</a:t>
-            </a:r>
-            <a:r>
-              <a:rPr lang="zh-CN" altLang="en-US" dirty="0">
-                <a:solidFill>
-                  <a:srgbClr val="FF0000"/>
-                </a:solidFill>
-              </a:rPr>
-              <a:t>，</a:t>
-            </a:r>
-            <a:r>
-              <a:rPr lang="en-US" altLang="zh-CN" dirty="0">
-                <a:solidFill>
-                  <a:srgbClr val="FF0000"/>
-                </a:solidFill>
-              </a:rPr>
-              <a:t>6</a:t>
-            </a:r>
-            <a:r>
-              <a:rPr lang="zh-CN" altLang="en-US" dirty="0">
-                <a:solidFill>
-                  <a:srgbClr val="FF0000"/>
-                </a:solidFill>
-              </a:rPr>
-              <a:t>位用于</a:t>
-            </a:r>
-            <a:r>
-              <a:rPr lang="en-US" altLang="zh-CN" dirty="0">
-                <a:solidFill>
-                  <a:srgbClr val="FF0000"/>
-                </a:solidFill>
-              </a:rPr>
-              <a:t>G</a:t>
-            </a:r>
-            <a:r>
-              <a:rPr lang="zh-CN" altLang="en-US" dirty="0">
-                <a:solidFill>
-                  <a:srgbClr val="FF0000"/>
-                </a:solidFill>
-              </a:rPr>
-              <a:t>，</a:t>
-            </a:r>
-            <a:r>
-              <a:rPr lang="en-US" altLang="zh-CN" dirty="0">
-                <a:solidFill>
-                  <a:srgbClr val="FF0000"/>
-                </a:solidFill>
-              </a:rPr>
-              <a:t>5</a:t>
-            </a:r>
-            <a:r>
-              <a:rPr lang="zh-CN" altLang="en-US" dirty="0">
-                <a:solidFill>
-                  <a:srgbClr val="FF0000"/>
-                </a:solidFill>
-              </a:rPr>
-              <a:t>位用于</a:t>
-            </a:r>
-            <a:r>
-              <a:rPr lang="en-US" altLang="zh-CN" dirty="0">
-                <a:solidFill>
-                  <a:srgbClr val="FF0000"/>
-                </a:solidFill>
-              </a:rPr>
-              <a:t>B</a:t>
-            </a:r>
-            <a:r>
-              <a:rPr lang="zh-CN" altLang="en-US" dirty="0">
-                <a:solidFill>
-                  <a:srgbClr val="FF0000"/>
-                </a:solidFill>
-              </a:rPr>
-              <a:t>。程序中通常使用一个字（</a:t>
-            </a:r>
-            <a:r>
-              <a:rPr lang="en-US" altLang="zh-CN" dirty="0">
-                <a:solidFill>
-                  <a:srgbClr val="FF0000"/>
-                </a:solidFill>
-              </a:rPr>
-              <a:t>WORD</a:t>
-            </a:r>
-            <a:r>
-              <a:rPr lang="zh-CN" altLang="en-US" dirty="0">
-                <a:solidFill>
-                  <a:srgbClr val="FF0000"/>
-                </a:solidFill>
-              </a:rPr>
-              <a:t>，一个字等于两个</a:t>
-            </a:r>
-            <a:r>
-              <a:rPr lang="zh-CN" altLang="en-US" dirty="0" smtClean="0">
-                <a:solidFill>
-                  <a:srgbClr val="FF0000"/>
-                </a:solidFill>
-              </a:rPr>
-              <a:t>字节</a:t>
-            </a:r>
-            <a:r>
-              <a:rPr lang="zh-CN" altLang="en-US" dirty="0">
-                <a:solidFill>
-                  <a:srgbClr val="FF0000"/>
-                </a:solidFill>
-              </a:rPr>
-              <a:t>）来操作一个像素。当读出一个像素后，这个字的各个位意义如下：</a:t>
-            </a:r>
-            <a:br>
-              <a:rPr lang="zh-CN" altLang="en-US" dirty="0">
-                <a:solidFill>
-                  <a:srgbClr val="FF0000"/>
-                </a:solidFill>
-              </a:rPr>
-            </a:br>
-            <a:r>
-              <a:rPr lang="zh-CN" altLang="en-US" dirty="0">
-                <a:solidFill>
-                  <a:srgbClr val="FF0000"/>
-                </a:solidFill>
-              </a:rPr>
-              <a:t>     </a:t>
-            </a:r>
-            <a:r>
-              <a:rPr lang="zh-CN" altLang="en-US" dirty="0" smtClean="0">
-                <a:solidFill>
-                  <a:srgbClr val="FF0000"/>
-                </a:solidFill>
-              </a:rPr>
-              <a:t> 高字节</a:t>
-            </a:r>
-            <a:r>
-              <a:rPr lang="en-US" altLang="zh-CN" dirty="0" smtClean="0">
-                <a:solidFill>
-                  <a:srgbClr val="FF0000"/>
-                </a:solidFill>
-              </a:rPr>
-              <a:t>MSB</a:t>
-            </a:r>
-            <a:r>
-              <a:rPr lang="zh-CN" altLang="en-US" dirty="0">
-                <a:solidFill>
-                  <a:srgbClr val="FF0000"/>
-                </a:solidFill>
-              </a:rPr>
-              <a:t>            </a:t>
-            </a:r>
-            <a:r>
-              <a:rPr lang="zh-CN" altLang="en-US" dirty="0" smtClean="0">
-                <a:solidFill>
-                  <a:srgbClr val="FF0000"/>
-                </a:solidFill>
-              </a:rPr>
-              <a:t> </a:t>
-            </a:r>
-            <a:r>
-              <a:rPr lang="zh-CN" altLang="en-US" dirty="0">
-                <a:solidFill>
-                  <a:srgbClr val="FF0000"/>
-                </a:solidFill>
-              </a:rPr>
-              <a:t> </a:t>
-            </a:r>
-            <a:r>
-              <a:rPr lang="zh-CN" altLang="en-US" dirty="0" smtClean="0">
-                <a:solidFill>
-                  <a:srgbClr val="FF0000"/>
-                </a:solidFill>
-              </a:rPr>
-              <a:t>低字节</a:t>
-            </a:r>
-            <a:r>
-              <a:rPr lang="en-US" altLang="zh-CN" dirty="0" smtClean="0">
-                <a:solidFill>
-                  <a:srgbClr val="FF0000"/>
-                </a:solidFill>
-              </a:rPr>
-              <a:t>LSB</a:t>
-            </a:r>
-            <a:r>
-              <a:rPr lang="zh-CN" altLang="en-US" dirty="0">
-                <a:solidFill>
-                  <a:srgbClr val="FF0000"/>
-                </a:solidFill>
-              </a:rPr>
-              <a:t/>
-            </a:r>
-            <a:br>
-              <a:rPr lang="zh-CN" altLang="en-US" dirty="0">
-                <a:solidFill>
-                  <a:srgbClr val="FF0000"/>
-                </a:solidFill>
-              </a:rPr>
-            </a:br>
-            <a:r>
-              <a:rPr lang="en-US" altLang="zh-CN" dirty="0">
-                <a:solidFill>
-                  <a:srgbClr val="FF0000"/>
-                </a:solidFill>
-              </a:rPr>
-              <a:t>R </a:t>
-            </a:r>
-            <a:r>
-              <a:rPr lang="en-US" altLang="zh-CN" dirty="0" err="1">
-                <a:solidFill>
-                  <a:srgbClr val="FF0000"/>
-                </a:solidFill>
-              </a:rPr>
-              <a:t>R</a:t>
-            </a:r>
-            <a:r>
-              <a:rPr lang="en-US" altLang="zh-CN" dirty="0">
-                <a:solidFill>
-                  <a:srgbClr val="FF0000"/>
-                </a:solidFill>
-              </a:rPr>
-              <a:t> </a:t>
-            </a:r>
-            <a:r>
-              <a:rPr lang="en-US" altLang="zh-CN" dirty="0" err="1">
-                <a:solidFill>
-                  <a:srgbClr val="FF0000"/>
-                </a:solidFill>
-              </a:rPr>
-              <a:t>R</a:t>
-            </a:r>
-            <a:r>
-              <a:rPr lang="en-US" altLang="zh-CN" dirty="0">
-                <a:solidFill>
-                  <a:srgbClr val="FF0000"/>
-                </a:solidFill>
-              </a:rPr>
-              <a:t> </a:t>
-            </a:r>
-            <a:r>
-              <a:rPr lang="en-US" altLang="zh-CN" dirty="0" err="1">
-                <a:solidFill>
-                  <a:srgbClr val="FF0000"/>
-                </a:solidFill>
-              </a:rPr>
-              <a:t>R</a:t>
-            </a:r>
-            <a:r>
-              <a:rPr lang="en-US" altLang="zh-CN" dirty="0">
-                <a:solidFill>
-                  <a:srgbClr val="FF0000"/>
-                </a:solidFill>
-              </a:rPr>
-              <a:t> </a:t>
-            </a:r>
-            <a:r>
-              <a:rPr lang="en-US" altLang="zh-CN" dirty="0" err="1">
-                <a:solidFill>
-                  <a:srgbClr val="FF0000"/>
-                </a:solidFill>
-              </a:rPr>
-              <a:t>R</a:t>
-            </a:r>
-            <a:r>
-              <a:rPr lang="en-US" altLang="zh-CN" dirty="0">
-                <a:solidFill>
-                  <a:srgbClr val="FF0000"/>
-                </a:solidFill>
-              </a:rPr>
-              <a:t> G </a:t>
-            </a:r>
-            <a:r>
-              <a:rPr lang="en-US" altLang="zh-CN" dirty="0" err="1">
-                <a:solidFill>
-                  <a:srgbClr val="FF0000"/>
-                </a:solidFill>
-              </a:rPr>
-              <a:t>G</a:t>
-            </a:r>
-            <a:r>
-              <a:rPr lang="en-US" altLang="zh-CN" dirty="0">
-                <a:solidFill>
-                  <a:srgbClr val="FF0000"/>
-                </a:solidFill>
-              </a:rPr>
-              <a:t> </a:t>
-            </a:r>
-            <a:r>
-              <a:rPr lang="en-US" altLang="zh-CN" dirty="0" err="1">
-                <a:solidFill>
-                  <a:srgbClr val="FF0000"/>
-                </a:solidFill>
-              </a:rPr>
-              <a:t>G</a:t>
-            </a:r>
-            <a:r>
-              <a:rPr lang="en-US" altLang="zh-CN" dirty="0">
-                <a:solidFill>
-                  <a:srgbClr val="FF0000"/>
-                </a:solidFill>
-              </a:rPr>
-              <a:t>     </a:t>
-            </a:r>
-            <a:r>
-              <a:rPr lang="en-US" altLang="zh-CN" dirty="0" err="1">
-                <a:solidFill>
-                  <a:srgbClr val="FF0000"/>
-                </a:solidFill>
-              </a:rPr>
-              <a:t>G</a:t>
-            </a:r>
-            <a:r>
-              <a:rPr lang="en-US" altLang="zh-CN" dirty="0">
-                <a:solidFill>
-                  <a:srgbClr val="FF0000"/>
-                </a:solidFill>
-              </a:rPr>
-              <a:t> </a:t>
-            </a:r>
-            <a:r>
-              <a:rPr lang="en-US" altLang="zh-CN" dirty="0" err="1">
-                <a:solidFill>
-                  <a:srgbClr val="FF0000"/>
-                </a:solidFill>
-              </a:rPr>
-              <a:t>G</a:t>
-            </a:r>
-            <a:r>
-              <a:rPr lang="en-US" altLang="zh-CN" dirty="0">
-                <a:solidFill>
-                  <a:srgbClr val="FF0000"/>
-                </a:solidFill>
-              </a:rPr>
-              <a:t> </a:t>
-            </a:r>
-            <a:r>
-              <a:rPr lang="en-US" altLang="zh-CN" dirty="0" err="1">
-                <a:solidFill>
-                  <a:srgbClr val="FF0000"/>
-                </a:solidFill>
-              </a:rPr>
-              <a:t>G</a:t>
-            </a:r>
-            <a:r>
-              <a:rPr lang="en-US" altLang="zh-CN" dirty="0">
-                <a:solidFill>
-                  <a:srgbClr val="FF0000"/>
-                </a:solidFill>
-              </a:rPr>
-              <a:t> B </a:t>
-            </a:r>
-            <a:r>
-              <a:rPr lang="en-US" altLang="zh-CN" dirty="0" err="1">
-                <a:solidFill>
-                  <a:srgbClr val="FF0000"/>
-                </a:solidFill>
-              </a:rPr>
-              <a:t>B</a:t>
-            </a:r>
-            <a:r>
-              <a:rPr lang="en-US" altLang="zh-CN" dirty="0">
-                <a:solidFill>
-                  <a:srgbClr val="FF0000"/>
-                </a:solidFill>
-              </a:rPr>
-              <a:t> </a:t>
-            </a:r>
-            <a:r>
-              <a:rPr lang="en-US" altLang="zh-CN" dirty="0" err="1">
-                <a:solidFill>
-                  <a:srgbClr val="FF0000"/>
-                </a:solidFill>
-              </a:rPr>
-              <a:t>B</a:t>
-            </a:r>
-            <a:r>
-              <a:rPr lang="en-US" altLang="zh-CN" dirty="0">
-                <a:solidFill>
-                  <a:srgbClr val="FF0000"/>
-                </a:solidFill>
-              </a:rPr>
-              <a:t> </a:t>
-            </a:r>
-            <a:r>
-              <a:rPr lang="en-US" altLang="zh-CN" dirty="0" err="1">
-                <a:solidFill>
-                  <a:srgbClr val="FF0000"/>
-                </a:solidFill>
-              </a:rPr>
-              <a:t>B</a:t>
-            </a:r>
-            <a:r>
-              <a:rPr lang="en-US" altLang="zh-CN" dirty="0">
-                <a:solidFill>
-                  <a:srgbClr val="FF0000"/>
-                </a:solidFill>
-              </a:rPr>
-              <a:t> </a:t>
-            </a:r>
-            <a:r>
-              <a:rPr lang="en-US" altLang="zh-CN" dirty="0" err="1" smtClean="0">
-                <a:solidFill>
-                  <a:srgbClr val="FF0000"/>
-                </a:solidFill>
-              </a:rPr>
-              <a:t>B</a:t>
-            </a:r>
-            <a:endParaRPr lang="en-US" altLang="zh-CN" dirty="0" smtClean="0">
-              <a:solidFill>
-                <a:srgbClr val="FF0000"/>
-              </a:solidFill>
-            </a:endParaRPr>
-          </a:p>
-          <a:p>
-            <a:endParaRPr lang="en-US" altLang="zh-CN" dirty="0" smtClean="0">
-              <a:solidFill>
-                <a:srgbClr val="FF0000"/>
-              </a:solidFill>
-            </a:endParaRPr>
-          </a:p>
-          <a:p>
-            <a:r>
-              <a:rPr lang="en-US" altLang="zh-CN" dirty="0" smtClean="0">
-                <a:solidFill>
-                  <a:srgbClr val="002060"/>
-                </a:solidFill>
-              </a:rPr>
-              <a:t>RGB24</a:t>
-            </a:r>
-            <a:r>
-              <a:rPr lang="zh-CN" altLang="en-US" dirty="0">
-                <a:solidFill>
-                  <a:srgbClr val="002060"/>
-                </a:solidFill>
-              </a:rPr>
-              <a:t>使用</a:t>
-            </a:r>
-            <a:r>
-              <a:rPr lang="en-US" altLang="zh-CN" dirty="0">
-                <a:solidFill>
-                  <a:srgbClr val="002060"/>
-                </a:solidFill>
-              </a:rPr>
-              <a:t>24</a:t>
-            </a:r>
-            <a:r>
-              <a:rPr lang="zh-CN" altLang="en-US" dirty="0">
-                <a:solidFill>
-                  <a:srgbClr val="002060"/>
-                </a:solidFill>
-              </a:rPr>
-              <a:t>位来表示一个像素，</a:t>
-            </a:r>
-            <a:r>
-              <a:rPr lang="en-US" altLang="zh-CN" dirty="0">
-                <a:solidFill>
-                  <a:srgbClr val="002060"/>
-                </a:solidFill>
-              </a:rPr>
-              <a:t>RGB</a:t>
-            </a:r>
-            <a:r>
-              <a:rPr lang="zh-CN" altLang="en-US" dirty="0">
-                <a:solidFill>
-                  <a:srgbClr val="002060"/>
-                </a:solidFill>
-              </a:rPr>
-              <a:t>分量都用</a:t>
-            </a:r>
-            <a:r>
-              <a:rPr lang="en-US" altLang="zh-CN" dirty="0">
-                <a:solidFill>
-                  <a:srgbClr val="002060"/>
-                </a:solidFill>
-              </a:rPr>
-              <a:t>8</a:t>
-            </a:r>
-            <a:r>
-              <a:rPr lang="zh-CN" altLang="en-US" dirty="0">
-                <a:solidFill>
-                  <a:srgbClr val="002060"/>
-                </a:solidFill>
-              </a:rPr>
-              <a:t>位表示，取值范围为</a:t>
-            </a:r>
-            <a:r>
-              <a:rPr lang="en-US" altLang="zh-CN" dirty="0">
-                <a:solidFill>
-                  <a:srgbClr val="002060"/>
-                </a:solidFill>
-              </a:rPr>
-              <a:t>0-255</a:t>
-            </a:r>
-            <a:r>
-              <a:rPr lang="zh-CN" altLang="en-US" dirty="0">
-                <a:solidFill>
-                  <a:srgbClr val="002060"/>
-                </a:solidFill>
-              </a:rPr>
-              <a:t>。注意在内存中</a:t>
-            </a:r>
-            <a:r>
-              <a:rPr lang="en-US" altLang="zh-CN" dirty="0">
-                <a:solidFill>
-                  <a:srgbClr val="002060"/>
-                </a:solidFill>
-              </a:rPr>
-              <a:t>RGB</a:t>
-            </a:r>
-            <a:r>
-              <a:rPr lang="zh-CN" altLang="en-US" dirty="0">
-                <a:solidFill>
-                  <a:srgbClr val="002060"/>
-                </a:solidFill>
-              </a:rPr>
-              <a:t>各分量的排列顺序为：</a:t>
-            </a:r>
-            <a:r>
-              <a:rPr lang="en-US" altLang="zh-CN" dirty="0">
-                <a:solidFill>
-                  <a:srgbClr val="002060"/>
-                </a:solidFill>
-              </a:rPr>
-              <a:t>BGR </a:t>
-            </a:r>
-            <a:r>
-              <a:rPr lang="en-US" altLang="zh-CN" dirty="0" err="1" smtClean="0">
-                <a:solidFill>
-                  <a:srgbClr val="002060"/>
-                </a:solidFill>
-              </a:rPr>
-              <a:t>BGR</a:t>
-            </a:r>
-            <a:r>
-              <a:rPr lang="en-US" altLang="zh-CN" dirty="0">
-                <a:solidFill>
-                  <a:srgbClr val="002060"/>
-                </a:solidFill>
-              </a:rPr>
-              <a:t> </a:t>
-            </a:r>
-            <a:r>
-              <a:rPr lang="en-US" altLang="zh-CN" dirty="0" err="1" smtClean="0">
-                <a:solidFill>
-                  <a:srgbClr val="002060"/>
-                </a:solidFill>
-              </a:rPr>
-              <a:t>BGR</a:t>
-            </a:r>
-            <a:r>
-              <a:rPr lang="en-US" altLang="zh-CN" dirty="0" smtClean="0">
-                <a:solidFill>
-                  <a:srgbClr val="002060"/>
-                </a:solidFill>
-              </a:rPr>
-              <a:t> …</a:t>
-            </a:r>
-            <a:endParaRPr lang="zh-CN" altLang="en-US" dirty="0">
-              <a:solidFill>
-                <a:srgbClr val="002060"/>
-              </a:solidFill>
-            </a:endParaRPr>
-          </a:p>
-          <a:p>
-            <a:endParaRPr lang="en-US" altLang="zh-CN" dirty="0"/>
-          </a:p>
-          <a:p>
-            <a:endParaRPr lang="zh-CN" altLang="en-US" dirty="0"/>
-          </a:p>
-        </p:txBody>
-      </p:sp>
-    </p:spTree>
-    <p:extLst>
-      <p:ext uri="{BB962C8B-B14F-4D97-AF65-F5344CB8AC3E}">
-        <p14:creationId xmlns:p14="http://schemas.microsoft.com/office/powerpoint/2010/main" val="2705513254"/>
       </p:ext>
     </p:extLst>
   </p:cSld>
@@ -42785,7 +47257,7 @@
             <a:fld id="{E3127EC2-47FB-48A1-8644-C8A81DDAA119}" type="datetime4">
               <a:rPr lang="en-US" smtClean="0"/>
               <a:pPr/>
-              <a:t>April 16, 2015</a:t>
+              <a:t>April 20, 2015</a:t>
             </a:fld>
             <a:endParaRPr lang="en-US"/>
           </a:p>
@@ -43718,7 +48190,7 @@
             <a:fld id="{E3127EC2-47FB-48A1-8644-C8A81DDAA119}" type="datetime4">
               <a:rPr lang="en-US" smtClean="0"/>
               <a:pPr/>
-              <a:t>April 16, 2015</a:t>
+              <a:t>April 20, 2015</a:t>
             </a:fld>
             <a:endParaRPr lang="en-US"/>
           </a:p>
@@ -44442,7 +48914,7 @@
             <a:fld id="{E3127EC2-47FB-48A1-8644-C8A81DDAA119}" type="datetime4">
               <a:rPr lang="en-US" smtClean="0"/>
               <a:pPr/>
-              <a:t>April 16, 2015</a:t>
+              <a:t>April 20, 2015</a:t>
             </a:fld>
             <a:endParaRPr lang="en-US"/>
           </a:p>
